--- a/RegularExpressions.pptx
+++ b/RegularExpressions.pptx
@@ -7,7 +7,7 @@
     <p:sldMasterId id="2147484842" r:id="rId6"/>
   </p:sldMasterIdLst>
   <p:notesMasterIdLst>
-    <p:notesMasterId r:id="rId57"/>
+    <p:notesMasterId r:id="rId55"/>
   </p:notesMasterIdLst>
   <p:sldIdLst>
     <p:sldId id="1236" r:id="rId7"/>
@@ -26,40 +26,38 @@
     <p:sldId id="1249" r:id="rId20"/>
     <p:sldId id="1250" r:id="rId21"/>
     <p:sldId id="1251" r:id="rId22"/>
-    <p:sldId id="1252" r:id="rId23"/>
-    <p:sldId id="1253" r:id="rId24"/>
-    <p:sldId id="1254" r:id="rId25"/>
-    <p:sldId id="1255" r:id="rId26"/>
-    <p:sldId id="1256" r:id="rId27"/>
-    <p:sldId id="1257" r:id="rId28"/>
-    <p:sldId id="1258" r:id="rId29"/>
-    <p:sldId id="1259" r:id="rId30"/>
-    <p:sldId id="1260" r:id="rId31"/>
-    <p:sldId id="1261" r:id="rId32"/>
-    <p:sldId id="1262" r:id="rId33"/>
-    <p:sldId id="1263" r:id="rId34"/>
-    <p:sldId id="1264" r:id="rId35"/>
-    <p:sldId id="1265" r:id="rId36"/>
-    <p:sldId id="1266" r:id="rId37"/>
-    <p:sldId id="1267" r:id="rId38"/>
-    <p:sldId id="1268" r:id="rId39"/>
-    <p:sldId id="1269" r:id="rId40"/>
-    <p:sldId id="1270" r:id="rId41"/>
-    <p:sldId id="1271" r:id="rId42"/>
-    <p:sldId id="1272" r:id="rId43"/>
-    <p:sldId id="1273" r:id="rId44"/>
-    <p:sldId id="1274" r:id="rId45"/>
-    <p:sldId id="1275" r:id="rId46"/>
-    <p:sldId id="1276" r:id="rId47"/>
-    <p:sldId id="1277" r:id="rId48"/>
-    <p:sldId id="1279" r:id="rId49"/>
-    <p:sldId id="1280" r:id="rId50"/>
-    <p:sldId id="1281" r:id="rId51"/>
-    <p:sldId id="1282" r:id="rId52"/>
-    <p:sldId id="1283" r:id="rId53"/>
-    <p:sldId id="1284" r:id="rId54"/>
-    <p:sldId id="1285" r:id="rId55"/>
-    <p:sldId id="1206" r:id="rId56"/>
+    <p:sldId id="1286" r:id="rId23"/>
+    <p:sldId id="1252" r:id="rId24"/>
+    <p:sldId id="1253" r:id="rId25"/>
+    <p:sldId id="1254" r:id="rId26"/>
+    <p:sldId id="1255" r:id="rId27"/>
+    <p:sldId id="1256" r:id="rId28"/>
+    <p:sldId id="1257" r:id="rId29"/>
+    <p:sldId id="1258" r:id="rId30"/>
+    <p:sldId id="1259" r:id="rId31"/>
+    <p:sldId id="1260" r:id="rId32"/>
+    <p:sldId id="1263" r:id="rId33"/>
+    <p:sldId id="1264" r:id="rId34"/>
+    <p:sldId id="1265" r:id="rId35"/>
+    <p:sldId id="1266" r:id="rId36"/>
+    <p:sldId id="1267" r:id="rId37"/>
+    <p:sldId id="1268" r:id="rId38"/>
+    <p:sldId id="1269" r:id="rId39"/>
+    <p:sldId id="1270" r:id="rId40"/>
+    <p:sldId id="1271" r:id="rId41"/>
+    <p:sldId id="1272" r:id="rId42"/>
+    <p:sldId id="1273" r:id="rId43"/>
+    <p:sldId id="1274" r:id="rId44"/>
+    <p:sldId id="1275" r:id="rId45"/>
+    <p:sldId id="1276" r:id="rId46"/>
+    <p:sldId id="1277" r:id="rId47"/>
+    <p:sldId id="1279" r:id="rId48"/>
+    <p:sldId id="1280" r:id="rId49"/>
+    <p:sldId id="1282" r:id="rId50"/>
+    <p:sldId id="1283" r:id="rId51"/>
+    <p:sldId id="1284" r:id="rId52"/>
+    <p:sldId id="1285" r:id="rId53"/>
+    <p:sldId id="1206" r:id="rId54"/>
   </p:sldIdLst>
   <p:sldSz cx="12192000" cy="6858000"/>
   <p:notesSz cx="6858000" cy="9144000"/>
@@ -209,6 +207,7 @@
             <p14:sldId id="1249"/>
             <p14:sldId id="1250"/>
             <p14:sldId id="1251"/>
+            <p14:sldId id="1286"/>
             <p14:sldId id="1252"/>
             <p14:sldId id="1253"/>
             <p14:sldId id="1254"/>
@@ -218,8 +217,6 @@
             <p14:sldId id="1258"/>
             <p14:sldId id="1259"/>
             <p14:sldId id="1260"/>
-            <p14:sldId id="1261"/>
-            <p14:sldId id="1262"/>
             <p14:sldId id="1263"/>
             <p14:sldId id="1264"/>
             <p14:sldId id="1265"/>
@@ -237,7 +234,6 @@
             <p14:sldId id="1277"/>
             <p14:sldId id="1279"/>
             <p14:sldId id="1280"/>
-            <p14:sldId id="1281"/>
             <p14:sldId id="1282"/>
             <p14:sldId id="1283"/>
             <p14:sldId id="1284"/>
@@ -248,7 +244,7 @@
       </p14:sectionLst>
     </p:ext>
     <p:ext uri="{EFAFB233-063F-42B5-8137-9DF3F51BA10A}">
-      <p15:sldGuideLst xmlns:p15="http://schemas.microsoft.com/office/powerpoint/2012/main" xmlns="">
+      <p15:sldGuideLst xmlns="" xmlns:p15="http://schemas.microsoft.com/office/powerpoint/2012/main">
         <p15:guide id="1" orient="horz" pos="1979" userDrawn="1">
           <p15:clr>
             <a:srgbClr val="A4A3A4"/>
@@ -289,7 +285,7 @@
   <p:cmAuthor id="5" name="Shaun Greene" initials="SG" lastIdx="1" clrIdx="4">
     <p:extLst>
       <p:ext uri="{19B8F6BF-5375-455C-9EA6-DF929625EA0E}">
-        <p15:presenceInfo xmlns:p15="http://schemas.microsoft.com/office/powerpoint/2012/main" xmlns="" userId="S::sgree@softserveinc.com::aada7fc0-4079-4dff-b590-112c10cd2245" providerId="AD"/>
+        <p15:presenceInfo xmlns="" xmlns:p15="http://schemas.microsoft.com/office/powerpoint/2012/main" userId="S::sgree@softserveinc.com::aada7fc0-4079-4dff-b590-112c10cd2245" providerId="AD"/>
       </p:ext>
     </p:extLst>
   </p:cmAuthor>
@@ -1555,7 +1551,7 @@
               <a:pPr>
                 <a:defRPr/>
               </a:pPr>
-              <a:t>01/11/2020</a:t>
+              <a:t>10/11/2020</a:t>
             </a:fld>
             <a:endParaRPr lang="en-GB"/>
           </a:p>
@@ -1960,7 +1956,7 @@
           <p:cNvPr id="8" name="Picture 7">
             <a:extLst>
               <a:ext uri="{FF2B5EF4-FFF2-40B4-BE49-F238E27FC236}">
-                <a16:creationId xmlns:a16="http://schemas.microsoft.com/office/drawing/2014/main" xmlns="" id="{1CF45043-0DF6-7844-A454-194D648F98F1}"/>
+                <a16:creationId xmlns="" xmlns:a16="http://schemas.microsoft.com/office/drawing/2014/main" id="{1CF45043-0DF6-7844-A454-194D648F98F1}"/>
               </a:ext>
             </a:extLst>
           </p:cNvPr>
@@ -1990,7 +1986,7 @@
           <p:cNvPr id="10" name="Title 8">
             <a:extLst>
               <a:ext uri="{FF2B5EF4-FFF2-40B4-BE49-F238E27FC236}">
-                <a16:creationId xmlns:a16="http://schemas.microsoft.com/office/drawing/2014/main" xmlns="" id="{353C5CCE-34CF-4745-B8D7-AF744DB56245}"/>
+                <a16:creationId xmlns="" xmlns:a16="http://schemas.microsoft.com/office/drawing/2014/main" id="{353C5CCE-34CF-4745-B8D7-AF744DB56245}"/>
               </a:ext>
             </a:extLst>
           </p:cNvPr>
@@ -2701,7 +2697,7 @@
           <p:cNvPr id="10" name="Title 1">
             <a:extLst>
               <a:ext uri="{FF2B5EF4-FFF2-40B4-BE49-F238E27FC236}">
-                <a16:creationId xmlns:a16="http://schemas.microsoft.com/office/drawing/2014/main" xmlns="" id="{B4B68A2E-49F8-4BDA-BD1A-488169336555}"/>
+                <a16:creationId xmlns="" xmlns:a16="http://schemas.microsoft.com/office/drawing/2014/main" id="{B4B68A2E-49F8-4BDA-BD1A-488169336555}"/>
               </a:ext>
             </a:extLst>
           </p:cNvPr>
@@ -3036,7 +3032,7 @@
           <p:cNvPr id="8" name="Picture 7">
             <a:extLst>
               <a:ext uri="{FF2B5EF4-FFF2-40B4-BE49-F238E27FC236}">
-                <a16:creationId xmlns:a16="http://schemas.microsoft.com/office/drawing/2014/main" xmlns="" id="{1CF45043-0DF6-7844-A454-194D648F98F1}"/>
+                <a16:creationId xmlns="" xmlns:a16="http://schemas.microsoft.com/office/drawing/2014/main" id="{1CF45043-0DF6-7844-A454-194D648F98F1}"/>
               </a:ext>
             </a:extLst>
           </p:cNvPr>
@@ -3066,7 +3062,7 @@
           <p:cNvPr id="10" name="Title 8">
             <a:extLst>
               <a:ext uri="{FF2B5EF4-FFF2-40B4-BE49-F238E27FC236}">
-                <a16:creationId xmlns:a16="http://schemas.microsoft.com/office/drawing/2014/main" xmlns="" id="{353C5CCE-34CF-4745-B8D7-AF744DB56245}"/>
+                <a16:creationId xmlns="" xmlns:a16="http://schemas.microsoft.com/office/drawing/2014/main" id="{353C5CCE-34CF-4745-B8D7-AF744DB56245}"/>
               </a:ext>
             </a:extLst>
           </p:cNvPr>
@@ -3281,7 +3277,7 @@
           <p:cNvPr id="7" name="Picture 6">
             <a:extLst>
               <a:ext uri="{FF2B5EF4-FFF2-40B4-BE49-F238E27FC236}">
-                <a16:creationId xmlns:a16="http://schemas.microsoft.com/office/drawing/2014/main" xmlns="" id="{19906801-963A-2748-A48D-2607EEFEA3B7}"/>
+                <a16:creationId xmlns="" xmlns:a16="http://schemas.microsoft.com/office/drawing/2014/main" id="{19906801-963A-2748-A48D-2607EEFEA3B7}"/>
               </a:ext>
             </a:extLst>
           </p:cNvPr>
@@ -3983,7 +3979,7 @@
           <p:cNvPr id="9" name="Picture 8">
             <a:extLst>
               <a:ext uri="{FF2B5EF4-FFF2-40B4-BE49-F238E27FC236}">
-                <a16:creationId xmlns:a16="http://schemas.microsoft.com/office/drawing/2014/main" xmlns="" id="{21C47469-3B03-E44C-89B5-F697BC2200BB}"/>
+                <a16:creationId xmlns="" xmlns:a16="http://schemas.microsoft.com/office/drawing/2014/main" id="{21C47469-3B03-E44C-89B5-F697BC2200BB}"/>
               </a:ext>
             </a:extLst>
           </p:cNvPr>
@@ -4434,7 +4430,7 @@
           <p:cNvPr id="7" name="Picture 6">
             <a:extLst>
               <a:ext uri="{FF2B5EF4-FFF2-40B4-BE49-F238E27FC236}">
-                <a16:creationId xmlns:a16="http://schemas.microsoft.com/office/drawing/2014/main" xmlns="" id="{19906801-963A-2748-A48D-2607EEFEA3B7}"/>
+                <a16:creationId xmlns="" xmlns:a16="http://schemas.microsoft.com/office/drawing/2014/main" id="{19906801-963A-2748-A48D-2607EEFEA3B7}"/>
               </a:ext>
             </a:extLst>
           </p:cNvPr>
@@ -5763,7 +5759,7 @@
           <p:cNvPr id="10" name="Title 1">
             <a:extLst>
               <a:ext uri="{FF2B5EF4-FFF2-40B4-BE49-F238E27FC236}">
-                <a16:creationId xmlns:a16="http://schemas.microsoft.com/office/drawing/2014/main" xmlns="" id="{B4B68A2E-49F8-4BDA-BD1A-488169336555}"/>
+                <a16:creationId xmlns="" xmlns:a16="http://schemas.microsoft.com/office/drawing/2014/main" id="{B4B68A2E-49F8-4BDA-BD1A-488169336555}"/>
               </a:ext>
             </a:extLst>
           </p:cNvPr>
@@ -5974,7 +5970,7 @@
           <p:cNvPr id="8" name="Picture 7">
             <a:extLst>
               <a:ext uri="{FF2B5EF4-FFF2-40B4-BE49-F238E27FC236}">
-                <a16:creationId xmlns:a16="http://schemas.microsoft.com/office/drawing/2014/main" xmlns="" id="{1CF45043-0DF6-7844-A454-194D648F98F1}"/>
+                <a16:creationId xmlns="" xmlns:a16="http://schemas.microsoft.com/office/drawing/2014/main" id="{1CF45043-0DF6-7844-A454-194D648F98F1}"/>
               </a:ext>
             </a:extLst>
           </p:cNvPr>
@@ -6135,7 +6131,7 @@
           <p:cNvPr id="7" name="Picture 6">
             <a:extLst>
               <a:ext uri="{FF2B5EF4-FFF2-40B4-BE49-F238E27FC236}">
-                <a16:creationId xmlns:a16="http://schemas.microsoft.com/office/drawing/2014/main" xmlns="" id="{19906801-963A-2748-A48D-2607EEFEA3B7}"/>
+                <a16:creationId xmlns="" xmlns:a16="http://schemas.microsoft.com/office/drawing/2014/main" id="{19906801-963A-2748-A48D-2607EEFEA3B7}"/>
               </a:ext>
             </a:extLst>
           </p:cNvPr>
@@ -6327,7 +6323,7 @@
           <p:cNvPr id="6" name="Text Placeholder 6">
             <a:extLst>
               <a:ext uri="{FF2B5EF4-FFF2-40B4-BE49-F238E27FC236}">
-                <a16:creationId xmlns:a16="http://schemas.microsoft.com/office/drawing/2014/main" xmlns="" id="{6DDF5AB6-195E-47F9-91E3-98E599C01EFB}"/>
+                <a16:creationId xmlns="" xmlns:a16="http://schemas.microsoft.com/office/drawing/2014/main" id="{6DDF5AB6-195E-47F9-91E3-98E599C01EFB}"/>
               </a:ext>
             </a:extLst>
           </p:cNvPr>
@@ -6625,7 +6621,7 @@
           <p:cNvPr id="9" name="Picture 8">
             <a:extLst>
               <a:ext uri="{FF2B5EF4-FFF2-40B4-BE49-F238E27FC236}">
-                <a16:creationId xmlns:a16="http://schemas.microsoft.com/office/drawing/2014/main" xmlns="" id="{320D1B1E-8401-8049-8729-0C74A6C1928C}"/>
+                <a16:creationId xmlns="" xmlns:a16="http://schemas.microsoft.com/office/drawing/2014/main" id="{320D1B1E-8401-8049-8729-0C74A6C1928C}"/>
               </a:ext>
             </a:extLst>
           </p:cNvPr>
@@ -6909,7 +6905,7 @@
           <p:cNvPr id="9" name="Rectangle 8">
             <a:extLst>
               <a:ext uri="{FF2B5EF4-FFF2-40B4-BE49-F238E27FC236}">
-                <a16:creationId xmlns:a16="http://schemas.microsoft.com/office/drawing/2014/main" xmlns="" id="{9CC0A6A9-FB31-4A19-A170-D23A18C938E0}"/>
+                <a16:creationId xmlns="" xmlns:a16="http://schemas.microsoft.com/office/drawing/2014/main" id="{9CC0A6A9-FB31-4A19-A170-D23A18C938E0}"/>
               </a:ext>
             </a:extLst>
           </p:cNvPr>
@@ -9494,7 +9490,7 @@
           <p:cNvPr id="22" name="Picture 21">
             <a:extLst>
               <a:ext uri="{FF2B5EF4-FFF2-40B4-BE49-F238E27FC236}">
-                <a16:creationId xmlns:a16="http://schemas.microsoft.com/office/drawing/2014/main" xmlns="" id="{D2C70A87-6824-3248-B448-307E7C5BC0C9}"/>
+                <a16:creationId xmlns="" xmlns:a16="http://schemas.microsoft.com/office/drawing/2014/main" id="{D2C70A87-6824-3248-B448-307E7C5BC0C9}"/>
               </a:ext>
             </a:extLst>
           </p:cNvPr>
@@ -9930,7 +9926,7 @@
           <p:cNvPr id="9" name="Picture 8">
             <a:extLst>
               <a:ext uri="{FF2B5EF4-FFF2-40B4-BE49-F238E27FC236}">
-                <a16:creationId xmlns:a16="http://schemas.microsoft.com/office/drawing/2014/main" xmlns="" id="{21C47469-3B03-E44C-89B5-F697BC2200BB}"/>
+                <a16:creationId xmlns="" xmlns:a16="http://schemas.microsoft.com/office/drawing/2014/main" id="{21C47469-3B03-E44C-89B5-F697BC2200BB}"/>
               </a:ext>
             </a:extLst>
           </p:cNvPr>
@@ -11291,7 +11287,7 @@
   </p:txStyles>
   <p:extLst>
     <p:ext uri="{27BBF7A9-308A-43DC-89C8-2F10F3537804}">
-      <p15:sldGuideLst xmlns:p15="http://schemas.microsoft.com/office/powerpoint/2012/main" xmlns="">
+      <p15:sldGuideLst xmlns="" xmlns:p15="http://schemas.microsoft.com/office/powerpoint/2012/main">
         <p15:guide id="1" orient="horz" pos="2160">
           <p15:clr>
             <a:srgbClr val="F26B43"/>
@@ -11767,7 +11763,7 @@
   </p:txStyles>
   <p:extLst>
     <p:ext uri="{27BBF7A9-308A-43DC-89C8-2F10F3537804}">
-      <p15:sldGuideLst xmlns:p15="http://schemas.microsoft.com/office/powerpoint/2012/main" xmlns="">
+      <p15:sldGuideLst xmlns="" xmlns:p15="http://schemas.microsoft.com/office/powerpoint/2012/main">
         <p15:guide id="1" orient="horz" pos="2160">
           <p15:clr>
             <a:srgbClr val="F26B43"/>
@@ -12243,7 +12239,7 @@
   </p:txStyles>
   <p:extLst>
     <p:ext uri="{27BBF7A9-308A-43DC-89C8-2F10F3537804}">
-      <p15:sldGuideLst xmlns:p15="http://schemas.microsoft.com/office/powerpoint/2012/main" xmlns="">
+      <p15:sldGuideLst xmlns="" xmlns:p15="http://schemas.microsoft.com/office/powerpoint/2012/main">
         <p15:guide id="1" orient="horz" pos="2160">
           <p15:clr>
             <a:srgbClr val="F26B43"/>
@@ -12392,7 +12388,7 @@
           <p:cNvPr id="4" name="Title 3">
             <a:extLst>
               <a:ext uri="{FF2B5EF4-FFF2-40B4-BE49-F238E27FC236}">
-                <a16:creationId xmlns:a16="http://schemas.microsoft.com/office/drawing/2014/main" xmlns="" id="{9C0E98AF-C5CD-4FAB-A01E-D24E37D15F8E}"/>
+                <a16:creationId xmlns="" xmlns:a16="http://schemas.microsoft.com/office/drawing/2014/main" id="{9C0E98AF-C5CD-4FAB-A01E-D24E37D15F8E}"/>
               </a:ext>
             </a:extLst>
           </p:cNvPr>
@@ -13995,56 +13991,6 @@
           <a:chExt cx="0" cy="0"/>
         </a:xfrm>
       </p:grpSpPr>
-      <p:sp>
-        <p:nvSpPr>
-          <p:cNvPr id="2" name="TextBox 1"/>
-          <p:cNvSpPr txBox="1"/>
-          <p:nvPr/>
-        </p:nvSpPr>
-        <p:spPr>
-          <a:xfrm>
-            <a:off x="716280" y="701040"/>
-            <a:ext cx="11003280" cy="1846659"/>
-          </a:xfrm>
-          <a:prstGeom prst="rect">
-            <a:avLst/>
-          </a:prstGeom>
-          <a:noFill/>
-        </p:spPr>
-        <p:txBody>
-          <a:bodyPr wrap="square" rtlCol="0">
-            <a:spAutoFit/>
-          </a:bodyPr>
-          <a:lstStyle/>
-          <a:p>
-            <a:r>
-              <a:rPr lang="en-US" sz="2400" b="1" dirty="0"/>
-              <a:t>Escaping</a:t>
-            </a:r>
-          </a:p>
-          <a:p>
-            <a:r>
-              <a:rPr lang="en-US" sz="2400" dirty="0"/>
-              <a:t>Let’s say we want to find literally a dot. Not “any character”, but just a dot.</a:t>
-            </a:r>
-          </a:p>
-          <a:p>
-            <a:r>
-              <a:rPr lang="en-US" sz="2400" dirty="0"/>
-              <a:t>To use a special character as a regular one, prepend it with a backslash: \..</a:t>
-            </a:r>
-          </a:p>
-          <a:p>
-            <a:r>
-              <a:rPr lang="en-US" sz="2400" dirty="0"/>
-              <a:t>That’s also called “escaping a character”.</a:t>
-            </a:r>
-          </a:p>
-          <a:p>
-            <a:endParaRPr lang="ru-RU" dirty="0"/>
-          </a:p>
-        </p:txBody>
-      </p:sp>
       <p:pic>
         <p:nvPicPr>
           <p:cNvPr id="2050" name="Picture 2"/>
@@ -14068,8 +14014,8 @@
         </p:blipFill>
         <p:spPr bwMode="auto">
           <a:xfrm>
-            <a:off x="396240" y="2301240"/>
-            <a:ext cx="10816590" cy="1036320"/>
+            <a:off x="585608" y="792480"/>
+            <a:ext cx="11042511" cy="5032889"/>
           </a:xfrm>
           <a:prstGeom prst="rect">
             <a:avLst/>
@@ -14109,16 +14055,46 @@
           </a:extLst>
         </p:spPr>
       </p:pic>
+    </p:spTree>
+    <p:extLst>
+      <p:ext uri="{BB962C8B-B14F-4D97-AF65-F5344CB8AC3E}">
+        <p14:creationId xmlns:p14="http://schemas.microsoft.com/office/powerpoint/2010/main" val="71387278"/>
+      </p:ext>
+    </p:extLst>
+  </p:cSld>
+  <p:clrMapOvr>
+    <a:masterClrMapping/>
+  </p:clrMapOvr>
+</p:sld>
+</file>
+
+<file path=ppt/slides/slide18.xml><?xml version="1.0" encoding="utf-8"?>
+<p:sld xmlns:a="http://schemas.openxmlformats.org/drawingml/2006/main" xmlns:r="http://schemas.openxmlformats.org/officeDocument/2006/relationships" xmlns:p="http://schemas.openxmlformats.org/presentationml/2006/main">
+  <p:cSld>
+    <p:spTree>
+      <p:nvGrpSpPr>
+        <p:cNvPr id="1" name=""/>
+        <p:cNvGrpSpPr/>
+        <p:nvPr/>
+      </p:nvGrpSpPr>
+      <p:grpSpPr>
+        <a:xfrm>
+          <a:off x="0" y="0"/>
+          <a:ext cx="0" cy="0"/>
+          <a:chOff x="0" y="0"/>
+          <a:chExt cx="0" cy="0"/>
+        </a:xfrm>
+      </p:grpSpPr>
       <p:sp>
         <p:nvSpPr>
-          <p:cNvPr id="3" name="TextBox 2"/>
+          <p:cNvPr id="2" name="TextBox 1"/>
           <p:cNvSpPr txBox="1"/>
           <p:nvPr/>
         </p:nvSpPr>
         <p:spPr>
           <a:xfrm>
-            <a:off x="523875" y="3581400"/>
-            <a:ext cx="10561320" cy="1477328"/>
+            <a:off x="716280" y="701040"/>
+            <a:ext cx="11003280" cy="1846659"/>
           </a:xfrm>
           <a:prstGeom prst="rect">
             <a:avLst/>
@@ -14133,21 +14109,25 @@
           <a:p>
             <a:r>
               <a:rPr lang="en-US" sz="2400" b="1" dirty="0"/>
-              <a:t>A slash</a:t>
-            </a:r>
-          </a:p>
-          <a:p>
-            <a:r>
-              <a:rPr lang="en-US" sz="2400" dirty="0"/>
-              <a:t>A slash symbol '/' is not a special character, but in JavaScript it is used to open and close the </a:t>
-            </a:r>
-            <a:r>
-              <a:rPr lang="en-US" sz="2400" dirty="0" err="1"/>
-              <a:t>regexp</a:t>
-            </a:r>
-            <a:r>
-              <a:rPr lang="en-US" sz="2400" dirty="0"/>
-              <a:t>: /...pattern.../, so we should escape it too.</a:t>
+              <a:t>Escaping</a:t>
+            </a:r>
+          </a:p>
+          <a:p>
+            <a:r>
+              <a:rPr lang="en-US" sz="2400" dirty="0"/>
+              <a:t>Let’s say we want to find literally a dot. Not “any character”, but just a dot.</a:t>
+            </a:r>
+          </a:p>
+          <a:p>
+            <a:r>
+              <a:rPr lang="en-US" sz="2400" dirty="0"/>
+              <a:t>To use a special character as a regular one, prepend it with a backslash: \..</a:t>
+            </a:r>
+          </a:p>
+          <a:p>
+            <a:r>
+              <a:rPr lang="en-US" sz="2400" dirty="0"/>
+              <a:t>That’s also called “escaping a character”.</a:t>
             </a:r>
           </a:p>
           <a:p>
@@ -14157,14 +14137,14 @@
       </p:sp>
       <p:pic>
         <p:nvPicPr>
-          <p:cNvPr id="2051" name="Picture 3"/>
+          <p:cNvPr id="2050" name="Picture 2"/>
           <p:cNvPicPr>
             <a:picLocks noChangeAspect="1" noChangeArrowheads="1"/>
           </p:cNvPicPr>
           <p:nvPr/>
         </p:nvPicPr>
         <p:blipFill>
-          <a:blip r:embed="rId3">
+          <a:blip r:embed="rId2">
             <a:extLst>
               <a:ext uri="{28A0092B-C50C-407E-A947-70E740481C1C}">
                 <a14:useLocalDpi xmlns:a14="http://schemas.microsoft.com/office/drawing/2010/main" val="0"/>
@@ -14178,8 +14158,8 @@
         </p:blipFill>
         <p:spPr bwMode="auto">
           <a:xfrm>
-            <a:off x="426720" y="4933950"/>
-            <a:ext cx="9437426" cy="1482090"/>
+            <a:off x="396240" y="2301240"/>
+            <a:ext cx="10816590" cy="1036320"/>
           </a:xfrm>
           <a:prstGeom prst="rect">
             <a:avLst/>
@@ -14219,46 +14199,16 @@
           </a:extLst>
         </p:spPr>
       </p:pic>
-    </p:spTree>
-    <p:extLst>
-      <p:ext uri="{BB962C8B-B14F-4D97-AF65-F5344CB8AC3E}">
-        <p14:creationId xmlns:p14="http://schemas.microsoft.com/office/powerpoint/2010/main" val="3597653792"/>
-      </p:ext>
-    </p:extLst>
-  </p:cSld>
-  <p:clrMapOvr>
-    <a:masterClrMapping/>
-  </p:clrMapOvr>
-</p:sld>
-</file>
-
-<file path=ppt/slides/slide18.xml><?xml version="1.0" encoding="utf-8"?>
-<p:sld xmlns:a="http://schemas.openxmlformats.org/drawingml/2006/main" xmlns:r="http://schemas.openxmlformats.org/officeDocument/2006/relationships" xmlns:p="http://schemas.openxmlformats.org/presentationml/2006/main">
-  <p:cSld>
-    <p:spTree>
-      <p:nvGrpSpPr>
-        <p:cNvPr id="1" name=""/>
-        <p:cNvGrpSpPr/>
-        <p:nvPr/>
-      </p:nvGrpSpPr>
-      <p:grpSpPr>
-        <a:xfrm>
-          <a:off x="0" y="0"/>
-          <a:ext cx="0" cy="0"/>
-          <a:chOff x="0" y="0"/>
-          <a:chExt cx="0" cy="0"/>
-        </a:xfrm>
-      </p:grpSpPr>
       <p:sp>
         <p:nvSpPr>
-          <p:cNvPr id="2" name="TextBox 1"/>
+          <p:cNvPr id="3" name="TextBox 2"/>
           <p:cNvSpPr txBox="1"/>
           <p:nvPr/>
         </p:nvSpPr>
         <p:spPr>
           <a:xfrm>
-            <a:off x="304800" y="563880"/>
-            <a:ext cx="11704320" cy="2215991"/>
+            <a:off x="523875" y="3581400"/>
+            <a:ext cx="10561320" cy="1477328"/>
           </a:xfrm>
           <a:prstGeom prst="rect">
             <a:avLst/>
@@ -14273,35 +14223,13 @@
           <a:p>
             <a:r>
               <a:rPr lang="en-US" sz="2400" b="1" dirty="0"/>
-              <a:t>Sets</a:t>
-            </a:r>
-          </a:p>
-          <a:p>
-            <a:r>
-              <a:rPr lang="en-US" sz="2400" dirty="0"/>
-              <a:t>For instance, [</a:t>
-            </a:r>
-            <a:r>
-              <a:rPr lang="en-US" sz="2400" dirty="0" err="1"/>
-              <a:t>eao</a:t>
-            </a:r>
-            <a:r>
-              <a:rPr lang="en-US" sz="2400" dirty="0"/>
-              <a:t>] means any of the 3 characters: 'a', 'e', or 'o'.</a:t>
-            </a:r>
-          </a:p>
-          <a:p>
-            <a:r>
-              <a:rPr lang="en-US" sz="2400" dirty="0"/>
-              <a:t>That’s called a </a:t>
-            </a:r>
-            <a:r>
-              <a:rPr lang="en-US" sz="2400" i="1" dirty="0"/>
-              <a:t>set</a:t>
-            </a:r>
-            <a:r>
-              <a:rPr lang="en-US" sz="2400" dirty="0"/>
-              <a:t>. Sets can be used in a </a:t>
+              <a:t>A slash</a:t>
+            </a:r>
+          </a:p>
+          <a:p>
+            <a:r>
+              <a:rPr lang="en-US" sz="2400" dirty="0"/>
+              <a:t>A slash symbol '/' is not a special character, but in JavaScript it is used to open and close the </a:t>
             </a:r>
             <a:r>
               <a:rPr lang="en-US" sz="2400" dirty="0" err="1"/>
@@ -14309,19 +14237,8 @@
             </a:r>
             <a:r>
               <a:rPr lang="en-US" sz="2400" dirty="0"/>
-              <a:t> along with regular characters</a:t>
-            </a:r>
-            <a:r>
-              <a:rPr lang="en-US" sz="2400" dirty="0" smtClean="0"/>
-              <a:t>:</a:t>
-            </a:r>
-            <a:endParaRPr lang="uk-UA" sz="2400" dirty="0" smtClean="0"/>
-          </a:p>
-          <a:p>
-            <a:endParaRPr lang="uk-UA" sz="2400" dirty="0"/>
-          </a:p>
-          <a:p>
-            <a:endParaRPr lang="en-US" sz="2400" dirty="0"/>
+              <a:t>: /...pattern.../, so we should escape it too.</a:t>
+            </a:r>
           </a:p>
           <a:p>
             <a:endParaRPr lang="ru-RU" dirty="0"/>
@@ -14330,14 +14247,14 @@
       </p:sp>
       <p:pic>
         <p:nvPicPr>
-          <p:cNvPr id="1026" name="Picture 2"/>
+          <p:cNvPr id="2051" name="Picture 3"/>
           <p:cNvPicPr>
             <a:picLocks noChangeAspect="1" noChangeArrowheads="1"/>
           </p:cNvPicPr>
           <p:nvPr/>
         </p:nvPicPr>
         <p:blipFill>
-          <a:blip r:embed="rId2">
+          <a:blip r:embed="rId3">
             <a:extLst>
               <a:ext uri="{28A0092B-C50C-407E-A947-70E740481C1C}">
                 <a14:useLocalDpi xmlns:a14="http://schemas.microsoft.com/office/drawing/2010/main" val="0"/>
@@ -14351,8 +14268,8 @@
         </p:blipFill>
         <p:spPr bwMode="auto">
           <a:xfrm>
-            <a:off x="441960" y="2286000"/>
-            <a:ext cx="10744200" cy="1432560"/>
+            <a:off x="426720" y="4933950"/>
+            <a:ext cx="9437426" cy="1482090"/>
           </a:xfrm>
           <a:prstGeom prst="rect">
             <a:avLst/>
@@ -14392,16 +14309,125 @@
           </a:extLst>
         </p:spPr>
       </p:pic>
+    </p:spTree>
+    <p:extLst>
+      <p:ext uri="{BB962C8B-B14F-4D97-AF65-F5344CB8AC3E}">
+        <p14:creationId xmlns:p14="http://schemas.microsoft.com/office/powerpoint/2010/main" val="3597653792"/>
+      </p:ext>
+    </p:extLst>
+  </p:cSld>
+  <p:clrMapOvr>
+    <a:masterClrMapping/>
+  </p:clrMapOvr>
+</p:sld>
+</file>
+
+<file path=ppt/slides/slide19.xml><?xml version="1.0" encoding="utf-8"?>
+<p:sld xmlns:a="http://schemas.openxmlformats.org/drawingml/2006/main" xmlns:r="http://schemas.openxmlformats.org/officeDocument/2006/relationships" xmlns:p="http://schemas.openxmlformats.org/presentationml/2006/main">
+  <p:cSld>
+    <p:spTree>
+      <p:nvGrpSpPr>
+        <p:cNvPr id="1" name=""/>
+        <p:cNvGrpSpPr/>
+        <p:nvPr/>
+      </p:nvGrpSpPr>
+      <p:grpSpPr>
+        <a:xfrm>
+          <a:off x="0" y="0"/>
+          <a:ext cx="0" cy="0"/>
+          <a:chOff x="0" y="0"/>
+          <a:chExt cx="0" cy="0"/>
+        </a:xfrm>
+      </p:grpSpPr>
+      <p:sp>
+        <p:nvSpPr>
+          <p:cNvPr id="2" name="TextBox 1"/>
+          <p:cNvSpPr txBox="1"/>
+          <p:nvPr/>
+        </p:nvSpPr>
+        <p:spPr>
+          <a:xfrm>
+            <a:off x="304800" y="563880"/>
+            <a:ext cx="11704320" cy="2215991"/>
+          </a:xfrm>
+          <a:prstGeom prst="rect">
+            <a:avLst/>
+          </a:prstGeom>
+          <a:noFill/>
+        </p:spPr>
+        <p:txBody>
+          <a:bodyPr wrap="square" rtlCol="0">
+            <a:spAutoFit/>
+          </a:bodyPr>
+          <a:lstStyle/>
+          <a:p>
+            <a:r>
+              <a:rPr lang="en-US" sz="2400" b="1" dirty="0"/>
+              <a:t>Sets</a:t>
+            </a:r>
+          </a:p>
+          <a:p>
+            <a:r>
+              <a:rPr lang="en-US" sz="2400" dirty="0"/>
+              <a:t>For instance, [</a:t>
+            </a:r>
+            <a:r>
+              <a:rPr lang="en-US" sz="2400" dirty="0" err="1"/>
+              <a:t>eao</a:t>
+            </a:r>
+            <a:r>
+              <a:rPr lang="en-US" sz="2400" dirty="0"/>
+              <a:t>] means any of the 3 characters: 'a', 'e', or 'o'.</a:t>
+            </a:r>
+          </a:p>
+          <a:p>
+            <a:r>
+              <a:rPr lang="en-US" sz="2400" dirty="0"/>
+              <a:t>That’s called a </a:t>
+            </a:r>
+            <a:r>
+              <a:rPr lang="en-US" sz="2400" i="1" dirty="0"/>
+              <a:t>set</a:t>
+            </a:r>
+            <a:r>
+              <a:rPr lang="en-US" sz="2400" dirty="0"/>
+              <a:t>. Sets can be used in a </a:t>
+            </a:r>
+            <a:r>
+              <a:rPr lang="en-US" sz="2400" dirty="0" err="1"/>
+              <a:t>regexp</a:t>
+            </a:r>
+            <a:r>
+              <a:rPr lang="en-US" sz="2400" dirty="0"/>
+              <a:t> along with regular characters</a:t>
+            </a:r>
+            <a:r>
+              <a:rPr lang="en-US" sz="2400" dirty="0" smtClean="0"/>
+              <a:t>:</a:t>
+            </a:r>
+            <a:endParaRPr lang="uk-UA" sz="2400" dirty="0" smtClean="0"/>
+          </a:p>
+          <a:p>
+            <a:endParaRPr lang="uk-UA" sz="2400" dirty="0"/>
+          </a:p>
+          <a:p>
+            <a:endParaRPr lang="en-US" sz="2400" dirty="0"/>
+          </a:p>
+          <a:p>
+            <a:endParaRPr lang="ru-RU" dirty="0"/>
+          </a:p>
+        </p:txBody>
+      </p:sp>
       <p:pic>
         <p:nvPicPr>
-          <p:cNvPr id="1027" name="Picture 3"/>
+          <p:cNvPr id="1026" name="Picture 2"/>
           <p:cNvPicPr>
             <a:picLocks noChangeAspect="1" noChangeArrowheads="1"/>
           </p:cNvPicPr>
           <p:nvPr/>
         </p:nvPicPr>
         <p:blipFill>
-          <a:blip r:embed="rId3">
+          <a:blip r:embed="rId2">
             <a:extLst>
               <a:ext uri="{28A0092B-C50C-407E-A947-70E740481C1C}">
                 <a14:useLocalDpi xmlns:a14="http://schemas.microsoft.com/office/drawing/2010/main" val="0"/>
@@ -14415,8 +14441,8 @@
         </p:blipFill>
         <p:spPr bwMode="auto">
           <a:xfrm>
-            <a:off x="441959" y="4231005"/>
-            <a:ext cx="10850881" cy="1481988"/>
+            <a:off x="441960" y="2286000"/>
+            <a:ext cx="10744200" cy="1432560"/>
           </a:xfrm>
           <a:prstGeom prst="rect">
             <a:avLst/>
@@ -14456,115 +14482,16 @@
           </a:extLst>
         </p:spPr>
       </p:pic>
-    </p:spTree>
-    <p:extLst>
-      <p:ext uri="{BB962C8B-B14F-4D97-AF65-F5344CB8AC3E}">
-        <p14:creationId xmlns:p14="http://schemas.microsoft.com/office/powerpoint/2010/main" val="2016644588"/>
-      </p:ext>
-    </p:extLst>
-  </p:cSld>
-  <p:clrMapOvr>
-    <a:masterClrMapping/>
-  </p:clrMapOvr>
-</p:sld>
-</file>
-
-<file path=ppt/slides/slide19.xml><?xml version="1.0" encoding="utf-8"?>
-<p:sld xmlns:a="http://schemas.openxmlformats.org/drawingml/2006/main" xmlns:r="http://schemas.openxmlformats.org/officeDocument/2006/relationships" xmlns:p="http://schemas.openxmlformats.org/presentationml/2006/main">
-  <p:cSld>
-    <p:spTree>
-      <p:nvGrpSpPr>
-        <p:cNvPr id="1" name=""/>
-        <p:cNvGrpSpPr/>
-        <p:nvPr/>
-      </p:nvGrpSpPr>
-      <p:grpSpPr>
-        <a:xfrm>
-          <a:off x="0" y="0"/>
-          <a:ext cx="0" cy="0"/>
-          <a:chOff x="0" y="0"/>
-          <a:chExt cx="0" cy="0"/>
-        </a:xfrm>
-      </p:grpSpPr>
-      <p:sp>
-        <p:nvSpPr>
-          <p:cNvPr id="2" name="TextBox 1"/>
-          <p:cNvSpPr txBox="1"/>
-          <p:nvPr/>
-        </p:nvSpPr>
-        <p:spPr>
-          <a:xfrm>
-            <a:off x="533400" y="548640"/>
-            <a:ext cx="10957560" cy="3139321"/>
-          </a:xfrm>
-          <a:prstGeom prst="rect">
-            <a:avLst/>
-          </a:prstGeom>
-          <a:noFill/>
-        </p:spPr>
-        <p:txBody>
-          <a:bodyPr wrap="square" rtlCol="0">
-            <a:spAutoFit/>
-          </a:bodyPr>
-          <a:lstStyle/>
-          <a:p>
-            <a:r>
-              <a:rPr lang="en-US" sz="2400" b="1" u="sng" dirty="0"/>
-              <a:t>Ranges</a:t>
-            </a:r>
-            <a:endParaRPr lang="en-US" sz="2400" b="1" dirty="0"/>
-          </a:p>
-          <a:p>
-            <a:r>
-              <a:rPr lang="en-US" sz="2400" dirty="0"/>
-              <a:t>Square brackets may also contain </a:t>
-            </a:r>
-            <a:r>
-              <a:rPr lang="en-US" sz="2400" i="1" dirty="0"/>
-              <a:t>character ranges</a:t>
-            </a:r>
-            <a:r>
-              <a:rPr lang="en-US" sz="2400" dirty="0"/>
-              <a:t>.</a:t>
-            </a:r>
-          </a:p>
-          <a:p>
-            <a:r>
-              <a:rPr lang="en-US" sz="2400" dirty="0"/>
-              <a:t>For instance, [a-z] is a character in range from a to z, and [0-5] is a digit from 0 to 5.</a:t>
-            </a:r>
-          </a:p>
-          <a:p>
-            <a:r>
-              <a:rPr lang="en-US" sz="2400" dirty="0"/>
-              <a:t>In the example below we’re searching for "x" followed by two digits or letters from A to F</a:t>
-            </a:r>
-            <a:r>
-              <a:rPr lang="en-US" dirty="0" smtClean="0"/>
-              <a:t>:</a:t>
-            </a:r>
-          </a:p>
-          <a:p>
-            <a:endParaRPr lang="en-US" dirty="0"/>
-          </a:p>
-          <a:p>
-            <a:endParaRPr lang="en-US" dirty="0" smtClean="0"/>
-          </a:p>
-          <a:p>
-            <a:endParaRPr lang="ru-RU" dirty="0"/>
-          </a:p>
-        </p:txBody>
-      </p:sp>
       <p:pic>
         <p:nvPicPr>
-          <p:cNvPr id="2050" name="Picture 2"/>
+          <p:cNvPr id="1027" name="Picture 3"/>
           <p:cNvPicPr>
             <a:picLocks noChangeAspect="1" noChangeArrowheads="1"/>
           </p:cNvPicPr>
           <p:nvPr/>
         </p:nvPicPr>
         <p:blipFill>
-          <a:blip r:embed="rId2">
+          <a:blip r:embed="rId3">
             <a:extLst>
               <a:ext uri="{28A0092B-C50C-407E-A947-70E740481C1C}">
                 <a14:useLocalDpi xmlns:a14="http://schemas.microsoft.com/office/drawing/2010/main" val="0"/>
@@ -14578,8 +14505,8 @@
         </p:blipFill>
         <p:spPr bwMode="auto">
           <a:xfrm>
-            <a:off x="533399" y="2947630"/>
-            <a:ext cx="10668801" cy="892850"/>
+            <a:off x="441959" y="4231005"/>
+            <a:ext cx="10850881" cy="1481988"/>
           </a:xfrm>
           <a:prstGeom prst="rect">
             <a:avLst/>
@@ -14622,7 +14549,7 @@
     </p:spTree>
     <p:extLst>
       <p:ext uri="{BB962C8B-B14F-4D97-AF65-F5344CB8AC3E}">
-        <p14:creationId xmlns:p14="http://schemas.microsoft.com/office/powerpoint/2010/main" val="36543093"/>
+        <p14:creationId xmlns:p14="http://schemas.microsoft.com/office/powerpoint/2010/main" val="2016644588"/>
       </p:ext>
     </p:extLst>
   </p:cSld>
@@ -14729,8 +14656,8 @@
         </p:nvSpPr>
         <p:spPr>
           <a:xfrm>
-            <a:off x="396240" y="624840"/>
-            <a:ext cx="11445240" cy="3323987"/>
+            <a:off x="533400" y="548640"/>
+            <a:ext cx="10957560" cy="3139321"/>
           </a:xfrm>
           <a:prstGeom prst="rect">
             <a:avLst/>
@@ -14744,74 +14671,46 @@
           <a:lstStyle/>
           <a:p>
             <a:r>
-              <a:rPr lang="en-US" sz="2400" dirty="0" smtClean="0"/>
-              <a:t>Besides </a:t>
-            </a:r>
-            <a:r>
-              <a:rPr lang="en-US" sz="2400" dirty="0"/>
-              <a:t>normal ranges, there are “excluding” ranges that look like [^…].</a:t>
-            </a:r>
-          </a:p>
-          <a:p>
-            <a:r>
-              <a:rPr lang="en-US" sz="2400" dirty="0"/>
-              <a:t>They are denoted by a caret character ^ at the start and match any character </a:t>
+              <a:rPr lang="en-US" sz="2400" b="1" u="sng" dirty="0"/>
+              <a:t>Ranges</a:t>
+            </a:r>
+            <a:endParaRPr lang="en-US" sz="2400" b="1" dirty="0"/>
+          </a:p>
+          <a:p>
+            <a:r>
+              <a:rPr lang="en-US" sz="2400" dirty="0"/>
+              <a:t>Square brackets may also contain </a:t>
             </a:r>
             <a:r>
               <a:rPr lang="en-US" sz="2400" i="1" dirty="0"/>
-              <a:t>except the given ones</a:t>
-            </a:r>
-            <a:r>
-              <a:rPr lang="en-US" sz="2400" dirty="0" smtClean="0"/>
+              <a:t>character ranges</a:t>
+            </a:r>
+            <a:r>
+              <a:rPr lang="en-US" sz="2400" dirty="0"/>
               <a:t>.</a:t>
             </a:r>
           </a:p>
           <a:p>
-            <a:endParaRPr lang="en-US" sz="2400" dirty="0"/>
-          </a:p>
-          <a:p>
-            <a:r>
-              <a:rPr lang="en-US" sz="2400" dirty="0"/>
-              <a:t>For instance:</a:t>
-            </a:r>
-          </a:p>
-          <a:p>
-            <a:pPr marL="342900" indent="-342900">
-              <a:buFont typeface="Arial" pitchFamily="34" charset="0"/>
-              <a:buChar char="•"/>
-            </a:pPr>
-            <a:r>
-              <a:rPr lang="en-US" sz="2400" dirty="0"/>
-              <a:t>[^</a:t>
-            </a:r>
-            <a:r>
-              <a:rPr lang="en-US" sz="2400" dirty="0" err="1"/>
-              <a:t>aeyo</a:t>
-            </a:r>
-            <a:r>
-              <a:rPr lang="en-US" sz="2400" dirty="0"/>
-              <a:t>] – any character except 'a', 'e', 'y' or 'o'.</a:t>
-            </a:r>
-          </a:p>
-          <a:p>
-            <a:pPr marL="342900" indent="-342900">
-              <a:buFont typeface="Arial" pitchFamily="34" charset="0"/>
-              <a:buChar char="•"/>
-            </a:pPr>
-            <a:r>
-              <a:rPr lang="en-US" sz="2400" dirty="0"/>
-              <a:t>[^0-9] – any character except a digit, the same as \D.</a:t>
-            </a:r>
-          </a:p>
-          <a:p>
-            <a:pPr marL="342900" indent="-342900">
-              <a:buFont typeface="Arial" pitchFamily="34" charset="0"/>
-              <a:buChar char="•"/>
-            </a:pPr>
-            <a:r>
-              <a:rPr lang="en-US" sz="2400" dirty="0"/>
-              <a:t>[^\s] – any non-space character, same as \S.</a:t>
-            </a:r>
+            <a:r>
+              <a:rPr lang="en-US" sz="2400" dirty="0"/>
+              <a:t>For instance, [a-z] is a character in range from a to z, and [0-5] is a digit from 0 to 5.</a:t>
+            </a:r>
+          </a:p>
+          <a:p>
+            <a:r>
+              <a:rPr lang="en-US" sz="2400" dirty="0"/>
+              <a:t>In the example below we’re searching for "x" followed by two digits or letters from A to F</a:t>
+            </a:r>
+            <a:r>
+              <a:rPr lang="en-US" dirty="0" smtClean="0"/>
+              <a:t>:</a:t>
+            </a:r>
+          </a:p>
+          <a:p>
+            <a:endParaRPr lang="en-US" dirty="0"/>
+          </a:p>
+          <a:p>
+            <a:endParaRPr lang="en-US" dirty="0" smtClean="0"/>
           </a:p>
           <a:p>
             <a:endParaRPr lang="ru-RU" dirty="0"/>
@@ -14820,7 +14719,7 @@
       </p:sp>
       <p:pic>
         <p:nvPicPr>
-          <p:cNvPr id="3074" name="Picture 2"/>
+          <p:cNvPr id="2050" name="Picture 2"/>
           <p:cNvPicPr>
             <a:picLocks noChangeAspect="1" noChangeArrowheads="1"/>
           </p:cNvPicPr>
@@ -14841,8 +14740,8 @@
         </p:blipFill>
         <p:spPr bwMode="auto">
           <a:xfrm>
-            <a:off x="396240" y="4170044"/>
-            <a:ext cx="8616684" cy="950595"/>
+            <a:off x="533399" y="2947630"/>
+            <a:ext cx="10668801" cy="892850"/>
           </a:xfrm>
           <a:prstGeom prst="rect">
             <a:avLst/>
@@ -14885,7 +14784,7 @@
     </p:spTree>
     <p:extLst>
       <p:ext uri="{BB962C8B-B14F-4D97-AF65-F5344CB8AC3E}">
-        <p14:creationId xmlns:p14="http://schemas.microsoft.com/office/powerpoint/2010/main" val="226400422"/>
+        <p14:creationId xmlns:p14="http://schemas.microsoft.com/office/powerpoint/2010/main" val="36543093"/>
       </p:ext>
     </p:extLst>
   </p:cSld>
@@ -14920,8 +14819,8 @@
         </p:nvSpPr>
         <p:spPr>
           <a:xfrm>
-            <a:off x="594360" y="533400"/>
-            <a:ext cx="11277600" cy="3877985"/>
+            <a:off x="396240" y="624840"/>
+            <a:ext cx="11445240" cy="3323987"/>
           </a:xfrm>
           <a:prstGeom prst="rect">
             <a:avLst/>
@@ -14935,32 +14834,36 @@
           <a:lstStyle/>
           <a:p>
             <a:r>
-              <a:rPr lang="en-US" sz="2400" b="1" dirty="0"/>
-              <a:t>Quantity {n}</a:t>
-            </a:r>
-          </a:p>
-          <a:p>
-            <a:r>
-              <a:rPr lang="en-US" sz="2400" dirty="0"/>
-              <a:t>The simplest quantifier is a number in curly braces: {n}.</a:t>
-            </a:r>
-          </a:p>
-          <a:p>
-            <a:r>
-              <a:rPr lang="en-US" sz="2400" dirty="0"/>
-              <a:t>A quantifier is appended to a character (or a character class, or a [...] set </a:t>
-            </a:r>
-            <a:r>
-              <a:rPr lang="en-US" sz="2400" dirty="0" err="1"/>
-              <a:t>etc</a:t>
-            </a:r>
-            <a:r>
-              <a:rPr lang="en-US" sz="2400" dirty="0"/>
-              <a:t>) and specifies how many we need.</a:t>
-            </a:r>
-          </a:p>
-          <a:p>
-            <a:endParaRPr lang="en-US" sz="2400" dirty="0" smtClean="0"/>
+              <a:rPr lang="en-US" sz="2400" dirty="0" smtClean="0"/>
+              <a:t>Besides </a:t>
+            </a:r>
+            <a:r>
+              <a:rPr lang="en-US" sz="2400" dirty="0"/>
+              <a:t>normal ranges, there are “excluding” ranges that look like [^…].</a:t>
+            </a:r>
+          </a:p>
+          <a:p>
+            <a:r>
+              <a:rPr lang="en-US" sz="2400" dirty="0"/>
+              <a:t>They are denoted by a caret character ^ at the start and match any character </a:t>
+            </a:r>
+            <a:r>
+              <a:rPr lang="en-US" sz="2400" i="1" dirty="0"/>
+              <a:t>except the given ones</a:t>
+            </a:r>
+            <a:r>
+              <a:rPr lang="en-US" sz="2400" dirty="0" smtClean="0"/>
+              <a:t>.</a:t>
+            </a:r>
+          </a:p>
+          <a:p>
+            <a:endParaRPr lang="en-US" sz="2400" dirty="0"/>
+          </a:p>
+          <a:p>
+            <a:r>
+              <a:rPr lang="en-US" sz="2400" dirty="0"/>
+              <a:t>For instance:</a:t>
+            </a:r>
           </a:p>
           <a:p>
             <a:pPr marL="342900" indent="-342900">
@@ -14969,11 +14872,15 @@
             </a:pPr>
             <a:r>
               <a:rPr lang="en-US" sz="2400" dirty="0"/>
-              <a:t>The exact count: {5}\d{5} denotes exactly 5 digits, the same as \d\d\d\d\d</a:t>
-            </a:r>
-            <a:r>
-              <a:rPr lang="en-US" sz="2400" dirty="0" smtClean="0"/>
-              <a:t>.</a:t>
+              <a:t>[^</a:t>
+            </a:r>
+            <a:r>
+              <a:rPr lang="en-US" sz="2400" dirty="0" err="1"/>
+              <a:t>aeyo</a:t>
+            </a:r>
+            <a:r>
+              <a:rPr lang="en-US" sz="2400" dirty="0"/>
+              <a:t>] – any character except 'a', 'e', 'y' or 'o'.</a:t>
             </a:r>
           </a:p>
           <a:p>
@@ -14982,20 +14889,8 @@
               <a:buChar char="•"/>
             </a:pPr>
             <a:r>
-              <a:rPr lang="en-US" sz="2400" b="1" dirty="0"/>
-              <a:t>The range: </a:t>
-            </a:r>
-            <a:r>
-              <a:rPr lang="en-US" sz="2400" dirty="0"/>
-              <a:t>{3,5}</a:t>
-            </a:r>
-            <a:r>
-              <a:rPr lang="en-US" sz="2400" b="1" dirty="0"/>
-              <a:t>, match 3-5 </a:t>
-            </a:r>
-            <a:r>
-              <a:rPr lang="en-US" sz="2400" b="1" dirty="0" smtClean="0"/>
-              <a:t>times</a:t>
+              <a:rPr lang="en-US" sz="2400" dirty="0"/>
+              <a:t>[^0-9] – any character except a digit, the same as \D.</a:t>
             </a:r>
           </a:p>
           <a:p>
@@ -15005,26 +14900,8 @@
             </a:pPr>
             <a:r>
               <a:rPr lang="en-US" sz="2400" dirty="0"/>
-              <a:t>Then a </a:t>
-            </a:r>
-            <a:r>
-              <a:rPr lang="en-US" sz="2400" dirty="0" err="1"/>
-              <a:t>regexp</a:t>
-            </a:r>
-            <a:r>
-              <a:rPr lang="en-US" sz="2400" dirty="0"/>
-              <a:t> \d{3,} looks for sequences of digits of length 3 or </a:t>
-            </a:r>
-            <a:r>
-              <a:rPr lang="en-US" sz="2400" dirty="0" smtClean="0"/>
-              <a:t>more</a:t>
-            </a:r>
-          </a:p>
-          <a:p>
-            <a:endParaRPr lang="en-US" dirty="0"/>
-          </a:p>
-          <a:p>
-            <a:endParaRPr lang="en-US" dirty="0"/>
+              <a:t>[^\s] – any non-space character, same as \S.</a:t>
+            </a:r>
           </a:p>
           <a:p>
             <a:endParaRPr lang="ru-RU" dirty="0"/>
@@ -15033,7 +14910,7 @@
       </p:sp>
       <p:pic>
         <p:nvPicPr>
-          <p:cNvPr id="4098" name="Picture 2"/>
+          <p:cNvPr id="3" name="Picture 2"/>
           <p:cNvPicPr>
             <a:picLocks noChangeAspect="1" noChangeArrowheads="1"/>
           </p:cNvPicPr>
@@ -15054,8 +14931,8 @@
         </p:blipFill>
         <p:spPr bwMode="auto">
           <a:xfrm>
-            <a:off x="-65325" y="4541520"/>
-            <a:ext cx="11937285" cy="1618395"/>
+            <a:off x="396240" y="4115753"/>
+            <a:ext cx="10572911" cy="745807"/>
           </a:xfrm>
           <a:prstGeom prst="rect">
             <a:avLst/>
@@ -15098,7 +14975,7 @@
     </p:spTree>
     <p:extLst>
       <p:ext uri="{BB962C8B-B14F-4D97-AF65-F5344CB8AC3E}">
-        <p14:creationId xmlns:p14="http://schemas.microsoft.com/office/powerpoint/2010/main" val="2338537294"/>
+        <p14:creationId xmlns:p14="http://schemas.microsoft.com/office/powerpoint/2010/main" val="226400422"/>
       </p:ext>
     </p:extLst>
   </p:cSld>
@@ -15133,8 +15010,8 @@
         </p:nvSpPr>
         <p:spPr>
           <a:xfrm>
-            <a:off x="518160" y="259080"/>
-            <a:ext cx="11064240" cy="3231654"/>
+            <a:off x="594360" y="533400"/>
+            <a:ext cx="11277600" cy="3877985"/>
           </a:xfrm>
           <a:prstGeom prst="rect">
             <a:avLst/>
@@ -15148,74 +15025,93 @@
           <a:lstStyle/>
           <a:p>
             <a:r>
-              <a:rPr lang="en-US" sz="2400" b="1" u="sng" dirty="0" err="1"/>
-              <a:t>Shorthands</a:t>
-            </a:r>
-            <a:endParaRPr lang="en-US" sz="2400" b="1" dirty="0"/>
-          </a:p>
-          <a:p>
-            <a:r>
-              <a:rPr lang="en-US" sz="2400" dirty="0"/>
-              <a:t>There are </a:t>
+              <a:rPr lang="en-US" sz="2400" b="1" dirty="0"/>
+              <a:t>Quantity {n}</a:t>
+            </a:r>
+          </a:p>
+          <a:p>
+            <a:r>
+              <a:rPr lang="en-US" sz="2400" dirty="0"/>
+              <a:t>The simplest quantifier is a number in curly braces: {n}.</a:t>
+            </a:r>
+          </a:p>
+          <a:p>
+            <a:r>
+              <a:rPr lang="en-US" sz="2400" dirty="0"/>
+              <a:t>A quantifier is appended to a character (or a character class, or a [...] set </a:t>
             </a:r>
             <a:r>
               <a:rPr lang="en-US" sz="2400" dirty="0" err="1"/>
-              <a:t>shorthands</a:t>
-            </a:r>
-            <a:r>
-              <a:rPr lang="en-US" sz="2400" dirty="0"/>
-              <a:t> for most used quantifiers:</a:t>
-            </a:r>
-          </a:p>
-          <a:p>
-            <a:pPr marL="285750" indent="-285750">
+              <a:t>etc</a:t>
+            </a:r>
+            <a:r>
+              <a:rPr lang="en-US" sz="2400" dirty="0"/>
+              <a:t>) and specifies how many we need.</a:t>
+            </a:r>
+          </a:p>
+          <a:p>
+            <a:endParaRPr lang="en-US" sz="2400" dirty="0" smtClean="0"/>
+          </a:p>
+          <a:p>
+            <a:pPr marL="342900" indent="-342900">
               <a:buFont typeface="Arial" pitchFamily="34" charset="0"/>
               <a:buChar char="•"/>
             </a:pPr>
             <a:r>
+              <a:rPr lang="en-US" sz="2400" dirty="0"/>
+              <a:t>The exact count: {5}\d{5} denotes exactly 5 digits, the same as \d\d\d\d\d</a:t>
+            </a:r>
+            <a:r>
               <a:rPr lang="en-US" sz="2400" dirty="0" smtClean="0"/>
-              <a:t>+ means </a:t>
-            </a:r>
-            <a:r>
-              <a:rPr lang="en-US" sz="2400" dirty="0"/>
-              <a:t>“one or more”, the same as {1</a:t>
-            </a:r>
-            <a:r>
-              <a:rPr lang="en-US" sz="2400" dirty="0" smtClean="0"/>
-              <a:t>,}.</a:t>
-            </a:r>
-          </a:p>
-          <a:p>
-            <a:pPr marL="285750" indent="-285750">
+              <a:t>.</a:t>
+            </a:r>
+          </a:p>
+          <a:p>
+            <a:pPr marL="342900" indent="-342900">
               <a:buFont typeface="Arial" pitchFamily="34" charset="0"/>
               <a:buChar char="•"/>
             </a:pPr>
             <a:r>
-              <a:rPr lang="en-US" sz="2400" dirty="0" smtClean="0"/>
-              <a:t>? means </a:t>
-            </a:r>
-            <a:r>
-              <a:rPr lang="en-US" sz="2400" dirty="0"/>
-              <a:t>“zero or one”, the same as {0,1}. In other words, it makes the symbol optional.</a:t>
-            </a:r>
-          </a:p>
-          <a:p>
-            <a:pPr marL="285750" indent="-285750">
+              <a:rPr lang="en-US" sz="2400" b="1" dirty="0"/>
+              <a:t>The range: </a:t>
+            </a:r>
+            <a:r>
+              <a:rPr lang="en-US" sz="2400" dirty="0"/>
+              <a:t>{3,5}</a:t>
+            </a:r>
+            <a:r>
+              <a:rPr lang="en-US" sz="2400" b="1" dirty="0"/>
+              <a:t>, match 3-5 </a:t>
+            </a:r>
+            <a:r>
+              <a:rPr lang="en-US" sz="2400" b="1" dirty="0" smtClean="0"/>
+              <a:t>times</a:t>
+            </a:r>
+          </a:p>
+          <a:p>
+            <a:pPr marL="342900" indent="-342900">
               <a:buFont typeface="Arial" pitchFamily="34" charset="0"/>
               <a:buChar char="•"/>
             </a:pPr>
             <a:r>
+              <a:rPr lang="en-US" sz="2400" dirty="0"/>
+              <a:t>Then a </a:t>
+            </a:r>
+            <a:r>
+              <a:rPr lang="en-US" sz="2400" dirty="0" err="1"/>
+              <a:t>regexp</a:t>
+            </a:r>
+            <a:r>
+              <a:rPr lang="en-US" sz="2400" dirty="0"/>
+              <a:t> \d{3,} looks for sequences of digits of length 3 or </a:t>
+            </a:r>
+            <a:r>
               <a:rPr lang="en-US" sz="2400" dirty="0" smtClean="0"/>
-              <a:t>* means </a:t>
-            </a:r>
-            <a:r>
-              <a:rPr lang="en-US" sz="2400" dirty="0"/>
-              <a:t>“zero or more”, the same as {0,}. That is, the character may repeat any times or be absent</a:t>
-            </a:r>
-            <a:r>
-              <a:rPr lang="en-US" dirty="0"/>
-              <a:t>.</a:t>
-            </a:r>
+              <a:t>more</a:t>
+            </a:r>
+          </a:p>
+          <a:p>
+            <a:endParaRPr lang="en-US" dirty="0"/>
           </a:p>
           <a:p>
             <a:endParaRPr lang="en-US" dirty="0"/>
@@ -15227,7 +15123,7 @@
       </p:sp>
       <p:pic>
         <p:nvPicPr>
-          <p:cNvPr id="5122" name="Picture 2"/>
+          <p:cNvPr id="4098" name="Picture 2"/>
           <p:cNvPicPr>
             <a:picLocks noChangeAspect="1" noChangeArrowheads="1"/>
           </p:cNvPicPr>
@@ -15248,8 +15144,8 @@
         </p:blipFill>
         <p:spPr bwMode="auto">
           <a:xfrm>
-            <a:off x="797242" y="3384054"/>
-            <a:ext cx="8377237" cy="2938740"/>
+            <a:off x="-65325" y="4541520"/>
+            <a:ext cx="11937285" cy="1618395"/>
           </a:xfrm>
           <a:prstGeom prst="rect">
             <a:avLst/>
@@ -15292,7 +15188,7 @@
     </p:spTree>
     <p:extLst>
       <p:ext uri="{BB962C8B-B14F-4D97-AF65-F5344CB8AC3E}">
-        <p14:creationId xmlns:p14="http://schemas.microsoft.com/office/powerpoint/2010/main" val="242903106"/>
+        <p14:creationId xmlns:p14="http://schemas.microsoft.com/office/powerpoint/2010/main" val="2338537294"/>
       </p:ext>
     </p:extLst>
   </p:cSld>
@@ -15327,8 +15223,8 @@
         </p:nvSpPr>
         <p:spPr>
           <a:xfrm>
-            <a:off x="182880" y="350520"/>
-            <a:ext cx="11871960" cy="6001643"/>
+            <a:off x="518160" y="259080"/>
+            <a:ext cx="11064240" cy="3231654"/>
           </a:xfrm>
           <a:prstGeom prst="rect">
             <a:avLst/>
@@ -15342,77 +15238,77 @@
           <a:lstStyle/>
           <a:p>
             <a:r>
-              <a:rPr lang="en-US" sz="2400" b="1" dirty="0"/>
-              <a:t>Greedy search</a:t>
-            </a:r>
-          </a:p>
-          <a:p>
-            <a:r>
-              <a:rPr lang="en-US" sz="2400" dirty="0"/>
-              <a:t>To find a match, the regular expression engine uses the following algorithm:</a:t>
-            </a:r>
-          </a:p>
-          <a:p>
-            <a:r>
-              <a:rPr lang="en-US" sz="2400" dirty="0"/>
-              <a:t>For every position in the string</a:t>
-            </a:r>
-          </a:p>
-          <a:p>
-            <a:pPr lvl="1"/>
-            <a:r>
-              <a:rPr lang="en-US" sz="2400" dirty="0"/>
-              <a:t>Try to match the pattern at that position.</a:t>
-            </a:r>
-          </a:p>
-          <a:p>
-            <a:pPr lvl="1"/>
-            <a:r>
-              <a:rPr lang="en-US" sz="2400" dirty="0"/>
-              <a:t>If there’s no match, go to the next position</a:t>
-            </a:r>
+              <a:rPr lang="en-US" sz="2400" b="1" u="sng" dirty="0" err="1"/>
+              <a:t>Shorthands</a:t>
+            </a:r>
+            <a:endParaRPr lang="en-US" sz="2400" b="1" dirty="0"/>
+          </a:p>
+          <a:p>
+            <a:r>
+              <a:rPr lang="en-US" sz="2400" dirty="0"/>
+              <a:t>There are </a:t>
+            </a:r>
+            <a:r>
+              <a:rPr lang="en-US" sz="2400" dirty="0" err="1"/>
+              <a:t>shorthands</a:t>
+            </a:r>
+            <a:r>
+              <a:rPr lang="en-US" sz="2400" dirty="0"/>
+              <a:t> for most used quantifiers:</a:t>
+            </a:r>
+          </a:p>
+          <a:p>
+            <a:pPr marL="285750" indent="-285750">
+              <a:buFont typeface="Arial" pitchFamily="34" charset="0"/>
+              <a:buChar char="•"/>
+            </a:pPr>
             <a:r>
               <a:rPr lang="en-US" sz="2400" dirty="0" smtClean="0"/>
+              <a:t>+ means </a:t>
+            </a:r>
+            <a:r>
+              <a:rPr lang="en-US" sz="2400" dirty="0"/>
+              <a:t>“one or more”, the same as {1</a:t>
+            </a:r>
+            <a:r>
+              <a:rPr lang="en-US" sz="2400" dirty="0" smtClean="0"/>
+              <a:t>,}.</a:t>
+            </a:r>
+          </a:p>
+          <a:p>
+            <a:pPr marL="285750" indent="-285750">
+              <a:buFont typeface="Arial" pitchFamily="34" charset="0"/>
+              <a:buChar char="•"/>
+            </a:pPr>
+            <a:r>
+              <a:rPr lang="en-US" sz="2400" dirty="0" smtClean="0"/>
+              <a:t>? means </a:t>
+            </a:r>
+            <a:r>
+              <a:rPr lang="en-US" sz="2400" dirty="0"/>
+              <a:t>“zero or one”, the same as {0,1}. In other words, it makes the symbol optional.</a:t>
+            </a:r>
+          </a:p>
+          <a:p>
+            <a:pPr marL="285750" indent="-285750">
+              <a:buFont typeface="Arial" pitchFamily="34" charset="0"/>
+              <a:buChar char="•"/>
+            </a:pPr>
+            <a:r>
+              <a:rPr lang="en-US" sz="2400" dirty="0" smtClean="0"/>
+              <a:t>* means </a:t>
+            </a:r>
+            <a:r>
+              <a:rPr lang="en-US" sz="2400" dirty="0"/>
+              <a:t>“zero or more”, the same as {0,}. That is, the character may repeat any times or be absent</a:t>
+            </a:r>
+            <a:r>
+              <a:rPr lang="en-US" dirty="0"/>
               <a:t>.</a:t>
             </a:r>
           </a:p>
           <a:p>
-            <a:pPr lvl="1"/>
-            <a:endParaRPr lang="en-US" sz="2400" dirty="0" smtClean="0"/>
-          </a:p>
-          <a:p>
-            <a:endParaRPr lang="en-US" b="1" dirty="0" smtClean="0"/>
-          </a:p>
-          <a:p>
-            <a:endParaRPr lang="en-US" b="1" dirty="0" smtClean="0"/>
-          </a:p>
-          <a:p>
-            <a:endParaRPr lang="en-US" b="1" dirty="0"/>
-          </a:p>
-          <a:p>
-            <a:r>
-              <a:rPr lang="en-US" sz="2400" b="1" dirty="0"/>
-              <a:t>Lazy mode</a:t>
-            </a:r>
-          </a:p>
-          <a:p>
-            <a:r>
-              <a:rPr lang="en-US" sz="2400" dirty="0"/>
-              <a:t>The lazy mode of quantifiers is an opposite to the greedy mode. It means: “repeat minimal number of times”.</a:t>
-            </a:r>
-          </a:p>
-          <a:p>
-            <a:r>
-              <a:rPr lang="en-US" sz="2400" dirty="0"/>
-              <a:t>We can enable it by putting a question mark '?' after the quantifier, so that it becomes *? or +? or even ?? for '?'.</a:t>
-            </a:r>
-          </a:p>
-          <a:p>
-            <a:endParaRPr lang="en-US" sz="2400" dirty="0"/>
-          </a:p>
-          <a:p>
-            <a:pPr lvl="1"/>
-            <a:endParaRPr lang="en-US" sz="2400" dirty="0"/>
+            <a:endParaRPr lang="en-US" dirty="0"/>
           </a:p>
           <a:p>
             <a:endParaRPr lang="ru-RU" dirty="0"/>
@@ -15421,7 +15317,7 @@
       </p:sp>
       <p:pic>
         <p:nvPicPr>
-          <p:cNvPr id="6146" name="Picture 2"/>
+          <p:cNvPr id="5122" name="Picture 2"/>
           <p:cNvPicPr>
             <a:picLocks noChangeAspect="1" noChangeArrowheads="1"/>
           </p:cNvPicPr>
@@ -15442,8 +15338,8 @@
         </p:blipFill>
         <p:spPr bwMode="auto">
           <a:xfrm>
-            <a:off x="5060633" y="2163663"/>
-            <a:ext cx="5972175" cy="1285875"/>
+            <a:off x="797242" y="3384054"/>
+            <a:ext cx="8377237" cy="2938740"/>
           </a:xfrm>
           <a:prstGeom prst="rect">
             <a:avLst/>
@@ -15483,16 +15379,146 @@
           </a:extLst>
         </p:spPr>
       </p:pic>
+    </p:spTree>
+    <p:extLst>
+      <p:ext uri="{BB962C8B-B14F-4D97-AF65-F5344CB8AC3E}">
+        <p14:creationId xmlns:p14="http://schemas.microsoft.com/office/powerpoint/2010/main" val="242903106"/>
+      </p:ext>
+    </p:extLst>
+  </p:cSld>
+  <p:clrMapOvr>
+    <a:masterClrMapping/>
+  </p:clrMapOvr>
+</p:sld>
+</file>
+
+<file path=ppt/slides/slide24.xml><?xml version="1.0" encoding="utf-8"?>
+<p:sld xmlns:a="http://schemas.openxmlformats.org/drawingml/2006/main" xmlns:r="http://schemas.openxmlformats.org/officeDocument/2006/relationships" xmlns:p="http://schemas.openxmlformats.org/presentationml/2006/main">
+  <p:cSld>
+    <p:spTree>
+      <p:nvGrpSpPr>
+        <p:cNvPr id="1" name=""/>
+        <p:cNvGrpSpPr/>
+        <p:nvPr/>
+      </p:nvGrpSpPr>
+      <p:grpSpPr>
+        <a:xfrm>
+          <a:off x="0" y="0"/>
+          <a:ext cx="0" cy="0"/>
+          <a:chOff x="0" y="0"/>
+          <a:chExt cx="0" cy="0"/>
+        </a:xfrm>
+      </p:grpSpPr>
+      <p:sp>
+        <p:nvSpPr>
+          <p:cNvPr id="2" name="TextBox 1"/>
+          <p:cNvSpPr txBox="1"/>
+          <p:nvPr/>
+        </p:nvSpPr>
+        <p:spPr>
+          <a:xfrm>
+            <a:off x="182880" y="350520"/>
+            <a:ext cx="11871960" cy="6001643"/>
+          </a:xfrm>
+          <a:prstGeom prst="rect">
+            <a:avLst/>
+          </a:prstGeom>
+          <a:noFill/>
+        </p:spPr>
+        <p:txBody>
+          <a:bodyPr wrap="square" rtlCol="0">
+            <a:spAutoFit/>
+          </a:bodyPr>
+          <a:lstStyle/>
+          <a:p>
+            <a:r>
+              <a:rPr lang="en-US" sz="2400" b="1" dirty="0"/>
+              <a:t>Greedy search</a:t>
+            </a:r>
+          </a:p>
+          <a:p>
+            <a:r>
+              <a:rPr lang="en-US" sz="2400" dirty="0"/>
+              <a:t>To find a match, the regular expression engine uses the following algorithm:</a:t>
+            </a:r>
+          </a:p>
+          <a:p>
+            <a:r>
+              <a:rPr lang="en-US" sz="2400" dirty="0"/>
+              <a:t>For every position in the string</a:t>
+            </a:r>
+          </a:p>
+          <a:p>
+            <a:pPr lvl="1"/>
+            <a:r>
+              <a:rPr lang="en-US" sz="2400" dirty="0"/>
+              <a:t>Try to match the pattern at that position.</a:t>
+            </a:r>
+          </a:p>
+          <a:p>
+            <a:pPr lvl="1"/>
+            <a:r>
+              <a:rPr lang="en-US" sz="2400" dirty="0"/>
+              <a:t>If there’s no match, go to the next position</a:t>
+            </a:r>
+            <a:r>
+              <a:rPr lang="en-US" sz="2400" dirty="0" smtClean="0"/>
+              <a:t>.</a:t>
+            </a:r>
+          </a:p>
+          <a:p>
+            <a:pPr lvl="1"/>
+            <a:endParaRPr lang="en-US" sz="2400" dirty="0" smtClean="0"/>
+          </a:p>
+          <a:p>
+            <a:endParaRPr lang="en-US" b="1" dirty="0" smtClean="0"/>
+          </a:p>
+          <a:p>
+            <a:endParaRPr lang="en-US" b="1" dirty="0" smtClean="0"/>
+          </a:p>
+          <a:p>
+            <a:endParaRPr lang="en-US" b="1" dirty="0"/>
+          </a:p>
+          <a:p>
+            <a:r>
+              <a:rPr lang="en-US" sz="2400" b="1" dirty="0"/>
+              <a:t>Lazy mode</a:t>
+            </a:r>
+          </a:p>
+          <a:p>
+            <a:r>
+              <a:rPr lang="en-US" sz="2400" dirty="0"/>
+              <a:t>The lazy mode of quantifiers is an opposite to the greedy mode. It means: “repeat minimal number of times”.</a:t>
+            </a:r>
+          </a:p>
+          <a:p>
+            <a:r>
+              <a:rPr lang="en-US" sz="2400" dirty="0"/>
+              <a:t>We can enable it by putting a question mark '?' after the quantifier, so that it becomes *? or +? or even ?? for '?'.</a:t>
+            </a:r>
+          </a:p>
+          <a:p>
+            <a:endParaRPr lang="en-US" sz="2400" dirty="0"/>
+          </a:p>
+          <a:p>
+            <a:pPr lvl="1"/>
+            <a:endParaRPr lang="en-US" sz="2400" dirty="0"/>
+          </a:p>
+          <a:p>
+            <a:endParaRPr lang="ru-RU" dirty="0"/>
+          </a:p>
+        </p:txBody>
+      </p:sp>
       <p:pic>
         <p:nvPicPr>
-          <p:cNvPr id="6147" name="Picture 3"/>
+          <p:cNvPr id="6146" name="Picture 2"/>
           <p:cNvPicPr>
             <a:picLocks noChangeAspect="1" noChangeArrowheads="1"/>
           </p:cNvPicPr>
           <p:nvPr/>
         </p:nvPicPr>
         <p:blipFill>
-          <a:blip r:embed="rId3">
+          <a:blip r:embed="rId2">
             <a:extLst>
               <a:ext uri="{28A0092B-C50C-407E-A947-70E740481C1C}">
                 <a14:useLocalDpi xmlns:a14="http://schemas.microsoft.com/office/drawing/2010/main" val="0"/>
@@ -15506,8 +15532,8 @@
         </p:blipFill>
         <p:spPr bwMode="auto">
           <a:xfrm>
-            <a:off x="6705600" y="4438888"/>
-            <a:ext cx="5067300" cy="1409700"/>
+            <a:off x="5060633" y="2163663"/>
+            <a:ext cx="5972175" cy="1285875"/>
           </a:xfrm>
           <a:prstGeom prst="rect">
             <a:avLst/>
@@ -15547,120 +15573,16 @@
           </a:extLst>
         </p:spPr>
       </p:pic>
-    </p:spTree>
-    <p:extLst>
-      <p:ext uri="{BB962C8B-B14F-4D97-AF65-F5344CB8AC3E}">
-        <p14:creationId xmlns:p14="http://schemas.microsoft.com/office/powerpoint/2010/main" val="490901912"/>
-      </p:ext>
-    </p:extLst>
-  </p:cSld>
-  <p:clrMapOvr>
-    <a:masterClrMapping/>
-  </p:clrMapOvr>
-</p:sld>
-</file>
-
-<file path=ppt/slides/slide24.xml><?xml version="1.0" encoding="utf-8"?>
-<p:sld xmlns:a="http://schemas.openxmlformats.org/drawingml/2006/main" xmlns:r="http://schemas.openxmlformats.org/officeDocument/2006/relationships" xmlns:p="http://schemas.openxmlformats.org/presentationml/2006/main">
-  <p:cSld>
-    <p:spTree>
-      <p:nvGrpSpPr>
-        <p:cNvPr id="1" name=""/>
-        <p:cNvGrpSpPr/>
-        <p:nvPr/>
-      </p:nvGrpSpPr>
-      <p:grpSpPr>
-        <a:xfrm>
-          <a:off x="0" y="0"/>
-          <a:ext cx="0" cy="0"/>
-          <a:chOff x="0" y="0"/>
-          <a:chExt cx="0" cy="0"/>
-        </a:xfrm>
-      </p:grpSpPr>
-      <p:sp>
-        <p:nvSpPr>
-          <p:cNvPr id="2" name="TextBox 1"/>
-          <p:cNvSpPr txBox="1"/>
-          <p:nvPr/>
-        </p:nvSpPr>
-        <p:spPr>
-          <a:xfrm>
-            <a:off x="533400" y="777240"/>
-            <a:ext cx="11125200" cy="2585323"/>
-          </a:xfrm>
-          <a:prstGeom prst="rect">
-            <a:avLst/>
-          </a:prstGeom>
-          <a:noFill/>
-        </p:spPr>
-        <p:txBody>
-          <a:bodyPr wrap="square" rtlCol="0">
-            <a:spAutoFit/>
-          </a:bodyPr>
-          <a:lstStyle/>
-          <a:p>
-            <a:r>
-              <a:rPr lang="en-US" sz="2400" b="1" dirty="0"/>
-              <a:t>Alternative approach</a:t>
-            </a:r>
-          </a:p>
-          <a:p>
-            <a:r>
-              <a:rPr lang="en-US" sz="2400" dirty="0"/>
-              <a:t>With </a:t>
-            </a:r>
-            <a:r>
-              <a:rPr lang="en-US" sz="2400" dirty="0" err="1"/>
-              <a:t>regexps</a:t>
-            </a:r>
-            <a:r>
-              <a:rPr lang="en-US" sz="2400" dirty="0"/>
-              <a:t>, there’s often more than one way to do the same thing.</a:t>
-            </a:r>
-          </a:p>
-          <a:p>
-            <a:r>
-              <a:rPr lang="en-US" sz="2400" dirty="0"/>
-              <a:t>The </a:t>
-            </a:r>
-            <a:r>
-              <a:rPr lang="en-US" sz="2400" dirty="0" err="1"/>
-              <a:t>regexp</a:t>
-            </a:r>
-            <a:r>
-              <a:rPr lang="en-US" sz="2400" dirty="0"/>
-              <a:t> "[^"]+" gives correct results, because it looks for a quote '"' followed by one or more non-quotes [^"], and then the closing quote.</a:t>
-            </a:r>
-          </a:p>
-          <a:p>
-            <a:r>
-              <a:rPr lang="en-US" sz="2400" dirty="0"/>
-              <a:t>When the </a:t>
-            </a:r>
-            <a:r>
-              <a:rPr lang="en-US" sz="2400" dirty="0" err="1"/>
-              <a:t>regexp</a:t>
-            </a:r>
-            <a:r>
-              <a:rPr lang="en-US" sz="2400" dirty="0"/>
-              <a:t> engine looks for [^"]+ it stops the repetitions when it meets the closing quote, and we’re done.</a:t>
-            </a:r>
-          </a:p>
-          <a:p>
-            <a:endParaRPr lang="ru-RU" dirty="0"/>
-          </a:p>
-        </p:txBody>
-      </p:sp>
       <p:pic>
         <p:nvPicPr>
-          <p:cNvPr id="7170" name="Picture 2"/>
+          <p:cNvPr id="6147" name="Picture 3"/>
           <p:cNvPicPr>
             <a:picLocks noChangeAspect="1" noChangeArrowheads="1"/>
           </p:cNvPicPr>
           <p:nvPr/>
         </p:nvPicPr>
         <p:blipFill>
-          <a:blip r:embed="rId2">
+          <a:blip r:embed="rId3">
             <a:extLst>
               <a:ext uri="{28A0092B-C50C-407E-A947-70E740481C1C}">
                 <a14:useLocalDpi xmlns:a14="http://schemas.microsoft.com/office/drawing/2010/main" val="0"/>
@@ -15674,8 +15596,8 @@
         </p:blipFill>
         <p:spPr bwMode="auto">
           <a:xfrm>
-            <a:off x="2117664" y="3362563"/>
-            <a:ext cx="7956672" cy="2236470"/>
+            <a:off x="6705600" y="4438888"/>
+            <a:ext cx="5067300" cy="1409700"/>
           </a:xfrm>
           <a:prstGeom prst="rect">
             <a:avLst/>
@@ -15718,7 +15640,7 @@
     </p:spTree>
     <p:extLst>
       <p:ext uri="{BB962C8B-B14F-4D97-AF65-F5344CB8AC3E}">
-        <p14:creationId xmlns:p14="http://schemas.microsoft.com/office/powerpoint/2010/main" val="3947738108"/>
+        <p14:creationId xmlns:p14="http://schemas.microsoft.com/office/powerpoint/2010/main" val="490901912"/>
       </p:ext>
     </p:extLst>
   </p:cSld>
@@ -15753,8 +15675,8 @@
         </p:nvSpPr>
         <p:spPr>
           <a:xfrm>
-            <a:off x="320040" y="518160"/>
-            <a:ext cx="11399520" cy="2954655"/>
+            <a:off x="533400" y="777240"/>
+            <a:ext cx="11125200" cy="2585323"/>
           </a:xfrm>
           <a:prstGeom prst="rect">
             <a:avLst/>
@@ -15769,39 +15691,49 @@
           <a:p>
             <a:r>
               <a:rPr lang="en-US" sz="2400" b="1" dirty="0"/>
-              <a:t>Capturing groups</a:t>
-            </a:r>
-          </a:p>
-          <a:p>
-            <a:r>
-              <a:rPr lang="en-US" sz="2400" dirty="0"/>
-              <a:t>A part of a pattern can be enclosed in parentheses (...). This is called a “capturing group”.</a:t>
-            </a:r>
-          </a:p>
-          <a:p>
-            <a:r>
-              <a:rPr lang="en-US" sz="2400" dirty="0"/>
-              <a:t>That has two effects:</a:t>
-            </a:r>
-          </a:p>
-          <a:p>
-            <a:pPr marL="342900" indent="-342900">
-              <a:buFont typeface="Arial" pitchFamily="34" charset="0"/>
-              <a:buChar char="•"/>
-            </a:pPr>
-            <a:r>
-              <a:rPr lang="en-US" sz="2400" dirty="0"/>
-              <a:t>It allows to get a part of the match as a separate item in the result array.</a:t>
-            </a:r>
-          </a:p>
-          <a:p>
-            <a:pPr marL="342900" indent="-342900">
-              <a:buFont typeface="Arial" pitchFamily="34" charset="0"/>
-              <a:buChar char="•"/>
-            </a:pPr>
-            <a:r>
-              <a:rPr lang="en-US" sz="2400" dirty="0"/>
-              <a:t>If we put a quantifier after the parentheses, it applies to the parentheses as a whole.</a:t>
+              <a:t>Alternative approach</a:t>
+            </a:r>
+          </a:p>
+          <a:p>
+            <a:r>
+              <a:rPr lang="en-US" sz="2400" dirty="0"/>
+              <a:t>With </a:t>
+            </a:r>
+            <a:r>
+              <a:rPr lang="en-US" sz="2400" dirty="0" err="1"/>
+              <a:t>regexps</a:t>
+            </a:r>
+            <a:r>
+              <a:rPr lang="en-US" sz="2400" dirty="0"/>
+              <a:t>, there’s often more than one way to do the same thing.</a:t>
+            </a:r>
+          </a:p>
+          <a:p>
+            <a:r>
+              <a:rPr lang="en-US" sz="2400" dirty="0"/>
+              <a:t>The </a:t>
+            </a:r>
+            <a:r>
+              <a:rPr lang="en-US" sz="2400" dirty="0" err="1"/>
+              <a:t>regexp</a:t>
+            </a:r>
+            <a:r>
+              <a:rPr lang="en-US" sz="2400" dirty="0"/>
+              <a:t> "[^"]+" gives correct results, because it looks for a quote '"' followed by one or more non-quotes [^"], and then the closing quote.</a:t>
+            </a:r>
+          </a:p>
+          <a:p>
+            <a:r>
+              <a:rPr lang="en-US" sz="2400" dirty="0"/>
+              <a:t>When the </a:t>
+            </a:r>
+            <a:r>
+              <a:rPr lang="en-US" sz="2400" dirty="0" err="1"/>
+              <a:t>regexp</a:t>
+            </a:r>
+            <a:r>
+              <a:rPr lang="en-US" sz="2400" dirty="0"/>
+              <a:t> engine looks for [^"]+ it stops the repetitions when it meets the closing quote, and we’re done.</a:t>
             </a:r>
           </a:p>
           <a:p>
@@ -15811,7 +15743,7 @@
       </p:sp>
       <p:pic>
         <p:nvPicPr>
-          <p:cNvPr id="8194" name="Picture 2"/>
+          <p:cNvPr id="7170" name="Picture 2"/>
           <p:cNvPicPr>
             <a:picLocks noChangeAspect="1" noChangeArrowheads="1"/>
           </p:cNvPicPr>
@@ -15832,8 +15764,8 @@
         </p:blipFill>
         <p:spPr bwMode="auto">
           <a:xfrm>
-            <a:off x="85629" y="3472815"/>
-            <a:ext cx="11868341" cy="2063115"/>
+            <a:off x="2117664" y="3362563"/>
+            <a:ext cx="7956672" cy="2236470"/>
           </a:xfrm>
           <a:prstGeom prst="rect">
             <a:avLst/>
@@ -15876,7 +15808,7 @@
     </p:spTree>
     <p:extLst>
       <p:ext uri="{BB962C8B-B14F-4D97-AF65-F5344CB8AC3E}">
-        <p14:creationId xmlns:p14="http://schemas.microsoft.com/office/powerpoint/2010/main" val="4287167155"/>
+        <p14:creationId xmlns:p14="http://schemas.microsoft.com/office/powerpoint/2010/main" val="3947738108"/>
       </p:ext>
     </p:extLst>
   </p:cSld>
@@ -15911,8 +15843,8 @@
         </p:nvSpPr>
         <p:spPr>
           <a:xfrm>
-            <a:off x="381000" y="533400"/>
-            <a:ext cx="11612880" cy="3693319"/>
+            <a:off x="320040" y="518160"/>
+            <a:ext cx="11399520" cy="2954655"/>
           </a:xfrm>
           <a:prstGeom prst="rect">
             <a:avLst/>
@@ -15927,67 +15859,39 @@
           <a:p>
             <a:r>
               <a:rPr lang="en-US" sz="2400" b="1" dirty="0"/>
-              <a:t>Parentheses contents in the match</a:t>
-            </a:r>
-          </a:p>
-          <a:p>
-            <a:r>
-              <a:rPr lang="en-US" sz="2400" dirty="0"/>
-              <a:t>Parentheses are numbered from left to right. The search engine memorizes the content matched by each of them and allows to get it in the result.</a:t>
-            </a:r>
-          </a:p>
-          <a:p>
-            <a:r>
-              <a:rPr lang="en-US" sz="2400" dirty="0"/>
-              <a:t>The method </a:t>
-            </a:r>
-            <a:r>
-              <a:rPr lang="en-US" sz="2400" dirty="0" err="1"/>
-              <a:t>str.match</a:t>
-            </a:r>
-            <a:r>
-              <a:rPr lang="en-US" sz="2400" dirty="0"/>
-              <a:t>(</a:t>
-            </a:r>
-            <a:r>
-              <a:rPr lang="en-US" sz="2400" dirty="0" err="1"/>
-              <a:t>regexp</a:t>
-            </a:r>
-            <a:r>
-              <a:rPr lang="en-US" sz="2400" dirty="0"/>
-              <a:t>), if </a:t>
-            </a:r>
-            <a:r>
-              <a:rPr lang="en-US" sz="2400" dirty="0" err="1"/>
-              <a:t>regexp</a:t>
-            </a:r>
-            <a:r>
-              <a:rPr lang="en-US" sz="2400" dirty="0"/>
-              <a:t> has no flag g, looks for the first match and returns it as an array:</a:t>
-            </a:r>
-          </a:p>
-          <a:p>
-            <a:r>
-              <a:rPr lang="en-US" sz="2400" dirty="0"/>
-              <a:t>At index 0: the full match.</a:t>
-            </a:r>
-          </a:p>
-          <a:p>
-            <a:r>
-              <a:rPr lang="en-US" sz="2400" dirty="0"/>
-              <a:t>At index 1: the contents of the first parentheses.</a:t>
-            </a:r>
-          </a:p>
-          <a:p>
-            <a:r>
-              <a:rPr lang="en-US" sz="2400" dirty="0"/>
-              <a:t>At index 2: the contents of the second parentheses.</a:t>
-            </a:r>
-          </a:p>
-          <a:p>
-            <a:r>
-              <a:rPr lang="en-US" sz="2400" dirty="0"/>
-              <a:t>…and so on…</a:t>
+              <a:t>Capturing groups</a:t>
+            </a:r>
+          </a:p>
+          <a:p>
+            <a:r>
+              <a:rPr lang="en-US" sz="2400" dirty="0"/>
+              <a:t>A part of a pattern can be enclosed in parentheses (...). This is called a “capturing group”.</a:t>
+            </a:r>
+          </a:p>
+          <a:p>
+            <a:r>
+              <a:rPr lang="en-US" sz="2400" dirty="0"/>
+              <a:t>That has two effects:</a:t>
+            </a:r>
+          </a:p>
+          <a:p>
+            <a:pPr marL="342900" indent="-342900">
+              <a:buFont typeface="Arial" pitchFamily="34" charset="0"/>
+              <a:buChar char="•"/>
+            </a:pPr>
+            <a:r>
+              <a:rPr lang="en-US" sz="2400" dirty="0"/>
+              <a:t>It allows to get a part of the match as a separate item in the result array.</a:t>
+            </a:r>
+          </a:p>
+          <a:p>
+            <a:pPr marL="342900" indent="-342900">
+              <a:buFont typeface="Arial" pitchFamily="34" charset="0"/>
+              <a:buChar char="•"/>
+            </a:pPr>
+            <a:r>
+              <a:rPr lang="en-US" sz="2400" dirty="0"/>
+              <a:t>If we put a quantifier after the parentheses, it applies to the parentheses as a whole.</a:t>
             </a:r>
           </a:p>
           <a:p>
@@ -15997,7 +15901,7 @@
       </p:sp>
       <p:pic>
         <p:nvPicPr>
-          <p:cNvPr id="9218" name="Picture 2"/>
+          <p:cNvPr id="8194" name="Picture 2"/>
           <p:cNvPicPr>
             <a:picLocks noChangeAspect="1" noChangeArrowheads="1"/>
           </p:cNvPicPr>
@@ -16018,8 +15922,8 @@
         </p:blipFill>
         <p:spPr bwMode="auto">
           <a:xfrm>
-            <a:off x="696278" y="4438650"/>
-            <a:ext cx="4429125" cy="1638300"/>
+            <a:off x="85629" y="3472815"/>
+            <a:ext cx="11868341" cy="2063115"/>
           </a:xfrm>
           <a:prstGeom prst="rect">
             <a:avLst/>
@@ -16062,7 +15966,7 @@
     </p:spTree>
     <p:extLst>
       <p:ext uri="{BB962C8B-B14F-4D97-AF65-F5344CB8AC3E}">
-        <p14:creationId xmlns:p14="http://schemas.microsoft.com/office/powerpoint/2010/main" val="3013469778"/>
+        <p14:creationId xmlns:p14="http://schemas.microsoft.com/office/powerpoint/2010/main" val="4287167155"/>
       </p:ext>
     </p:extLst>
   </p:cSld>
@@ -16097,8 +16001,8 @@
         </p:nvSpPr>
         <p:spPr>
           <a:xfrm>
-            <a:off x="381000" y="624840"/>
-            <a:ext cx="11612880" cy="2862322"/>
+            <a:off x="472440" y="563880"/>
+            <a:ext cx="10942320" cy="1569660"/>
           </a:xfrm>
           <a:prstGeom prst="rect">
             <a:avLst/>
@@ -16112,67 +16016,27 @@
           <a:lstStyle/>
           <a:p>
             <a:r>
-              <a:rPr lang="en-US" sz="2400" b="1" dirty="0"/>
-              <a:t>Nested groups</a:t>
-            </a:r>
-          </a:p>
-          <a:p>
-            <a:r>
-              <a:rPr lang="en-US" sz="2400" dirty="0"/>
-              <a:t>Parentheses can be nested. In this case the numbering also goes from left to right.</a:t>
-            </a:r>
-          </a:p>
-          <a:p>
-            <a:r>
-              <a:rPr lang="en-US" sz="2400" dirty="0"/>
-              <a:t>For instance, when searching a tag in &lt;span class="my"&gt; we may be interested in:</a:t>
-            </a:r>
-          </a:p>
-          <a:p>
-            <a:pPr marL="342900" indent="-342900">
-              <a:buFont typeface="Arial" pitchFamily="34" charset="0"/>
-              <a:buChar char="•"/>
-            </a:pPr>
-            <a:r>
-              <a:rPr lang="en-US" sz="2400" dirty="0"/>
-              <a:t>The tag content as a whole: span class="my".</a:t>
-            </a:r>
-          </a:p>
-          <a:p>
-            <a:pPr marL="342900" indent="-342900">
-              <a:buFont typeface="Arial" pitchFamily="34" charset="0"/>
-              <a:buChar char="•"/>
-            </a:pPr>
-            <a:r>
-              <a:rPr lang="en-US" sz="2400" dirty="0"/>
-              <a:t>The tag name: span.</a:t>
-            </a:r>
-          </a:p>
-          <a:p>
-            <a:pPr marL="342900" indent="-342900">
-              <a:buFont typeface="Arial" pitchFamily="34" charset="0"/>
-              <a:buChar char="•"/>
-            </a:pPr>
-            <a:r>
-              <a:rPr lang="en-US" sz="2400" dirty="0"/>
-              <a:t>The tag attributes: class="my".</a:t>
-            </a:r>
-          </a:p>
-          <a:p>
-            <a:r>
-              <a:rPr lang="en-US" dirty="0"/>
-              <a:t/>
-            </a:r>
-            <a:br>
-              <a:rPr lang="en-US" dirty="0"/>
-            </a:br>
-            <a:endParaRPr lang="ru-RU" dirty="0"/>
+              <a:rPr lang="en-US" sz="2400" b="1" u="sng" dirty="0"/>
+              <a:t>Optional groups</a:t>
+            </a:r>
+            <a:endParaRPr lang="en-US" sz="2400" b="1" dirty="0"/>
+          </a:p>
+          <a:p>
+            <a:r>
+              <a:rPr lang="en-US" sz="2400" dirty="0"/>
+              <a:t>Even if a group is optional and doesn’t exist in the match (e.g. has the quantifier (...)?), the corresponding result array item is present and equals undefined</a:t>
+            </a:r>
+            <a:r>
+              <a:rPr lang="en-US" sz="2400" dirty="0" smtClean="0"/>
+              <a:t>.</a:t>
+            </a:r>
+            <a:endParaRPr lang="en-US" sz="2400" dirty="0"/>
           </a:p>
         </p:txBody>
       </p:sp>
       <p:pic>
         <p:nvPicPr>
-          <p:cNvPr id="10242" name="Picture 2"/>
+          <p:cNvPr id="11266" name="Picture 2"/>
           <p:cNvPicPr>
             <a:picLocks noChangeAspect="1" noChangeArrowheads="1"/>
           </p:cNvPicPr>
@@ -16193,8 +16057,8 @@
         </p:blipFill>
         <p:spPr bwMode="auto">
           <a:xfrm>
-            <a:off x="5637998" y="3487162"/>
-            <a:ext cx="5437672" cy="2245995"/>
+            <a:off x="472440" y="3742372"/>
+            <a:ext cx="9591729" cy="2216467"/>
           </a:xfrm>
           <a:prstGeom prst="rect">
             <a:avLst/>
@@ -16237,7 +16101,7 @@
     </p:spTree>
     <p:extLst>
       <p:ext uri="{BB962C8B-B14F-4D97-AF65-F5344CB8AC3E}">
-        <p14:creationId xmlns:p14="http://schemas.microsoft.com/office/powerpoint/2010/main" val="2131421731"/>
+        <p14:creationId xmlns:p14="http://schemas.microsoft.com/office/powerpoint/2010/main" val="3954040633"/>
       </p:ext>
     </p:extLst>
   </p:cSld>
@@ -16272,8 +16136,8 @@
         </p:nvSpPr>
         <p:spPr>
           <a:xfrm>
-            <a:off x="472440" y="563880"/>
-            <a:ext cx="10942320" cy="1569660"/>
+            <a:off x="381000" y="624840"/>
+            <a:ext cx="11506200" cy="2492990"/>
           </a:xfrm>
           <a:prstGeom prst="rect">
             <a:avLst/>
@@ -16287,27 +16151,78 @@
           <a:lstStyle/>
           <a:p>
             <a:r>
-              <a:rPr lang="en-US" sz="2400" b="1" u="sng" dirty="0"/>
-              <a:t>Optional groups</a:t>
-            </a:r>
-            <a:endParaRPr lang="en-US" sz="2400" b="1" dirty="0"/>
-          </a:p>
-          <a:p>
-            <a:r>
-              <a:rPr lang="en-US" sz="2400" dirty="0"/>
-              <a:t>Even if a group is optional and doesn’t exist in the match (e.g. has the quantifier (...)?), the corresponding result array item is present and equals undefined</a:t>
-            </a:r>
-            <a:r>
-              <a:rPr lang="en-US" sz="2400" dirty="0" smtClean="0"/>
-              <a:t>.</a:t>
-            </a:r>
-            <a:endParaRPr lang="en-US" sz="2400" dirty="0"/>
+              <a:rPr lang="en-US" sz="2400" b="1" dirty="0"/>
+              <a:t>Searching for all matches with groups: </a:t>
+            </a:r>
+            <a:r>
+              <a:rPr lang="en-US" sz="2400" b="1" dirty="0" err="1" smtClean="0"/>
+              <a:t>matchAll</a:t>
+            </a:r>
+            <a:endParaRPr lang="en-US" sz="2400" b="1" dirty="0" smtClean="0"/>
+          </a:p>
+          <a:p>
+            <a:r>
+              <a:rPr lang="en-US" sz="2400" dirty="0"/>
+              <a:t>Just like match, it looks for matches, but there are 3 differences:</a:t>
+            </a:r>
+          </a:p>
+          <a:p>
+            <a:pPr marL="285750" indent="-285750">
+              <a:buFont typeface="Arial" pitchFamily="34" charset="0"/>
+              <a:buChar char="•"/>
+            </a:pPr>
+            <a:r>
+              <a:rPr lang="en-US" sz="2400" dirty="0"/>
+              <a:t>It returns not an array, but an </a:t>
+            </a:r>
+            <a:r>
+              <a:rPr lang="en-US" sz="2400" dirty="0" err="1"/>
+              <a:t>iterable</a:t>
+            </a:r>
+            <a:r>
+              <a:rPr lang="en-US" sz="2400" dirty="0"/>
+              <a:t> object.</a:t>
+            </a:r>
+          </a:p>
+          <a:p>
+            <a:pPr marL="285750" indent="-285750">
+              <a:buFont typeface="Arial" pitchFamily="34" charset="0"/>
+              <a:buChar char="•"/>
+            </a:pPr>
+            <a:r>
+              <a:rPr lang="en-US" sz="2400" dirty="0"/>
+              <a:t>When the flag g is present, it returns every match as an array with groups.</a:t>
+            </a:r>
+          </a:p>
+          <a:p>
+            <a:pPr marL="285750" indent="-285750">
+              <a:buFont typeface="Arial" pitchFamily="34" charset="0"/>
+              <a:buChar char="•"/>
+            </a:pPr>
+            <a:r>
+              <a:rPr lang="en-US" sz="2400" dirty="0"/>
+              <a:t>If there are no matches, it returns not null, but an empty </a:t>
+            </a:r>
+            <a:r>
+              <a:rPr lang="en-US" sz="2400" dirty="0" err="1"/>
+              <a:t>iterable</a:t>
+            </a:r>
+            <a:r>
+              <a:rPr lang="en-US" sz="2400" dirty="0"/>
+              <a:t> object.</a:t>
+            </a:r>
+          </a:p>
+          <a:p>
+            <a:endParaRPr lang="en-US" b="1" dirty="0"/>
+          </a:p>
+          <a:p>
+            <a:endParaRPr lang="ru-RU" dirty="0"/>
           </a:p>
         </p:txBody>
       </p:sp>
       <p:pic>
         <p:nvPicPr>
-          <p:cNvPr id="11266" name="Picture 2"/>
+          <p:cNvPr id="4098" name="Picture 2"/>
           <p:cNvPicPr>
             <a:picLocks noChangeAspect="1" noChangeArrowheads="1"/>
           </p:cNvPicPr>
@@ -16328,8 +16243,8 @@
         </p:blipFill>
         <p:spPr bwMode="auto">
           <a:xfrm>
-            <a:off x="472440" y="3742372"/>
-            <a:ext cx="9591729" cy="2216467"/>
+            <a:off x="1163003" y="2582228"/>
+            <a:ext cx="7630477" cy="4136286"/>
           </a:xfrm>
           <a:prstGeom prst="rect">
             <a:avLst/>
@@ -16372,7 +16287,7 @@
     </p:spTree>
     <p:extLst>
       <p:ext uri="{BB962C8B-B14F-4D97-AF65-F5344CB8AC3E}">
-        <p14:creationId xmlns:p14="http://schemas.microsoft.com/office/powerpoint/2010/main" val="3954040633"/>
+        <p14:creationId xmlns:p14="http://schemas.microsoft.com/office/powerpoint/2010/main" val="2935558920"/>
       </p:ext>
     </p:extLst>
   </p:cSld>
@@ -16407,8 +16322,8 @@
         </p:nvSpPr>
         <p:spPr>
           <a:xfrm>
-            <a:off x="381000" y="624840"/>
-            <a:ext cx="11506200" cy="2492990"/>
+            <a:off x="548640" y="685800"/>
+            <a:ext cx="11399520" cy="2862322"/>
           </a:xfrm>
           <a:prstGeom prst="rect">
             <a:avLst/>
@@ -16423,77 +16338,42 @@
           <a:p>
             <a:r>
               <a:rPr lang="en-US" sz="2400" b="1" dirty="0"/>
-              <a:t>Searching for all matches with groups: </a:t>
-            </a:r>
-            <a:r>
-              <a:rPr lang="en-US" sz="2400" b="1" dirty="0" err="1" smtClean="0"/>
-              <a:t>matchAll</a:t>
-            </a:r>
-            <a:endParaRPr lang="en-US" sz="2400" b="1" dirty="0" smtClean="0"/>
-          </a:p>
-          <a:p>
-            <a:r>
-              <a:rPr lang="en-US" sz="2400" dirty="0"/>
-              <a:t>Just like match, it looks for matches, but there are 3 differences:</a:t>
-            </a:r>
-          </a:p>
-          <a:p>
-            <a:pPr marL="285750" indent="-285750">
-              <a:buFont typeface="Arial" pitchFamily="34" charset="0"/>
-              <a:buChar char="•"/>
-            </a:pPr>
-            <a:r>
-              <a:rPr lang="en-US" sz="2400" dirty="0"/>
-              <a:t>It returns not an array, but an </a:t>
-            </a:r>
-            <a:r>
-              <a:rPr lang="en-US" sz="2400" dirty="0" err="1"/>
-              <a:t>iterable</a:t>
-            </a:r>
-            <a:r>
-              <a:rPr lang="en-US" sz="2400" dirty="0"/>
-              <a:t> object.</a:t>
-            </a:r>
-          </a:p>
-          <a:p>
-            <a:pPr marL="285750" indent="-285750">
-              <a:buFont typeface="Arial" pitchFamily="34" charset="0"/>
-              <a:buChar char="•"/>
-            </a:pPr>
-            <a:r>
-              <a:rPr lang="en-US" sz="2400" dirty="0"/>
-              <a:t>When the flag g is present, it returns every match as an array with groups.</a:t>
-            </a:r>
-          </a:p>
-          <a:p>
-            <a:pPr marL="285750" indent="-285750">
-              <a:buFont typeface="Arial" pitchFamily="34" charset="0"/>
-              <a:buChar char="•"/>
-            </a:pPr>
-            <a:r>
-              <a:rPr lang="en-US" sz="2400" dirty="0"/>
-              <a:t>If there are no matches, it returns not null, but an empty </a:t>
-            </a:r>
-            <a:r>
-              <a:rPr lang="en-US" sz="2400" dirty="0" err="1"/>
-              <a:t>iterable</a:t>
-            </a:r>
-            <a:r>
-              <a:rPr lang="en-US" sz="2400" dirty="0"/>
-              <a:t> object.</a:t>
-            </a:r>
-          </a:p>
-          <a:p>
-            <a:endParaRPr lang="en-US" b="1" dirty="0"/>
-          </a:p>
-          <a:p>
+              <a:t>Named groups</a:t>
+            </a:r>
+          </a:p>
+          <a:p>
+            <a:r>
+              <a:rPr lang="en-US" sz="2400" dirty="0"/>
+              <a:t>Remembering groups by their numbers is hard. For simple patterns it’s doable, but for more complex ones counting parentheses is inconvenient. We have a much better option: give names to parentheses.</a:t>
+            </a:r>
+          </a:p>
+          <a:p>
+            <a:r>
+              <a:rPr lang="en-US" sz="2400" dirty="0"/>
+              <a:t>That’s done by putting ?&lt;name&gt; immediately after the opening paren.</a:t>
+            </a:r>
+          </a:p>
+          <a:p>
+            <a:r>
+              <a:rPr lang="en-US" sz="2400" dirty="0"/>
+              <a:t>For example, let’s look for a date in the format “year-month-day”:</a:t>
+            </a:r>
+          </a:p>
+          <a:p>
+            <a:r>
+              <a:rPr lang="en-US" dirty="0"/>
+              <a:t/>
+            </a:r>
+            <a:br>
+              <a:rPr lang="en-US" dirty="0"/>
+            </a:br>
             <a:endParaRPr lang="ru-RU" dirty="0"/>
           </a:p>
         </p:txBody>
       </p:sp>
       <p:pic>
         <p:nvPicPr>
-          <p:cNvPr id="12290" name="Picture 2"/>
+          <p:cNvPr id="5123" name="Picture 3"/>
           <p:cNvPicPr>
             <a:picLocks noChangeAspect="1" noChangeArrowheads="1"/>
           </p:cNvPicPr>
@@ -16514,8 +16394,8 @@
         </p:blipFill>
         <p:spPr bwMode="auto">
           <a:xfrm>
-            <a:off x="914400" y="2925128"/>
-            <a:ext cx="7224438" cy="2835592"/>
+            <a:off x="548640" y="3195638"/>
+            <a:ext cx="11248974" cy="2687002"/>
           </a:xfrm>
           <a:prstGeom prst="rect">
             <a:avLst/>
@@ -16558,7 +16438,7 @@
     </p:spTree>
     <p:extLst>
       <p:ext uri="{BB962C8B-B14F-4D97-AF65-F5344CB8AC3E}">
-        <p14:creationId xmlns:p14="http://schemas.microsoft.com/office/powerpoint/2010/main" val="2935558920"/>
+        <p14:creationId xmlns:p14="http://schemas.microsoft.com/office/powerpoint/2010/main" val="457615245"/>
       </p:ext>
     </p:extLst>
   </p:cSld>
@@ -16849,8 +16729,8 @@
         </p:nvSpPr>
         <p:spPr>
           <a:xfrm>
-            <a:off x="548640" y="685800"/>
-            <a:ext cx="11399520" cy="2862322"/>
+            <a:off x="381000" y="121920"/>
+            <a:ext cx="11231880" cy="3693319"/>
           </a:xfrm>
           <a:prstGeom prst="rect">
             <a:avLst/>
@@ -16864,43 +16744,51 @@
           <a:lstStyle/>
           <a:p>
             <a:r>
-              <a:rPr lang="en-US" sz="2400" b="1" dirty="0"/>
-              <a:t>Named groups</a:t>
-            </a:r>
-          </a:p>
-          <a:p>
-            <a:r>
-              <a:rPr lang="en-US" sz="2400" dirty="0"/>
-              <a:t>Remembering groups by their numbers is hard. For simple patterns it’s doable, but for more complex ones counting parentheses is inconvenient. We have a much better option: give names to parentheses.</a:t>
-            </a:r>
-          </a:p>
-          <a:p>
-            <a:r>
-              <a:rPr lang="en-US" sz="2400" dirty="0"/>
-              <a:t>That’s done by putting ?&lt;name&gt; immediately after the opening paren.</a:t>
-            </a:r>
-          </a:p>
-          <a:p>
-            <a:r>
-              <a:rPr lang="en-US" sz="2400" dirty="0"/>
-              <a:t>For example, let’s look for a date in the format “year-month-day”:</a:t>
-            </a:r>
-          </a:p>
-          <a:p>
-            <a:r>
-              <a:rPr lang="en-US" dirty="0"/>
-              <a:t/>
-            </a:r>
-            <a:br>
-              <a:rPr lang="en-US" dirty="0"/>
-            </a:br>
+              <a:rPr lang="en-US" sz="2400" b="1" u="sng" dirty="0" err="1"/>
+              <a:t>Backreference</a:t>
+            </a:r>
+            <a:r>
+              <a:rPr lang="en-US" sz="2400" b="1" u="sng" dirty="0"/>
+              <a:t> by number: \N</a:t>
+            </a:r>
+            <a:endParaRPr lang="en-US" sz="2400" b="1" dirty="0"/>
+          </a:p>
+          <a:p>
+            <a:r>
+              <a:rPr lang="en-US" sz="2400" dirty="0"/>
+              <a:t>A group can be referenced in the pattern using \N, where N is the group number.</a:t>
+            </a:r>
+          </a:p>
+          <a:p>
+            <a:r>
+              <a:rPr lang="en-US" sz="2400" dirty="0"/>
+              <a:t>To make clear why that’s helpful, let’s consider a task.</a:t>
+            </a:r>
+          </a:p>
+          <a:p>
+            <a:r>
+              <a:rPr lang="en-US" sz="2400" dirty="0"/>
+              <a:t>We need to find quoted strings: either single-quoted '...' or a double-quoted "..." – both variants should match.</a:t>
+            </a:r>
+          </a:p>
+          <a:p>
+            <a:r>
+              <a:rPr lang="en-US" sz="2400" dirty="0" smtClean="0"/>
+              <a:t>We </a:t>
+            </a:r>
+            <a:r>
+              <a:rPr lang="en-US" sz="2400" dirty="0"/>
+              <a:t>can put both kinds of quotes in the square brackets: ['"](.*?)['"], but it would find strings with mixed quotes, like "...' and '...". That would lead to incorrect matches when one quote appears inside other ones, like in the string "She's the one!":</a:t>
+            </a:r>
+          </a:p>
+          <a:p>
             <a:endParaRPr lang="ru-RU" dirty="0"/>
           </a:p>
         </p:txBody>
       </p:sp>
       <p:pic>
         <p:nvPicPr>
-          <p:cNvPr id="13314" name="Picture 2"/>
+          <p:cNvPr id="1026" name="Picture 2"/>
           <p:cNvPicPr>
             <a:picLocks noChangeAspect="1" noChangeArrowheads="1"/>
           </p:cNvPicPr>
@@ -16921,8 +16809,8 @@
         </p:blipFill>
         <p:spPr bwMode="auto">
           <a:xfrm>
-            <a:off x="548638" y="3319522"/>
-            <a:ext cx="8844597" cy="2608838"/>
+            <a:off x="178117" y="3509010"/>
+            <a:ext cx="8255889" cy="1775460"/>
           </a:xfrm>
           <a:prstGeom prst="rect">
             <a:avLst/>
@@ -16962,10 +16850,74 @@
           </a:extLst>
         </p:spPr>
       </p:pic>
+      <p:pic>
+        <p:nvPicPr>
+          <p:cNvPr id="1027" name="Picture 3"/>
+          <p:cNvPicPr>
+            <a:picLocks noChangeAspect="1" noChangeArrowheads="1"/>
+          </p:cNvPicPr>
+          <p:nvPr/>
+        </p:nvPicPr>
+        <p:blipFill>
+          <a:blip r:embed="rId3">
+            <a:extLst>
+              <a:ext uri="{28A0092B-C50C-407E-A947-70E740481C1C}">
+                <a14:useLocalDpi xmlns:a14="http://schemas.microsoft.com/office/drawing/2010/main" val="0"/>
+              </a:ext>
+            </a:extLst>
+          </a:blip>
+          <a:srcRect/>
+          <a:stretch>
+            <a:fillRect/>
+          </a:stretch>
+        </p:blipFill>
+        <p:spPr bwMode="auto">
+          <a:xfrm>
+            <a:off x="5057646" y="5234940"/>
+            <a:ext cx="7134354" cy="1573530"/>
+          </a:xfrm>
+          <a:prstGeom prst="rect">
+            <a:avLst/>
+          </a:prstGeom>
+          <a:noFill/>
+          <a:ln>
+            <a:noFill/>
+          </a:ln>
+          <a:effectLst/>
+          <a:extLst>
+            <a:ext uri="{909E8E84-426E-40DD-AFC4-6F175D3DCCD1}">
+              <a14:hiddenFill xmlns:a14="http://schemas.microsoft.com/office/drawing/2010/main">
+                <a:solidFill>
+                  <a:schemeClr val="accent1"/>
+                </a:solidFill>
+              </a14:hiddenFill>
+            </a:ext>
+            <a:ext uri="{91240B29-F687-4F45-9708-019B960494DF}">
+              <a14:hiddenLine xmlns:a14="http://schemas.microsoft.com/office/drawing/2010/main" w="9525">
+                <a:solidFill>
+                  <a:schemeClr val="tx1"/>
+                </a:solidFill>
+                <a:miter lim="800000"/>
+                <a:headEnd/>
+                <a:tailEnd/>
+              </a14:hiddenLine>
+            </a:ext>
+            <a:ext uri="{AF507438-7753-43E0-B8FC-AC1667EBCBE1}">
+              <a14:hiddenEffects xmlns:a14="http://schemas.microsoft.com/office/drawing/2010/main">
+                <a:effectLst>
+                  <a:outerShdw dist="35921" dir="2700000" algn="ctr" rotWithShape="0">
+                    <a:schemeClr val="bg2"/>
+                  </a:outerShdw>
+                </a:effectLst>
+              </a14:hiddenEffects>
+            </a:ext>
+          </a:extLst>
+        </p:spPr>
+      </p:pic>
     </p:spTree>
     <p:extLst>
       <p:ext uri="{BB962C8B-B14F-4D97-AF65-F5344CB8AC3E}">
-        <p14:creationId xmlns:p14="http://schemas.microsoft.com/office/powerpoint/2010/main" val="457615245"/>
+        <p14:creationId xmlns:p14="http://schemas.microsoft.com/office/powerpoint/2010/main" val="2708485218"/>
       </p:ext>
     </p:extLst>
   </p:cSld>
@@ -17000,8 +16952,8 @@
         </p:nvSpPr>
         <p:spPr>
           <a:xfrm>
-            <a:off x="381000" y="121920"/>
-            <a:ext cx="11231880" cy="3693319"/>
+            <a:off x="396240" y="609600"/>
+            <a:ext cx="11262360" cy="2308324"/>
           </a:xfrm>
           <a:prstGeom prst="rect">
             <a:avLst/>
@@ -17020,46 +16972,52 @@
             </a:r>
             <a:r>
               <a:rPr lang="en-US" sz="2400" b="1" u="sng" dirty="0"/>
-              <a:t> by number: \N</a:t>
+              <a:t> by name: \k&lt;name&gt;</a:t>
             </a:r>
             <a:endParaRPr lang="en-US" sz="2400" b="1" dirty="0"/>
           </a:p>
           <a:p>
             <a:r>
               <a:rPr lang="en-US" sz="2400" dirty="0"/>
-              <a:t>A group can be referenced in the pattern using \N, where N is the group number.</a:t>
-            </a:r>
-          </a:p>
-          <a:p>
-            <a:r>
-              <a:rPr lang="en-US" sz="2400" dirty="0"/>
-              <a:t>To make clear why that’s helpful, let’s consider a task.</a:t>
-            </a:r>
-          </a:p>
-          <a:p>
-            <a:r>
-              <a:rPr lang="en-US" sz="2400" dirty="0"/>
-              <a:t>We need to find quoted strings: either single-quoted '...' or a double-quoted "..." – both variants should match.</a:t>
-            </a:r>
-          </a:p>
-          <a:p>
-            <a:r>
-              <a:rPr lang="en-US" sz="2400" dirty="0" smtClean="0"/>
-              <a:t>We </a:t>
-            </a:r>
-            <a:r>
-              <a:rPr lang="en-US" sz="2400" dirty="0"/>
-              <a:t>can put both kinds of quotes in the square brackets: ['"](.*?)['"], but it would find strings with mixed quotes, like "...' and '...". That would lead to incorrect matches when one quote appears inside other ones, like in the string "She's the one!":</a:t>
-            </a:r>
-          </a:p>
-          <a:p>
-            <a:endParaRPr lang="ru-RU" dirty="0"/>
+              <a:t>If a </a:t>
+            </a:r>
+            <a:r>
+              <a:rPr lang="en-US" sz="2400" dirty="0" err="1"/>
+              <a:t>regexp</a:t>
+            </a:r>
+            <a:r>
+              <a:rPr lang="en-US" sz="2400" dirty="0"/>
+              <a:t> has many parentheses, it’s convenient to give them names.</a:t>
+            </a:r>
+          </a:p>
+          <a:p>
+            <a:r>
+              <a:rPr lang="en-US" sz="2400" dirty="0"/>
+              <a:t>To reference a named group we can use \k&lt;name&gt;.</a:t>
+            </a:r>
+          </a:p>
+          <a:p>
+            <a:r>
+              <a:rPr lang="en-US" sz="2400" dirty="0"/>
+              <a:t>In the example below the group with quotes is named ?&lt;quote&gt;, so the </a:t>
+            </a:r>
+            <a:r>
+              <a:rPr lang="en-US" sz="2400" dirty="0" err="1"/>
+              <a:t>backreference</a:t>
+            </a:r>
+            <a:r>
+              <a:rPr lang="en-US" sz="2400" dirty="0"/>
+              <a:t> is \k&lt;quote&gt;:</a:t>
+            </a:r>
+          </a:p>
+          <a:p>
+            <a:endParaRPr lang="ru-RU" sz="2400" dirty="0"/>
           </a:p>
         </p:txBody>
       </p:sp>
       <p:pic>
         <p:nvPicPr>
-          <p:cNvPr id="1026" name="Picture 2"/>
+          <p:cNvPr id="2050" name="Picture 2"/>
           <p:cNvPicPr>
             <a:picLocks noChangeAspect="1" noChangeArrowheads="1"/>
           </p:cNvPicPr>
@@ -17080,8 +17038,8 @@
         </p:blipFill>
         <p:spPr bwMode="auto">
           <a:xfrm>
-            <a:off x="178117" y="3509010"/>
-            <a:ext cx="8255889" cy="1775460"/>
+            <a:off x="518160" y="2917924"/>
+            <a:ext cx="9914690" cy="2842796"/>
           </a:xfrm>
           <a:prstGeom prst="rect">
             <a:avLst/>
@@ -17121,16 +17079,118 @@
           </a:extLst>
         </p:spPr>
       </p:pic>
+    </p:spTree>
+    <p:extLst>
+      <p:ext uri="{BB962C8B-B14F-4D97-AF65-F5344CB8AC3E}">
+        <p14:creationId xmlns:p14="http://schemas.microsoft.com/office/powerpoint/2010/main" val="1437323992"/>
+      </p:ext>
+    </p:extLst>
+  </p:cSld>
+  <p:clrMapOvr>
+    <a:masterClrMapping/>
+  </p:clrMapOvr>
+</p:sld>
+</file>
+
+<file path=ppt/slides/slide32.xml><?xml version="1.0" encoding="utf-8"?>
+<p:sld xmlns:a="http://schemas.openxmlformats.org/drawingml/2006/main" xmlns:r="http://schemas.openxmlformats.org/officeDocument/2006/relationships" xmlns:p="http://schemas.openxmlformats.org/presentationml/2006/main">
+  <p:cSld>
+    <p:spTree>
+      <p:nvGrpSpPr>
+        <p:cNvPr id="1" name=""/>
+        <p:cNvGrpSpPr/>
+        <p:nvPr/>
+      </p:nvGrpSpPr>
+      <p:grpSpPr>
+        <a:xfrm>
+          <a:off x="0" y="0"/>
+          <a:ext cx="0" cy="0"/>
+          <a:chOff x="0" y="0"/>
+          <a:chExt cx="0" cy="0"/>
+        </a:xfrm>
+      </p:grpSpPr>
+      <p:sp>
+        <p:nvSpPr>
+          <p:cNvPr id="2" name="TextBox 1"/>
+          <p:cNvSpPr txBox="1"/>
+          <p:nvPr/>
+        </p:nvSpPr>
+        <p:spPr>
+          <a:xfrm>
+            <a:off x="289560" y="502920"/>
+            <a:ext cx="11353800" cy="2585323"/>
+          </a:xfrm>
+          <a:prstGeom prst="rect">
+            <a:avLst/>
+          </a:prstGeom>
+          <a:noFill/>
+        </p:spPr>
+        <p:txBody>
+          <a:bodyPr wrap="square" rtlCol="0">
+            <a:spAutoFit/>
+          </a:bodyPr>
+          <a:lstStyle/>
+          <a:p>
+            <a:r>
+              <a:rPr lang="en-US" sz="2400" b="1" dirty="0"/>
+              <a:t>Alternation (OR) |</a:t>
+            </a:r>
+          </a:p>
+          <a:p>
+            <a:r>
+              <a:rPr lang="en-US" sz="2400" dirty="0"/>
+              <a:t>Alternation is the term in regular expression that is actually a simple “OR”.</a:t>
+            </a:r>
+          </a:p>
+          <a:p>
+            <a:r>
+              <a:rPr lang="en-US" sz="2400" dirty="0"/>
+              <a:t>In a regular expression it is denoted with a vertical line character |.</a:t>
+            </a:r>
+          </a:p>
+          <a:p>
+            <a:r>
+              <a:rPr lang="en-US" sz="2400" dirty="0"/>
+              <a:t>For instance, we need to find programming languages: HTML, PHP, Java or JavaScript.</a:t>
+            </a:r>
+          </a:p>
+          <a:p>
+            <a:r>
+              <a:rPr lang="en-US" sz="2400" dirty="0"/>
+              <a:t>The corresponding </a:t>
+            </a:r>
+            <a:r>
+              <a:rPr lang="en-US" sz="2400" dirty="0" err="1"/>
+              <a:t>regexp</a:t>
+            </a:r>
+            <a:r>
+              <a:rPr lang="en-US" sz="2400" dirty="0"/>
+              <a:t>: </a:t>
+            </a:r>
+            <a:r>
+              <a:rPr lang="en-US" sz="2400" dirty="0" err="1"/>
+              <a:t>html|php|java</a:t>
+            </a:r>
+            <a:r>
+              <a:rPr lang="en-US" sz="2400" dirty="0"/>
+              <a:t>(script)?.</a:t>
+            </a:r>
+          </a:p>
+          <a:p>
+            <a:endParaRPr lang="ru-RU" dirty="0"/>
+          </a:p>
+        </p:txBody>
+      </p:sp>
       <p:pic>
         <p:nvPicPr>
-          <p:cNvPr id="1027" name="Picture 3"/>
+          <p:cNvPr id="3074" name="Picture 2"/>
           <p:cNvPicPr>
             <a:picLocks noChangeAspect="1" noChangeArrowheads="1"/>
           </p:cNvPicPr>
           <p:nvPr/>
         </p:nvPicPr>
         <p:blipFill>
-          <a:blip r:embed="rId3">
+          <a:blip r:embed="rId2">
             <a:extLst>
               <a:ext uri="{28A0092B-C50C-407E-A947-70E740481C1C}">
                 <a14:useLocalDpi xmlns:a14="http://schemas.microsoft.com/office/drawing/2010/main" val="0"/>
@@ -17144,8 +17204,8 @@
         </p:blipFill>
         <p:spPr bwMode="auto">
           <a:xfrm>
-            <a:off x="5057646" y="5234940"/>
-            <a:ext cx="7134354" cy="1573530"/>
+            <a:off x="420053" y="3088243"/>
+            <a:ext cx="10630142" cy="2215277"/>
           </a:xfrm>
           <a:prstGeom prst="rect">
             <a:avLst/>
@@ -17188,7 +17248,7 @@
     </p:spTree>
     <p:extLst>
       <p:ext uri="{BB962C8B-B14F-4D97-AF65-F5344CB8AC3E}">
-        <p14:creationId xmlns:p14="http://schemas.microsoft.com/office/powerpoint/2010/main" val="2708485218"/>
+        <p14:creationId xmlns:p14="http://schemas.microsoft.com/office/powerpoint/2010/main" val="2394519631"/>
       </p:ext>
     </p:extLst>
   </p:cSld>
@@ -17198,7 +17258,7 @@
 </p:sld>
 </file>
 
-<file path=ppt/slides/slide32.xml><?xml version="1.0" encoding="utf-8"?>
+<file path=ppt/slides/slide33.xml><?xml version="1.0" encoding="utf-8"?>
 <p:sld xmlns:a="http://schemas.openxmlformats.org/drawingml/2006/main" xmlns:r="http://schemas.openxmlformats.org/officeDocument/2006/relationships" xmlns:p="http://schemas.openxmlformats.org/presentationml/2006/main">
   <p:cSld>
     <p:spTree>
@@ -17217,14 +17277,14 @@
       </p:grpSpPr>
       <p:sp>
         <p:nvSpPr>
-          <p:cNvPr id="2" name="TextBox 1"/>
+          <p:cNvPr id="3" name="TextBox 2"/>
           <p:cNvSpPr txBox="1"/>
           <p:nvPr/>
         </p:nvSpPr>
         <p:spPr>
           <a:xfrm>
-            <a:off x="396240" y="609600"/>
-            <a:ext cx="11262360" cy="2308324"/>
+            <a:off x="274320" y="335280"/>
+            <a:ext cx="11109960" cy="2677656"/>
           </a:xfrm>
           <a:prstGeom prst="rect">
             <a:avLst/>
@@ -17238,57 +17298,49 @@
           <a:lstStyle/>
           <a:p>
             <a:r>
-              <a:rPr lang="en-US" sz="2400" b="1" u="sng" dirty="0" err="1"/>
-              <a:t>Backreference</a:t>
-            </a:r>
-            <a:r>
-              <a:rPr lang="en-US" sz="2400" b="1" u="sng" dirty="0"/>
-              <a:t> by name: \k&lt;name&gt;</a:t>
+              <a:rPr lang="en-US" sz="2400" b="1" dirty="0" err="1"/>
+              <a:t>Lookahead</a:t>
             </a:r>
             <a:endParaRPr lang="en-US" sz="2400" b="1" dirty="0"/>
           </a:p>
           <a:p>
             <a:r>
               <a:rPr lang="en-US" sz="2400" dirty="0"/>
-              <a:t>If a </a:t>
-            </a:r>
-            <a:r>
-              <a:rPr lang="en-US" sz="2400" dirty="0" err="1"/>
-              <a:t>regexp</a:t>
-            </a:r>
-            <a:r>
-              <a:rPr lang="en-US" sz="2400" dirty="0"/>
-              <a:t> has many parentheses, it’s convenient to give them names.</a:t>
-            </a:r>
-          </a:p>
-          <a:p>
-            <a:r>
-              <a:rPr lang="en-US" sz="2400" dirty="0"/>
-              <a:t>To reference a named group we can use \k&lt;name&gt;.</a:t>
-            </a:r>
-          </a:p>
-          <a:p>
-            <a:r>
-              <a:rPr lang="en-US" sz="2400" dirty="0"/>
-              <a:t>In the example below the group with quotes is named ?&lt;quote&gt;, so the </a:t>
-            </a:r>
-            <a:r>
-              <a:rPr lang="en-US" sz="2400" dirty="0" err="1"/>
-              <a:t>backreference</a:t>
-            </a:r>
-            <a:r>
-              <a:rPr lang="en-US" sz="2400" dirty="0"/>
-              <a:t> is \k&lt;quote&gt;:</a:t>
-            </a:r>
-          </a:p>
-          <a:p>
-            <a:endParaRPr lang="ru-RU" sz="2400" dirty="0"/>
+              <a:t>The syntax is: X(?=Y), it means "look for X, but match only if followed by Y". There may be any pattern instead of X and Y.</a:t>
+            </a:r>
+          </a:p>
+          <a:p>
+            <a:endParaRPr lang="en-US" sz="2400" dirty="0" smtClean="0"/>
+          </a:p>
+          <a:p>
+            <a:r>
+              <a:rPr lang="en-US" sz="2400" b="1" dirty="0"/>
+              <a:t>Negative </a:t>
+            </a:r>
+            <a:r>
+              <a:rPr lang="en-US" sz="2400" b="1" dirty="0" err="1"/>
+              <a:t>lookahead</a:t>
+            </a:r>
+            <a:endParaRPr lang="en-US" sz="2400" b="1" dirty="0"/>
+          </a:p>
+          <a:p>
+            <a:r>
+              <a:rPr lang="en-US" sz="2400" dirty="0"/>
+              <a:t>The syntax is: X(?!Y), it means "search X, but only if not followed by </a:t>
+            </a:r>
+            <a:r>
+              <a:rPr lang="en-US" sz="2400" dirty="0" smtClean="0"/>
+              <a:t>Y“</a:t>
+            </a:r>
+          </a:p>
+          <a:p>
+            <a:endParaRPr lang="en-US" sz="2400" dirty="0"/>
           </a:p>
         </p:txBody>
       </p:sp>
       <p:pic>
         <p:nvPicPr>
-          <p:cNvPr id="2050" name="Picture 2"/>
+          <p:cNvPr id="1027" name="Picture 3"/>
           <p:cNvPicPr>
             <a:picLocks noChangeAspect="1" noChangeArrowheads="1"/>
           </p:cNvPicPr>
@@ -17309,8 +17361,8 @@
         </p:blipFill>
         <p:spPr bwMode="auto">
           <a:xfrm>
-            <a:off x="518160" y="2917924"/>
-            <a:ext cx="9914690" cy="2842796"/>
+            <a:off x="376238" y="3012936"/>
+            <a:ext cx="11439525" cy="3220224"/>
           </a:xfrm>
           <a:prstGeom prst="rect">
             <a:avLst/>
@@ -17353,7 +17405,7 @@
     </p:spTree>
     <p:extLst>
       <p:ext uri="{BB962C8B-B14F-4D97-AF65-F5344CB8AC3E}">
-        <p14:creationId xmlns:p14="http://schemas.microsoft.com/office/powerpoint/2010/main" val="1437323992"/>
+        <p14:creationId xmlns:p14="http://schemas.microsoft.com/office/powerpoint/2010/main" val="2101060416"/>
       </p:ext>
     </p:extLst>
   </p:cSld>
@@ -17363,7 +17415,7 @@
 </p:sld>
 </file>
 
-<file path=ppt/slides/slide33.xml><?xml version="1.0" encoding="utf-8"?>
+<file path=ppt/slides/slide34.xml><?xml version="1.0" encoding="utf-8"?>
 <p:sld xmlns:a="http://schemas.openxmlformats.org/drawingml/2006/main" xmlns:r="http://schemas.openxmlformats.org/officeDocument/2006/relationships" xmlns:p="http://schemas.openxmlformats.org/presentationml/2006/main">
   <p:cSld>
     <p:spTree>
@@ -17388,8 +17440,8 @@
         </p:nvSpPr>
         <p:spPr>
           <a:xfrm>
-            <a:off x="289560" y="502920"/>
-            <a:ext cx="11353800" cy="2585323"/>
+            <a:off x="182880" y="411480"/>
+            <a:ext cx="11704320" cy="2954655"/>
           </a:xfrm>
           <a:prstGeom prst="rect">
             <a:avLst/>
@@ -17403,48 +17455,63 @@
           <a:lstStyle/>
           <a:p>
             <a:r>
-              <a:rPr lang="en-US" sz="2400" b="1" dirty="0"/>
-              <a:t>Alternation (OR) |</a:t>
-            </a:r>
-          </a:p>
-          <a:p>
-            <a:r>
-              <a:rPr lang="en-US" sz="2400" dirty="0"/>
-              <a:t>Alternation is the term in regular expression that is actually a simple “OR”.</a:t>
-            </a:r>
-          </a:p>
-          <a:p>
-            <a:r>
-              <a:rPr lang="en-US" sz="2400" dirty="0"/>
-              <a:t>In a regular expression it is denoted with a vertical line character |.</a:t>
-            </a:r>
-          </a:p>
-          <a:p>
-            <a:r>
-              <a:rPr lang="en-US" sz="2400" dirty="0"/>
-              <a:t>For instance, we need to find programming languages: HTML, PHP, Java or JavaScript.</a:t>
-            </a:r>
-          </a:p>
-          <a:p>
-            <a:r>
-              <a:rPr lang="en-US" sz="2400" dirty="0"/>
-              <a:t>The corresponding </a:t>
-            </a:r>
+              <a:rPr lang="en-US" sz="2400" b="1" u="sng" dirty="0" err="1"/>
+              <a:t>Lookbehind</a:t>
+            </a:r>
+            <a:endParaRPr lang="en-US" sz="2400" b="1" dirty="0"/>
+          </a:p>
+          <a:p>
             <a:r>
               <a:rPr lang="en-US" sz="2400" dirty="0" err="1"/>
-              <a:t>regexp</a:t>
-            </a:r>
-            <a:r>
-              <a:rPr lang="en-US" sz="2400" dirty="0"/>
-              <a:t>: </a:t>
-            </a:r>
+              <a:t>Lookahead</a:t>
+            </a:r>
+            <a:r>
+              <a:rPr lang="en-US" sz="2400" dirty="0"/>
+              <a:t> allows to add a condition for “what follows”.</a:t>
+            </a:r>
+          </a:p>
+          <a:p>
             <a:r>
               <a:rPr lang="en-US" sz="2400" dirty="0" err="1"/>
-              <a:t>html|php|java</a:t>
-            </a:r>
-            <a:r>
-              <a:rPr lang="en-US" sz="2400" dirty="0"/>
-              <a:t>(script)?.</a:t>
+              <a:t>Lookbehind</a:t>
+            </a:r>
+            <a:r>
+              <a:rPr lang="en-US" sz="2400" dirty="0"/>
+              <a:t> is similar, but it looks behind. That is, it allows to match a pattern only if there’s something before it.</a:t>
+            </a:r>
+          </a:p>
+          <a:p>
+            <a:r>
+              <a:rPr lang="en-US" sz="2400" dirty="0"/>
+              <a:t>The syntax is:</a:t>
+            </a:r>
+          </a:p>
+          <a:p>
+            <a:r>
+              <a:rPr lang="en-US" sz="2400" dirty="0"/>
+              <a:t>Positive </a:t>
+            </a:r>
+            <a:r>
+              <a:rPr lang="en-US" sz="2400" dirty="0" err="1"/>
+              <a:t>lookbehind</a:t>
+            </a:r>
+            <a:r>
+              <a:rPr lang="en-US" sz="2400" dirty="0"/>
+              <a:t>: (?&lt;=Y)X, matches X, but only if there’s Y before it.</a:t>
+            </a:r>
+          </a:p>
+          <a:p>
+            <a:r>
+              <a:rPr lang="en-US" sz="2400" dirty="0"/>
+              <a:t>Negative </a:t>
+            </a:r>
+            <a:r>
+              <a:rPr lang="en-US" sz="2400" dirty="0" err="1"/>
+              <a:t>lookbehind</a:t>
+            </a:r>
+            <a:r>
+              <a:rPr lang="en-US" sz="2400" dirty="0"/>
+              <a:t>: (?&lt;!Y)X, matches X, but only if there’s no Y before it.</a:t>
             </a:r>
           </a:p>
           <a:p>
@@ -17454,7 +17521,7 @@
       </p:sp>
       <p:pic>
         <p:nvPicPr>
-          <p:cNvPr id="3074" name="Picture 2"/>
+          <p:cNvPr id="2050" name="Picture 2"/>
           <p:cNvPicPr>
             <a:picLocks noChangeAspect="1" noChangeArrowheads="1"/>
           </p:cNvPicPr>
@@ -17475,8 +17542,8 @@
         </p:blipFill>
         <p:spPr bwMode="auto">
           <a:xfrm>
-            <a:off x="420053" y="3088243"/>
-            <a:ext cx="10630142" cy="2215277"/>
+            <a:off x="0" y="3569970"/>
+            <a:ext cx="11571878" cy="2327910"/>
           </a:xfrm>
           <a:prstGeom prst="rect">
             <a:avLst/>
@@ -17519,164 +17586,7 @@
     </p:spTree>
     <p:extLst>
       <p:ext uri="{BB962C8B-B14F-4D97-AF65-F5344CB8AC3E}">
-        <p14:creationId xmlns:p14="http://schemas.microsoft.com/office/powerpoint/2010/main" val="2394519631"/>
-      </p:ext>
-    </p:extLst>
-  </p:cSld>
-  <p:clrMapOvr>
-    <a:masterClrMapping/>
-  </p:clrMapOvr>
-</p:sld>
-</file>
-
-<file path=ppt/slides/slide34.xml><?xml version="1.0" encoding="utf-8"?>
-<p:sld xmlns:a="http://schemas.openxmlformats.org/drawingml/2006/main" xmlns:r="http://schemas.openxmlformats.org/officeDocument/2006/relationships" xmlns:p="http://schemas.openxmlformats.org/presentationml/2006/main">
-  <p:cSld>
-    <p:spTree>
-      <p:nvGrpSpPr>
-        <p:cNvPr id="1" name=""/>
-        <p:cNvGrpSpPr/>
-        <p:nvPr/>
-      </p:nvGrpSpPr>
-      <p:grpSpPr>
-        <a:xfrm>
-          <a:off x="0" y="0"/>
-          <a:ext cx="0" cy="0"/>
-          <a:chOff x="0" y="0"/>
-          <a:chExt cx="0" cy="0"/>
-        </a:xfrm>
-      </p:grpSpPr>
-      <p:sp>
-        <p:nvSpPr>
-          <p:cNvPr id="3" name="TextBox 2"/>
-          <p:cNvSpPr txBox="1"/>
-          <p:nvPr/>
-        </p:nvSpPr>
-        <p:spPr>
-          <a:xfrm>
-            <a:off x="274320" y="335280"/>
-            <a:ext cx="11109960" cy="2677656"/>
-          </a:xfrm>
-          <a:prstGeom prst="rect">
-            <a:avLst/>
-          </a:prstGeom>
-          <a:noFill/>
-        </p:spPr>
-        <p:txBody>
-          <a:bodyPr wrap="square" rtlCol="0">
-            <a:spAutoFit/>
-          </a:bodyPr>
-          <a:lstStyle/>
-          <a:p>
-            <a:r>
-              <a:rPr lang="en-US" sz="2400" b="1" dirty="0" err="1"/>
-              <a:t>Lookahead</a:t>
-            </a:r>
-            <a:endParaRPr lang="en-US" sz="2400" b="1" dirty="0"/>
-          </a:p>
-          <a:p>
-            <a:r>
-              <a:rPr lang="en-US" sz="2400" dirty="0"/>
-              <a:t>The syntax is: X(?=Y), it means "look for X, but match only if followed by Y". There may be any pattern instead of X and Y.</a:t>
-            </a:r>
-          </a:p>
-          <a:p>
-            <a:endParaRPr lang="en-US" sz="2400" dirty="0" smtClean="0"/>
-          </a:p>
-          <a:p>
-            <a:r>
-              <a:rPr lang="en-US" sz="2400" b="1" dirty="0"/>
-              <a:t>Negative </a:t>
-            </a:r>
-            <a:r>
-              <a:rPr lang="en-US" sz="2400" b="1" dirty="0" err="1"/>
-              <a:t>lookahead</a:t>
-            </a:r>
-            <a:endParaRPr lang="en-US" sz="2400" b="1" dirty="0"/>
-          </a:p>
-          <a:p>
-            <a:r>
-              <a:rPr lang="en-US" sz="2400" dirty="0"/>
-              <a:t>The syntax is: X(?!Y), it means "search X, but only if not followed by </a:t>
-            </a:r>
-            <a:r>
-              <a:rPr lang="en-US" sz="2400" dirty="0" smtClean="0"/>
-              <a:t>Y“</a:t>
-            </a:r>
-          </a:p>
-          <a:p>
-            <a:endParaRPr lang="en-US" sz="2400" dirty="0"/>
-          </a:p>
-        </p:txBody>
-      </p:sp>
-      <p:pic>
-        <p:nvPicPr>
-          <p:cNvPr id="1027" name="Picture 3"/>
-          <p:cNvPicPr>
-            <a:picLocks noChangeAspect="1" noChangeArrowheads="1"/>
-          </p:cNvPicPr>
-          <p:nvPr/>
-        </p:nvPicPr>
-        <p:blipFill>
-          <a:blip r:embed="rId2">
-            <a:extLst>
-              <a:ext uri="{28A0092B-C50C-407E-A947-70E740481C1C}">
-                <a14:useLocalDpi xmlns:a14="http://schemas.microsoft.com/office/drawing/2010/main" val="0"/>
-              </a:ext>
-            </a:extLst>
-          </a:blip>
-          <a:srcRect/>
-          <a:stretch>
-            <a:fillRect/>
-          </a:stretch>
-        </p:blipFill>
-        <p:spPr bwMode="auto">
-          <a:xfrm>
-            <a:off x="376238" y="3012936"/>
-            <a:ext cx="11439525" cy="3220224"/>
-          </a:xfrm>
-          <a:prstGeom prst="rect">
-            <a:avLst/>
-          </a:prstGeom>
-          <a:noFill/>
-          <a:ln>
-            <a:noFill/>
-          </a:ln>
-          <a:effectLst/>
-          <a:extLst>
-            <a:ext uri="{909E8E84-426E-40DD-AFC4-6F175D3DCCD1}">
-              <a14:hiddenFill xmlns:a14="http://schemas.microsoft.com/office/drawing/2010/main">
-                <a:solidFill>
-                  <a:schemeClr val="accent1"/>
-                </a:solidFill>
-              </a14:hiddenFill>
-            </a:ext>
-            <a:ext uri="{91240B29-F687-4F45-9708-019B960494DF}">
-              <a14:hiddenLine xmlns:a14="http://schemas.microsoft.com/office/drawing/2010/main" w="9525">
-                <a:solidFill>
-                  <a:schemeClr val="tx1"/>
-                </a:solidFill>
-                <a:miter lim="800000"/>
-                <a:headEnd/>
-                <a:tailEnd/>
-              </a14:hiddenLine>
-            </a:ext>
-            <a:ext uri="{AF507438-7753-43E0-B8FC-AC1667EBCBE1}">
-              <a14:hiddenEffects xmlns:a14="http://schemas.microsoft.com/office/drawing/2010/main">
-                <a:effectLst>
-                  <a:outerShdw dist="35921" dir="2700000" algn="ctr" rotWithShape="0">
-                    <a:schemeClr val="bg2"/>
-                  </a:outerShdw>
-                </a:effectLst>
-              </a14:hiddenEffects>
-            </a:ext>
-          </a:extLst>
-        </p:spPr>
-      </p:pic>
-    </p:spTree>
-    <p:extLst>
-      <p:ext uri="{BB962C8B-B14F-4D97-AF65-F5344CB8AC3E}">
-        <p14:creationId xmlns:p14="http://schemas.microsoft.com/office/powerpoint/2010/main" val="2101060416"/>
+        <p14:creationId xmlns:p14="http://schemas.microsoft.com/office/powerpoint/2010/main" val="2631020055"/>
       </p:ext>
     </p:extLst>
   </p:cSld>
@@ -17711,8 +17621,8 @@
         </p:nvSpPr>
         <p:spPr>
           <a:xfrm>
-            <a:off x="182880" y="411480"/>
-            <a:ext cx="11704320" cy="2954655"/>
+            <a:off x="228600" y="472440"/>
+            <a:ext cx="11780520" cy="5909310"/>
           </a:xfrm>
           <a:prstGeom prst="rect">
             <a:avLst/>
@@ -17726,138 +17636,243 @@
           <a:lstStyle/>
           <a:p>
             <a:r>
+              <a:rPr lang="en-US" sz="2400" b="1" dirty="0"/>
+              <a:t>Methods of </a:t>
+            </a:r>
+            <a:r>
+              <a:rPr lang="en-US" sz="2400" b="1" dirty="0" err="1"/>
+              <a:t>RegExp</a:t>
+            </a:r>
+            <a:r>
+              <a:rPr lang="en-US" sz="2400" b="1" dirty="0"/>
+              <a:t> and </a:t>
+            </a:r>
+            <a:r>
+              <a:rPr lang="en-US" sz="2400" b="1" dirty="0" smtClean="0"/>
+              <a:t>String</a:t>
+            </a:r>
+          </a:p>
+          <a:p>
+            <a:endParaRPr lang="en-US" sz="2400" b="1" dirty="0" smtClean="0"/>
+          </a:p>
+          <a:p>
+            <a:pPr marL="342900" indent="-342900">
+              <a:buFont typeface="Arial" pitchFamily="34" charset="0"/>
+              <a:buChar char="•"/>
+            </a:pPr>
+            <a:r>
               <a:rPr lang="en-US" sz="2400" b="1" u="sng" dirty="0" err="1"/>
-              <a:t>Lookbehind</a:t>
-            </a:r>
+              <a:t>str.match</a:t>
+            </a:r>
+            <a:r>
+              <a:rPr lang="en-US" sz="2400" b="1" u="sng" dirty="0"/>
+              <a:t>(</a:t>
+            </a:r>
+            <a:r>
+              <a:rPr lang="en-US" sz="2400" b="1" u="sng" dirty="0" err="1"/>
+              <a:t>regexp</a:t>
+            </a:r>
+            <a:r>
+              <a:rPr lang="en-US" sz="2400" b="1" u="sng" dirty="0" smtClean="0"/>
+              <a:t>)</a:t>
+            </a:r>
+          </a:p>
+          <a:p>
+            <a:pPr marL="342900" indent="-342900">
+              <a:buFont typeface="Arial" pitchFamily="34" charset="0"/>
+              <a:buChar char="•"/>
+            </a:pPr>
             <a:endParaRPr lang="en-US" sz="2400" b="1" dirty="0"/>
           </a:p>
           <a:p>
-            <a:r>
-              <a:rPr lang="en-US" sz="2400" dirty="0" err="1"/>
-              <a:t>Lookahead</a:t>
-            </a:r>
-            <a:r>
-              <a:rPr lang="en-US" sz="2400" dirty="0"/>
-              <a:t> allows to add a condition for “what follows”.</a:t>
-            </a:r>
-          </a:p>
-          <a:p>
-            <a:r>
-              <a:rPr lang="en-US" sz="2400" dirty="0" err="1"/>
-              <a:t>Lookbehind</a:t>
-            </a:r>
-            <a:r>
-              <a:rPr lang="en-US" sz="2400" dirty="0"/>
-              <a:t> is similar, but it looks behind. That is, it allows to match a pattern only if there’s something before it.</a:t>
-            </a:r>
-          </a:p>
-          <a:p>
-            <a:r>
-              <a:rPr lang="en-US" sz="2400" dirty="0"/>
-              <a:t>The syntax is:</a:t>
-            </a:r>
-          </a:p>
-          <a:p>
-            <a:r>
-              <a:rPr lang="en-US" sz="2400" dirty="0"/>
-              <a:t>Positive </a:t>
-            </a:r>
-            <a:r>
-              <a:rPr lang="en-US" sz="2400" dirty="0" err="1"/>
-              <a:t>lookbehind</a:t>
-            </a:r>
-            <a:r>
-              <a:rPr lang="en-US" sz="2400" dirty="0"/>
-              <a:t>: (?&lt;=Y)X, matches X, but only if there’s Y before it.</a:t>
-            </a:r>
-          </a:p>
-          <a:p>
-            <a:r>
-              <a:rPr lang="en-US" sz="2400" dirty="0"/>
-              <a:t>Negative </a:t>
-            </a:r>
-            <a:r>
-              <a:rPr lang="en-US" sz="2400" dirty="0" err="1"/>
-              <a:t>lookbehind</a:t>
-            </a:r>
-            <a:r>
-              <a:rPr lang="en-US" sz="2400" dirty="0"/>
-              <a:t>: (?&lt;!Y)X, matches X, but only if there’s no Y before it.</a:t>
-            </a:r>
-          </a:p>
-          <a:p>
-            <a:endParaRPr lang="ru-RU" dirty="0"/>
+            <a:pPr marL="342900" indent="-342900">
+              <a:buFont typeface="Arial" pitchFamily="34" charset="0"/>
+              <a:buChar char="•"/>
+            </a:pPr>
+            <a:r>
+              <a:rPr lang="en-US" sz="2400" b="1" u="sng" dirty="0" err="1"/>
+              <a:t>str.matchAll</a:t>
+            </a:r>
+            <a:r>
+              <a:rPr lang="en-US" sz="2400" b="1" u="sng" dirty="0"/>
+              <a:t>(</a:t>
+            </a:r>
+            <a:r>
+              <a:rPr lang="en-US" sz="2400" b="1" u="sng" dirty="0" err="1"/>
+              <a:t>regexp</a:t>
+            </a:r>
+            <a:r>
+              <a:rPr lang="en-US" sz="2400" b="1" u="sng" dirty="0" smtClean="0"/>
+              <a:t>)</a:t>
+            </a:r>
+          </a:p>
+          <a:p>
+            <a:pPr marL="342900" indent="-342900">
+              <a:buFont typeface="Arial" pitchFamily="34" charset="0"/>
+              <a:buChar char="•"/>
+            </a:pPr>
+            <a:endParaRPr lang="en-US" sz="2400" b="1" dirty="0"/>
+          </a:p>
+          <a:p>
+            <a:pPr marL="342900" indent="-342900">
+              <a:buFont typeface="Arial" pitchFamily="34" charset="0"/>
+              <a:buChar char="•"/>
+            </a:pPr>
+            <a:r>
+              <a:rPr lang="en-US" sz="2400" b="1" u="sng" dirty="0" err="1"/>
+              <a:t>str.split</a:t>
+            </a:r>
+            <a:r>
+              <a:rPr lang="en-US" sz="2400" b="1" u="sng" dirty="0"/>
+              <a:t>(</a:t>
+            </a:r>
+            <a:r>
+              <a:rPr lang="en-US" sz="2400" b="1" u="sng" dirty="0" err="1"/>
+              <a:t>regexp|substr</a:t>
+            </a:r>
+            <a:r>
+              <a:rPr lang="en-US" sz="2400" b="1" u="sng" dirty="0"/>
+              <a:t>, limit</a:t>
+            </a:r>
+            <a:r>
+              <a:rPr lang="en-US" sz="2400" b="1" u="sng" dirty="0" smtClean="0"/>
+              <a:t>)</a:t>
+            </a:r>
+          </a:p>
+          <a:p>
+            <a:pPr marL="342900" indent="-342900">
+              <a:buFont typeface="Arial" pitchFamily="34" charset="0"/>
+              <a:buChar char="•"/>
+            </a:pPr>
+            <a:endParaRPr lang="en-US" sz="2400" b="1" dirty="0"/>
+          </a:p>
+          <a:p>
+            <a:pPr marL="342900" indent="-342900">
+              <a:buFont typeface="Arial" pitchFamily="34" charset="0"/>
+              <a:buChar char="•"/>
+            </a:pPr>
+            <a:r>
+              <a:rPr lang="en-US" sz="2400" b="1" u="sng" dirty="0" err="1"/>
+              <a:t>str.search</a:t>
+            </a:r>
+            <a:r>
+              <a:rPr lang="en-US" sz="2400" b="1" u="sng" dirty="0"/>
+              <a:t>(</a:t>
+            </a:r>
+            <a:r>
+              <a:rPr lang="en-US" sz="2400" b="1" u="sng" dirty="0" err="1"/>
+              <a:t>regexp</a:t>
+            </a:r>
+            <a:r>
+              <a:rPr lang="en-US" sz="2400" b="1" u="sng" dirty="0" smtClean="0"/>
+              <a:t>)</a:t>
+            </a:r>
+          </a:p>
+          <a:p>
+            <a:pPr marL="342900" indent="-342900">
+              <a:buFont typeface="Arial" pitchFamily="34" charset="0"/>
+              <a:buChar char="•"/>
+            </a:pPr>
+            <a:endParaRPr lang="en-US" sz="2400" b="1" dirty="0"/>
+          </a:p>
+          <a:p>
+            <a:pPr marL="342900" indent="-342900">
+              <a:buFont typeface="Arial" pitchFamily="34" charset="0"/>
+              <a:buChar char="•"/>
+            </a:pPr>
+            <a:r>
+              <a:rPr lang="en-US" sz="2400" b="1" u="sng" dirty="0" err="1"/>
+              <a:t>str.replace</a:t>
+            </a:r>
+            <a:r>
+              <a:rPr lang="en-US" sz="2400" b="1" u="sng" dirty="0"/>
+              <a:t>(</a:t>
+            </a:r>
+            <a:r>
+              <a:rPr lang="en-US" sz="2400" b="1" u="sng" dirty="0" err="1"/>
+              <a:t>str|regexp</a:t>
+            </a:r>
+            <a:r>
+              <a:rPr lang="en-US" sz="2400" b="1" u="sng" dirty="0"/>
+              <a:t>, </a:t>
+            </a:r>
+            <a:r>
+              <a:rPr lang="en-US" sz="2400" b="1" u="sng" dirty="0" err="1"/>
+              <a:t>str|func</a:t>
+            </a:r>
+            <a:r>
+              <a:rPr lang="en-US" sz="2400" b="1" u="sng" dirty="0" smtClean="0"/>
+              <a:t>)</a:t>
+            </a:r>
+          </a:p>
+          <a:p>
+            <a:pPr marL="342900" indent="-342900">
+              <a:buFont typeface="Arial" pitchFamily="34" charset="0"/>
+              <a:buChar char="•"/>
+            </a:pPr>
+            <a:endParaRPr lang="en-US" sz="2400" b="1" dirty="0"/>
+          </a:p>
+          <a:p>
+            <a:pPr marL="342900" indent="-342900">
+              <a:buFont typeface="Arial" pitchFamily="34" charset="0"/>
+              <a:buChar char="•"/>
+            </a:pPr>
+            <a:r>
+              <a:rPr lang="en-US" sz="2400" b="1" u="sng" dirty="0" err="1"/>
+              <a:t>regexp.exec</a:t>
+            </a:r>
+            <a:r>
+              <a:rPr lang="en-US" sz="2400" b="1" u="sng" dirty="0"/>
+              <a:t>(</a:t>
+            </a:r>
+            <a:r>
+              <a:rPr lang="en-US" sz="2400" b="1" u="sng" dirty="0" err="1"/>
+              <a:t>str</a:t>
+            </a:r>
+            <a:r>
+              <a:rPr lang="en-US" sz="2400" b="1" u="sng" dirty="0" smtClean="0"/>
+              <a:t>)</a:t>
+            </a:r>
+          </a:p>
+          <a:p>
+            <a:pPr marL="342900" indent="-342900">
+              <a:buFont typeface="Arial" pitchFamily="34" charset="0"/>
+              <a:buChar char="•"/>
+            </a:pPr>
+            <a:endParaRPr lang="en-US" sz="2400" b="1" dirty="0"/>
+          </a:p>
+          <a:p>
+            <a:pPr marL="342900" indent="-342900">
+              <a:buFont typeface="Arial" pitchFamily="34" charset="0"/>
+              <a:buChar char="•"/>
+            </a:pPr>
+            <a:r>
+              <a:rPr lang="en-US" sz="2400" b="1" u="sng" dirty="0" err="1" smtClean="0"/>
+              <a:t>regexp.test</a:t>
+            </a:r>
+            <a:r>
+              <a:rPr lang="en-US" sz="2400" b="1" u="sng" dirty="0" smtClean="0"/>
+              <a:t>(</a:t>
+            </a:r>
+            <a:r>
+              <a:rPr lang="en-US" sz="2400" b="1" u="sng" dirty="0" err="1" smtClean="0"/>
+              <a:t>str</a:t>
+            </a:r>
+            <a:r>
+              <a:rPr lang="en-US" sz="2400" b="1" u="sng" dirty="0" smtClean="0"/>
+              <a:t>)</a:t>
+            </a:r>
+            <a:endParaRPr lang="en-US" sz="2400" b="1" dirty="0"/>
+          </a:p>
+          <a:p>
+            <a:endParaRPr lang="en-US" b="1" dirty="0"/>
           </a:p>
         </p:txBody>
       </p:sp>
-      <p:pic>
-        <p:nvPicPr>
-          <p:cNvPr id="2050" name="Picture 2"/>
-          <p:cNvPicPr>
-            <a:picLocks noChangeAspect="1" noChangeArrowheads="1"/>
-          </p:cNvPicPr>
-          <p:nvPr/>
-        </p:nvPicPr>
-        <p:blipFill>
-          <a:blip r:embed="rId2">
-            <a:extLst>
-              <a:ext uri="{28A0092B-C50C-407E-A947-70E740481C1C}">
-                <a14:useLocalDpi xmlns:a14="http://schemas.microsoft.com/office/drawing/2010/main" val="0"/>
-              </a:ext>
-            </a:extLst>
-          </a:blip>
-          <a:srcRect/>
-          <a:stretch>
-            <a:fillRect/>
-          </a:stretch>
-        </p:blipFill>
-        <p:spPr bwMode="auto">
-          <a:xfrm>
-            <a:off x="0" y="3569970"/>
-            <a:ext cx="11571878" cy="2327910"/>
-          </a:xfrm>
-          <a:prstGeom prst="rect">
-            <a:avLst/>
-          </a:prstGeom>
-          <a:noFill/>
-          <a:ln>
-            <a:noFill/>
-          </a:ln>
-          <a:effectLst/>
-          <a:extLst>
-            <a:ext uri="{909E8E84-426E-40DD-AFC4-6F175D3DCCD1}">
-              <a14:hiddenFill xmlns:a14="http://schemas.microsoft.com/office/drawing/2010/main">
-                <a:solidFill>
-                  <a:schemeClr val="accent1"/>
-                </a:solidFill>
-              </a14:hiddenFill>
-            </a:ext>
-            <a:ext uri="{91240B29-F687-4F45-9708-019B960494DF}">
-              <a14:hiddenLine xmlns:a14="http://schemas.microsoft.com/office/drawing/2010/main" w="9525">
-                <a:solidFill>
-                  <a:schemeClr val="tx1"/>
-                </a:solidFill>
-                <a:miter lim="800000"/>
-                <a:headEnd/>
-                <a:tailEnd/>
-              </a14:hiddenLine>
-            </a:ext>
-            <a:ext uri="{AF507438-7753-43E0-B8FC-AC1667EBCBE1}">
-              <a14:hiddenEffects xmlns:a14="http://schemas.microsoft.com/office/drawing/2010/main">
-                <a:effectLst>
-                  <a:outerShdw dist="35921" dir="2700000" algn="ctr" rotWithShape="0">
-                    <a:schemeClr val="bg2"/>
-                  </a:outerShdw>
-                </a:effectLst>
-              </a14:hiddenEffects>
-            </a:ext>
-          </a:extLst>
-        </p:spPr>
-      </p:pic>
     </p:spTree>
     <p:extLst>
       <p:ext uri="{BB962C8B-B14F-4D97-AF65-F5344CB8AC3E}">
-        <p14:creationId xmlns:p14="http://schemas.microsoft.com/office/powerpoint/2010/main" val="2631020055"/>
+        <p14:creationId xmlns:p14="http://schemas.microsoft.com/office/powerpoint/2010/main" val="2288895850"/>
       </p:ext>
     </p:extLst>
   </p:cSld>
@@ -17892,292 +17907,6 @@
         </p:nvSpPr>
         <p:spPr>
           <a:xfrm>
-            <a:off x="228600" y="472440"/>
-            <a:ext cx="11780520" cy="5909310"/>
-          </a:xfrm>
-          <a:prstGeom prst="rect">
-            <a:avLst/>
-          </a:prstGeom>
-          <a:noFill/>
-        </p:spPr>
-        <p:txBody>
-          <a:bodyPr wrap="square" rtlCol="0">
-            <a:spAutoFit/>
-          </a:bodyPr>
-          <a:lstStyle/>
-          <a:p>
-            <a:r>
-              <a:rPr lang="en-US" sz="2400" b="1" dirty="0"/>
-              <a:t>Methods of </a:t>
-            </a:r>
-            <a:r>
-              <a:rPr lang="en-US" sz="2400" b="1" dirty="0" err="1"/>
-              <a:t>RegExp</a:t>
-            </a:r>
-            <a:r>
-              <a:rPr lang="en-US" sz="2400" b="1" dirty="0"/>
-              <a:t> and </a:t>
-            </a:r>
-            <a:r>
-              <a:rPr lang="en-US" sz="2400" b="1" dirty="0" smtClean="0"/>
-              <a:t>String</a:t>
-            </a:r>
-          </a:p>
-          <a:p>
-            <a:endParaRPr lang="en-US" sz="2400" b="1" dirty="0" smtClean="0"/>
-          </a:p>
-          <a:p>
-            <a:pPr marL="342900" indent="-342900">
-              <a:buFont typeface="Arial" pitchFamily="34" charset="0"/>
-              <a:buChar char="•"/>
-            </a:pPr>
-            <a:r>
-              <a:rPr lang="en-US" sz="2400" b="1" u="sng" dirty="0" err="1"/>
-              <a:t>str.match</a:t>
-            </a:r>
-            <a:r>
-              <a:rPr lang="en-US" sz="2400" b="1" u="sng" dirty="0"/>
-              <a:t>(</a:t>
-            </a:r>
-            <a:r>
-              <a:rPr lang="en-US" sz="2400" b="1" u="sng" dirty="0" err="1"/>
-              <a:t>regexp</a:t>
-            </a:r>
-            <a:r>
-              <a:rPr lang="en-US" sz="2400" b="1" u="sng" dirty="0" smtClean="0"/>
-              <a:t>)</a:t>
-            </a:r>
-          </a:p>
-          <a:p>
-            <a:pPr marL="342900" indent="-342900">
-              <a:buFont typeface="Arial" pitchFamily="34" charset="0"/>
-              <a:buChar char="•"/>
-            </a:pPr>
-            <a:endParaRPr lang="en-US" sz="2400" b="1" dirty="0"/>
-          </a:p>
-          <a:p>
-            <a:pPr marL="342900" indent="-342900">
-              <a:buFont typeface="Arial" pitchFamily="34" charset="0"/>
-              <a:buChar char="•"/>
-            </a:pPr>
-            <a:r>
-              <a:rPr lang="en-US" sz="2400" b="1" u="sng" dirty="0" err="1"/>
-              <a:t>str.matchAll</a:t>
-            </a:r>
-            <a:r>
-              <a:rPr lang="en-US" sz="2400" b="1" u="sng" dirty="0"/>
-              <a:t>(</a:t>
-            </a:r>
-            <a:r>
-              <a:rPr lang="en-US" sz="2400" b="1" u="sng" dirty="0" err="1"/>
-              <a:t>regexp</a:t>
-            </a:r>
-            <a:r>
-              <a:rPr lang="en-US" sz="2400" b="1" u="sng" dirty="0" smtClean="0"/>
-              <a:t>)</a:t>
-            </a:r>
-          </a:p>
-          <a:p>
-            <a:pPr marL="342900" indent="-342900">
-              <a:buFont typeface="Arial" pitchFamily="34" charset="0"/>
-              <a:buChar char="•"/>
-            </a:pPr>
-            <a:endParaRPr lang="en-US" sz="2400" b="1" dirty="0"/>
-          </a:p>
-          <a:p>
-            <a:pPr marL="342900" indent="-342900">
-              <a:buFont typeface="Arial" pitchFamily="34" charset="0"/>
-              <a:buChar char="•"/>
-            </a:pPr>
-            <a:r>
-              <a:rPr lang="en-US" sz="2400" b="1" u="sng" dirty="0" err="1"/>
-              <a:t>str.split</a:t>
-            </a:r>
-            <a:r>
-              <a:rPr lang="en-US" sz="2400" b="1" u="sng" dirty="0"/>
-              <a:t>(</a:t>
-            </a:r>
-            <a:r>
-              <a:rPr lang="en-US" sz="2400" b="1" u="sng" dirty="0" err="1"/>
-              <a:t>regexp|substr</a:t>
-            </a:r>
-            <a:r>
-              <a:rPr lang="en-US" sz="2400" b="1" u="sng" dirty="0"/>
-              <a:t>, limit</a:t>
-            </a:r>
-            <a:r>
-              <a:rPr lang="en-US" sz="2400" b="1" u="sng" dirty="0" smtClean="0"/>
-              <a:t>)</a:t>
-            </a:r>
-          </a:p>
-          <a:p>
-            <a:pPr marL="342900" indent="-342900">
-              <a:buFont typeface="Arial" pitchFamily="34" charset="0"/>
-              <a:buChar char="•"/>
-            </a:pPr>
-            <a:endParaRPr lang="en-US" sz="2400" b="1" dirty="0"/>
-          </a:p>
-          <a:p>
-            <a:pPr marL="342900" indent="-342900">
-              <a:buFont typeface="Arial" pitchFamily="34" charset="0"/>
-              <a:buChar char="•"/>
-            </a:pPr>
-            <a:r>
-              <a:rPr lang="en-US" sz="2400" b="1" u="sng" dirty="0" err="1"/>
-              <a:t>str.search</a:t>
-            </a:r>
-            <a:r>
-              <a:rPr lang="en-US" sz="2400" b="1" u="sng" dirty="0"/>
-              <a:t>(</a:t>
-            </a:r>
-            <a:r>
-              <a:rPr lang="en-US" sz="2400" b="1" u="sng" dirty="0" err="1"/>
-              <a:t>regexp</a:t>
-            </a:r>
-            <a:r>
-              <a:rPr lang="en-US" sz="2400" b="1" u="sng" dirty="0" smtClean="0"/>
-              <a:t>)</a:t>
-            </a:r>
-          </a:p>
-          <a:p>
-            <a:pPr marL="342900" indent="-342900">
-              <a:buFont typeface="Arial" pitchFamily="34" charset="0"/>
-              <a:buChar char="•"/>
-            </a:pPr>
-            <a:endParaRPr lang="en-US" sz="2400" b="1" dirty="0"/>
-          </a:p>
-          <a:p>
-            <a:pPr marL="342900" indent="-342900">
-              <a:buFont typeface="Arial" pitchFamily="34" charset="0"/>
-              <a:buChar char="•"/>
-            </a:pPr>
-            <a:r>
-              <a:rPr lang="en-US" sz="2400" b="1" u="sng" dirty="0" err="1"/>
-              <a:t>str.replace</a:t>
-            </a:r>
-            <a:r>
-              <a:rPr lang="en-US" sz="2400" b="1" u="sng" dirty="0"/>
-              <a:t>(</a:t>
-            </a:r>
-            <a:r>
-              <a:rPr lang="en-US" sz="2400" b="1" u="sng" dirty="0" err="1"/>
-              <a:t>str|regexp</a:t>
-            </a:r>
-            <a:r>
-              <a:rPr lang="en-US" sz="2400" b="1" u="sng" dirty="0"/>
-              <a:t>, </a:t>
-            </a:r>
-            <a:r>
-              <a:rPr lang="en-US" sz="2400" b="1" u="sng" dirty="0" err="1"/>
-              <a:t>str|func</a:t>
-            </a:r>
-            <a:r>
-              <a:rPr lang="en-US" sz="2400" b="1" u="sng" dirty="0" smtClean="0"/>
-              <a:t>)</a:t>
-            </a:r>
-          </a:p>
-          <a:p>
-            <a:pPr marL="342900" indent="-342900">
-              <a:buFont typeface="Arial" pitchFamily="34" charset="0"/>
-              <a:buChar char="•"/>
-            </a:pPr>
-            <a:endParaRPr lang="en-US" sz="2400" b="1" dirty="0"/>
-          </a:p>
-          <a:p>
-            <a:pPr marL="342900" indent="-342900">
-              <a:buFont typeface="Arial" pitchFamily="34" charset="0"/>
-              <a:buChar char="•"/>
-            </a:pPr>
-            <a:r>
-              <a:rPr lang="en-US" sz="2400" b="1" u="sng" dirty="0" err="1"/>
-              <a:t>regexp.exec</a:t>
-            </a:r>
-            <a:r>
-              <a:rPr lang="en-US" sz="2400" b="1" u="sng" dirty="0"/>
-              <a:t>(</a:t>
-            </a:r>
-            <a:r>
-              <a:rPr lang="en-US" sz="2400" b="1" u="sng" dirty="0" err="1"/>
-              <a:t>str</a:t>
-            </a:r>
-            <a:r>
-              <a:rPr lang="en-US" sz="2400" b="1" u="sng" dirty="0" smtClean="0"/>
-              <a:t>)</a:t>
-            </a:r>
-          </a:p>
-          <a:p>
-            <a:pPr marL="342900" indent="-342900">
-              <a:buFont typeface="Arial" pitchFamily="34" charset="0"/>
-              <a:buChar char="•"/>
-            </a:pPr>
-            <a:endParaRPr lang="en-US" sz="2400" b="1" dirty="0"/>
-          </a:p>
-          <a:p>
-            <a:pPr marL="342900" indent="-342900">
-              <a:buFont typeface="Arial" pitchFamily="34" charset="0"/>
-              <a:buChar char="•"/>
-            </a:pPr>
-            <a:r>
-              <a:rPr lang="en-US" sz="2400" b="1" u="sng" dirty="0" err="1" smtClean="0"/>
-              <a:t>regexp.test</a:t>
-            </a:r>
-            <a:r>
-              <a:rPr lang="en-US" sz="2400" b="1" u="sng" dirty="0" smtClean="0"/>
-              <a:t>(</a:t>
-            </a:r>
-            <a:r>
-              <a:rPr lang="en-US" sz="2400" b="1" u="sng" dirty="0" err="1" smtClean="0"/>
-              <a:t>str</a:t>
-            </a:r>
-            <a:r>
-              <a:rPr lang="en-US" sz="2400" b="1" u="sng" dirty="0" smtClean="0"/>
-              <a:t>)</a:t>
-            </a:r>
-            <a:endParaRPr lang="en-US" sz="2400" b="1" dirty="0"/>
-          </a:p>
-          <a:p>
-            <a:endParaRPr lang="en-US" b="1" dirty="0"/>
-          </a:p>
-        </p:txBody>
-      </p:sp>
-    </p:spTree>
-    <p:extLst>
-      <p:ext uri="{BB962C8B-B14F-4D97-AF65-F5344CB8AC3E}">
-        <p14:creationId xmlns:p14="http://schemas.microsoft.com/office/powerpoint/2010/main" val="2288895850"/>
-      </p:ext>
-    </p:extLst>
-  </p:cSld>
-  <p:clrMapOvr>
-    <a:masterClrMapping/>
-  </p:clrMapOvr>
-</p:sld>
-</file>
-
-<file path=ppt/slides/slide37.xml><?xml version="1.0" encoding="utf-8"?>
-<p:sld xmlns:a="http://schemas.openxmlformats.org/drawingml/2006/main" xmlns:r="http://schemas.openxmlformats.org/officeDocument/2006/relationships" xmlns:p="http://schemas.openxmlformats.org/presentationml/2006/main">
-  <p:cSld>
-    <p:spTree>
-      <p:nvGrpSpPr>
-        <p:cNvPr id="1" name=""/>
-        <p:cNvGrpSpPr/>
-        <p:nvPr/>
-      </p:nvGrpSpPr>
-      <p:grpSpPr>
-        <a:xfrm>
-          <a:off x="0" y="0"/>
-          <a:ext cx="0" cy="0"/>
-          <a:chOff x="0" y="0"/>
-          <a:chExt cx="0" cy="0"/>
-        </a:xfrm>
-      </p:grpSpPr>
-      <p:sp>
-        <p:nvSpPr>
-          <p:cNvPr id="2" name="TextBox 1"/>
-          <p:cNvSpPr txBox="1"/>
-          <p:nvPr/>
-        </p:nvSpPr>
-        <p:spPr>
-          <a:xfrm>
             <a:off x="457200" y="198120"/>
             <a:ext cx="10637520" cy="5170646"/>
           </a:xfrm>
@@ -18345,7 +18074,7 @@
 </p:sld>
 </file>
 
-<file path=ppt/slides/slide38.xml><?xml version="1.0" encoding="utf-8"?>
+<file path=ppt/slides/slide37.xml><?xml version="1.0" encoding="utf-8"?>
 <p:sld xmlns:a="http://schemas.openxmlformats.org/drawingml/2006/main" xmlns:r="http://schemas.openxmlformats.org/officeDocument/2006/relationships" xmlns:p="http://schemas.openxmlformats.org/presentationml/2006/main">
   <p:cSld>
     <p:spTree>
@@ -18439,7 +18168,7 @@
 </p:sld>
 </file>
 
-<file path=ppt/slides/slide39.xml><?xml version="1.0" encoding="utf-8"?>
+<file path=ppt/slides/slide38.xml><?xml version="1.0" encoding="utf-8"?>
 <p:sld xmlns:a="http://schemas.openxmlformats.org/drawingml/2006/main" xmlns:r="http://schemas.openxmlformats.org/officeDocument/2006/relationships" xmlns:p="http://schemas.openxmlformats.org/presentationml/2006/main">
   <p:cSld>
     <p:spTree>
@@ -18645,285 +18374,7 @@
 </p:sld>
 </file>
 
-<file path=ppt/slides/slide4.xml><?xml version="1.0" encoding="utf-8"?>
-<p:sld xmlns:a="http://schemas.openxmlformats.org/drawingml/2006/main" xmlns:r="http://schemas.openxmlformats.org/officeDocument/2006/relationships" xmlns:p="http://schemas.openxmlformats.org/presentationml/2006/main">
-  <p:cSld>
-    <p:spTree>
-      <p:nvGrpSpPr>
-        <p:cNvPr id="1" name=""/>
-        <p:cNvGrpSpPr/>
-        <p:nvPr/>
-      </p:nvGrpSpPr>
-      <p:grpSpPr>
-        <a:xfrm>
-          <a:off x="0" y="0"/>
-          <a:ext cx="0" cy="0"/>
-          <a:chOff x="0" y="0"/>
-          <a:chExt cx="0" cy="0"/>
-        </a:xfrm>
-      </p:grpSpPr>
-      <p:sp>
-        <p:nvSpPr>
-          <p:cNvPr id="2" name="TextBox 1"/>
-          <p:cNvSpPr txBox="1"/>
-          <p:nvPr/>
-        </p:nvSpPr>
-        <p:spPr>
-          <a:xfrm>
-            <a:off x="0" y="30480"/>
-            <a:ext cx="12192000" cy="5262979"/>
-          </a:xfrm>
-          <a:prstGeom prst="rect">
-            <a:avLst/>
-          </a:prstGeom>
-          <a:noFill/>
-        </p:spPr>
-        <p:txBody>
-          <a:bodyPr wrap="square" rtlCol="0">
-            <a:spAutoFit/>
-          </a:bodyPr>
-          <a:lstStyle/>
-          <a:p>
-            <a:r>
-              <a:rPr lang="en-US" sz="2400" b="1" u="sng" dirty="0"/>
-              <a:t>Flags</a:t>
-            </a:r>
-            <a:endParaRPr lang="en-US" sz="2400" b="1" dirty="0"/>
-          </a:p>
-          <a:p>
-            <a:r>
-              <a:rPr lang="en-US" sz="2400" dirty="0"/>
-              <a:t>Regular expressions may have flags that affect the search.</a:t>
-            </a:r>
-          </a:p>
-          <a:p>
-            <a:r>
-              <a:rPr lang="en-US" sz="2400" dirty="0"/>
-              <a:t>There are only 6 of them in JavaScript</a:t>
-            </a:r>
-            <a:r>
-              <a:rPr lang="en-US" sz="2400" dirty="0" smtClean="0"/>
-              <a:t>:</a:t>
-            </a:r>
-            <a:endParaRPr lang="en-US" sz="2400" dirty="0"/>
-          </a:p>
-          <a:p>
-            <a:endParaRPr lang="en-US" sz="2400" dirty="0"/>
-          </a:p>
-          <a:p>
-            <a:pPr marL="342900" indent="-342900">
-              <a:buFont typeface="Arial" pitchFamily="34" charset="0"/>
-              <a:buChar char="•"/>
-            </a:pPr>
-            <a:r>
-              <a:rPr lang="uk-UA" sz="2400" b="1" dirty="0"/>
-              <a:t>і</a:t>
-            </a:r>
-            <a:r>
-              <a:rPr lang="uk-UA" sz="2400" b="1" dirty="0" smtClean="0"/>
-              <a:t> </a:t>
-            </a:r>
-            <a:r>
-              <a:rPr lang="uk-UA" sz="2400" dirty="0" smtClean="0"/>
-              <a:t>-</a:t>
-            </a:r>
-            <a:r>
-              <a:rPr lang="en-US" sz="2400" dirty="0" smtClean="0"/>
-              <a:t>With </a:t>
-            </a:r>
-            <a:r>
-              <a:rPr lang="en-US" sz="2400" dirty="0"/>
-              <a:t>this flag the search is case-insensitive: no difference between A and a </a:t>
-            </a:r>
-            <a:endParaRPr lang="uk-UA" sz="2400" dirty="0" smtClean="0"/>
-          </a:p>
-          <a:p>
-            <a:pPr marL="342900" indent="-342900">
-              <a:buFont typeface="Arial" pitchFamily="34" charset="0"/>
-              <a:buChar char="•"/>
-            </a:pPr>
-            <a:r>
-              <a:rPr lang="en-US" sz="2400" dirty="0" smtClean="0"/>
-              <a:t>g</a:t>
-            </a:r>
-            <a:r>
-              <a:rPr lang="uk-UA" sz="2400" dirty="0" smtClean="0"/>
-              <a:t> - </a:t>
-            </a:r>
-            <a:r>
-              <a:rPr lang="en-US" sz="2400" dirty="0" smtClean="0"/>
-              <a:t>With </a:t>
-            </a:r>
-            <a:r>
-              <a:rPr lang="en-US" sz="2400" dirty="0"/>
-              <a:t>this flag the search looks for all matches, without it – only the first match is returned</a:t>
-            </a:r>
-            <a:r>
-              <a:rPr lang="en-US" sz="2400" dirty="0" smtClean="0"/>
-              <a:t>.</a:t>
-            </a:r>
-            <a:endParaRPr lang="uk-UA" sz="2400" dirty="0" smtClean="0"/>
-          </a:p>
-          <a:p>
-            <a:pPr marL="342900" indent="-342900">
-              <a:buFont typeface="Arial" pitchFamily="34" charset="0"/>
-              <a:buChar char="•"/>
-            </a:pPr>
-            <a:r>
-              <a:rPr lang="en-US" sz="2400" dirty="0"/>
-              <a:t>m</a:t>
-            </a:r>
-            <a:r>
-              <a:rPr lang="uk-UA" sz="2400" dirty="0" smtClean="0"/>
-              <a:t> - </a:t>
-            </a:r>
-            <a:r>
-              <a:rPr lang="en-US" sz="2400" dirty="0" smtClean="0"/>
-              <a:t>Multiline </a:t>
-            </a:r>
-            <a:r>
-              <a:rPr lang="en-US" sz="2400" dirty="0"/>
-              <a:t>mode (covered in the chapter Multiline </a:t>
-            </a:r>
-            <a:r>
-              <a:rPr lang="en-US" sz="2400" dirty="0" smtClean="0"/>
-              <a:t>mode </a:t>
-            </a:r>
-            <a:r>
-              <a:rPr lang="en-US" sz="2400" dirty="0"/>
-              <a:t>of anchors ^ $, flag "m</a:t>
-            </a:r>
-            <a:r>
-              <a:rPr lang="en-US" sz="2400" dirty="0" smtClean="0"/>
-              <a:t>").</a:t>
-            </a:r>
-            <a:endParaRPr lang="uk-UA" sz="2400" dirty="0" smtClean="0">
-              <a:solidFill>
-                <a:schemeClr val="bg1"/>
-              </a:solidFill>
-            </a:endParaRPr>
-          </a:p>
-          <a:p>
-            <a:pPr marL="342900" indent="-342900">
-              <a:buFont typeface="Arial" pitchFamily="34" charset="0"/>
-              <a:buChar char="•"/>
-            </a:pPr>
-            <a:r>
-              <a:rPr lang="en-US" sz="2400" dirty="0"/>
-              <a:t>s</a:t>
-            </a:r>
-            <a:r>
-              <a:rPr lang="uk-UA" sz="2400" dirty="0" smtClean="0"/>
-              <a:t> - </a:t>
-            </a:r>
-            <a:r>
-              <a:rPr lang="en-US" sz="2400" dirty="0" smtClean="0"/>
-              <a:t>Enables </a:t>
-            </a:r>
-            <a:r>
-              <a:rPr lang="en-US" sz="2400" dirty="0"/>
-              <a:t>“</a:t>
-            </a:r>
-            <a:r>
-              <a:rPr lang="en-US" sz="2400" dirty="0" err="1"/>
-              <a:t>dotall</a:t>
-            </a:r>
-            <a:r>
-              <a:rPr lang="en-US" sz="2400" dirty="0"/>
-              <a:t>” mode, that allows a dot . to match newline character \n (covered in the chapter Character classes</a:t>
-            </a:r>
-            <a:r>
-              <a:rPr lang="en-US" sz="2400" dirty="0" smtClean="0"/>
-              <a:t>).</a:t>
-            </a:r>
-            <a:endParaRPr lang="uk-UA" sz="2400" dirty="0" smtClean="0"/>
-          </a:p>
-          <a:p>
-            <a:pPr marL="342900" indent="-342900">
-              <a:buFont typeface="Arial" pitchFamily="34" charset="0"/>
-              <a:buChar char="•"/>
-            </a:pPr>
-            <a:r>
-              <a:rPr lang="en-US" sz="2400" dirty="0"/>
-              <a:t>u</a:t>
-            </a:r>
-            <a:r>
-              <a:rPr lang="uk-UA" sz="2400" dirty="0" smtClean="0"/>
-              <a:t> - </a:t>
-            </a:r>
-            <a:r>
-              <a:rPr lang="en-US" sz="2400" dirty="0" smtClean="0"/>
-              <a:t>Enables </a:t>
-            </a:r>
-            <a:r>
-              <a:rPr lang="en-US" sz="2400" dirty="0"/>
-              <a:t>full </a:t>
-            </a:r>
-            <a:r>
-              <a:rPr lang="en-US" sz="2400" dirty="0" err="1"/>
-              <a:t>unicode</a:t>
-            </a:r>
-            <a:r>
-              <a:rPr lang="en-US" sz="2400" dirty="0"/>
-              <a:t> support. The flag enables correct processing of surrogate pairs. More about that in the chapter Unicode: flag "u" and class \p</a:t>
-            </a:r>
-            <a:r>
-              <a:rPr lang="en-US" sz="2400" dirty="0" smtClean="0"/>
-              <a:t>{...}.</a:t>
-            </a:r>
-            <a:endParaRPr lang="uk-UA" sz="2400" dirty="0" smtClean="0">
-              <a:solidFill>
-                <a:schemeClr val="bg1"/>
-              </a:solidFill>
-            </a:endParaRPr>
-          </a:p>
-          <a:p>
-            <a:pPr marL="342900" indent="-342900">
-              <a:buFont typeface="Arial" pitchFamily="34" charset="0"/>
-              <a:buChar char="•"/>
-            </a:pPr>
-            <a:r>
-              <a:rPr lang="en-US" sz="2400" dirty="0"/>
-              <a:t>y</a:t>
-            </a:r>
-            <a:r>
-              <a:rPr lang="uk-UA" sz="2400" dirty="0" smtClean="0"/>
-              <a:t> - </a:t>
-            </a:r>
-            <a:r>
-              <a:rPr lang="en-US" sz="2400" dirty="0" smtClean="0"/>
-              <a:t>“Sticky</a:t>
-            </a:r>
-            <a:r>
-              <a:rPr lang="en-US" sz="2400" dirty="0"/>
-              <a:t>” mode: searching at the exact position in the text (covered in the chapter Sticky flag "</a:t>
-            </a:r>
-            <a:r>
-              <a:rPr lang="en-US" sz="2400" dirty="0" smtClean="0"/>
-              <a:t>y", searching </a:t>
-            </a:r>
-            <a:r>
-              <a:rPr lang="en-US" sz="2400" dirty="0"/>
-              <a:t>at position)</a:t>
-            </a:r>
-            <a:endParaRPr lang="ru-RU" sz="2400" dirty="0"/>
-          </a:p>
-        </p:txBody>
-      </p:sp>
-    </p:spTree>
-    <p:extLst>
-      <p:ext uri="{BB962C8B-B14F-4D97-AF65-F5344CB8AC3E}">
-        <p14:creationId xmlns:p14="http://schemas.microsoft.com/office/powerpoint/2010/main" val="3438464450"/>
-      </p:ext>
-    </p:extLst>
-  </p:cSld>
-  <p:clrMapOvr>
-    <a:masterClrMapping/>
-  </p:clrMapOvr>
-</p:sld>
-</file>
-
-<file path=ppt/slides/slide40.xml><?xml version="1.0" encoding="utf-8"?>
+<file path=ppt/slides/slide39.xml><?xml version="1.0" encoding="utf-8"?>
 <p:sld xmlns:a="http://schemas.openxmlformats.org/drawingml/2006/main" xmlns:r="http://schemas.openxmlformats.org/officeDocument/2006/relationships" xmlns:p="http://schemas.openxmlformats.org/presentationml/2006/main">
   <p:cSld>
     <p:spTree>
@@ -19017,7 +18468,281 @@
 </p:sld>
 </file>
 
-<file path=ppt/slides/slide41.xml><?xml version="1.0" encoding="utf-8"?>
+<file path=ppt/slides/slide4.xml><?xml version="1.0" encoding="utf-8"?>
+<p:sld xmlns:a="http://schemas.openxmlformats.org/drawingml/2006/main" xmlns:r="http://schemas.openxmlformats.org/officeDocument/2006/relationships" xmlns:p="http://schemas.openxmlformats.org/presentationml/2006/main">
+  <p:cSld>
+    <p:spTree>
+      <p:nvGrpSpPr>
+        <p:cNvPr id="1" name=""/>
+        <p:cNvGrpSpPr/>
+        <p:nvPr/>
+      </p:nvGrpSpPr>
+      <p:grpSpPr>
+        <a:xfrm>
+          <a:off x="0" y="0"/>
+          <a:ext cx="0" cy="0"/>
+          <a:chOff x="0" y="0"/>
+          <a:chExt cx="0" cy="0"/>
+        </a:xfrm>
+      </p:grpSpPr>
+      <p:sp>
+        <p:nvSpPr>
+          <p:cNvPr id="2" name="TextBox 1"/>
+          <p:cNvSpPr txBox="1"/>
+          <p:nvPr/>
+        </p:nvSpPr>
+        <p:spPr>
+          <a:xfrm>
+            <a:off x="0" y="30480"/>
+            <a:ext cx="12192000" cy="5262979"/>
+          </a:xfrm>
+          <a:prstGeom prst="rect">
+            <a:avLst/>
+          </a:prstGeom>
+          <a:noFill/>
+        </p:spPr>
+        <p:txBody>
+          <a:bodyPr wrap="square" rtlCol="0">
+            <a:spAutoFit/>
+          </a:bodyPr>
+          <a:lstStyle/>
+          <a:p>
+            <a:r>
+              <a:rPr lang="en-US" sz="2400" b="1" u="sng" dirty="0"/>
+              <a:t>Flags</a:t>
+            </a:r>
+            <a:endParaRPr lang="en-US" sz="2400" b="1" dirty="0"/>
+          </a:p>
+          <a:p>
+            <a:r>
+              <a:rPr lang="en-US" sz="2400" dirty="0"/>
+              <a:t>Regular expressions may have flags that affect the search.</a:t>
+            </a:r>
+          </a:p>
+          <a:p>
+            <a:r>
+              <a:rPr lang="en-US" sz="2400" dirty="0"/>
+              <a:t>There are only 6 of them in JavaScript</a:t>
+            </a:r>
+            <a:r>
+              <a:rPr lang="en-US" sz="2400" dirty="0" smtClean="0"/>
+              <a:t>:</a:t>
+            </a:r>
+            <a:endParaRPr lang="en-US" sz="2400" dirty="0"/>
+          </a:p>
+          <a:p>
+            <a:endParaRPr lang="en-US" sz="2400" dirty="0"/>
+          </a:p>
+          <a:p>
+            <a:pPr marL="342900" indent="-342900">
+              <a:buFont typeface="Arial" pitchFamily="34" charset="0"/>
+              <a:buChar char="•"/>
+            </a:pPr>
+            <a:r>
+              <a:rPr lang="uk-UA" sz="2400" b="1" dirty="0"/>
+              <a:t>і</a:t>
+            </a:r>
+            <a:r>
+              <a:rPr lang="uk-UA" sz="2400" b="1" dirty="0" smtClean="0"/>
+              <a:t> </a:t>
+            </a:r>
+            <a:r>
+              <a:rPr lang="uk-UA" sz="2400" dirty="0" smtClean="0"/>
+              <a:t>-</a:t>
+            </a:r>
+            <a:r>
+              <a:rPr lang="en-US" sz="2400" dirty="0" smtClean="0"/>
+              <a:t>With </a:t>
+            </a:r>
+            <a:r>
+              <a:rPr lang="en-US" sz="2400" dirty="0"/>
+              <a:t>this flag the search is case-insensitive: no difference between A and a </a:t>
+            </a:r>
+            <a:endParaRPr lang="uk-UA" sz="2400" dirty="0" smtClean="0"/>
+          </a:p>
+          <a:p>
+            <a:pPr marL="342900" indent="-342900">
+              <a:buFont typeface="Arial" pitchFamily="34" charset="0"/>
+              <a:buChar char="•"/>
+            </a:pPr>
+            <a:r>
+              <a:rPr lang="en-US" sz="2400" dirty="0" smtClean="0"/>
+              <a:t>g</a:t>
+            </a:r>
+            <a:r>
+              <a:rPr lang="uk-UA" sz="2400" dirty="0" smtClean="0"/>
+              <a:t> - </a:t>
+            </a:r>
+            <a:r>
+              <a:rPr lang="en-US" sz="2400" dirty="0" smtClean="0"/>
+              <a:t>With </a:t>
+            </a:r>
+            <a:r>
+              <a:rPr lang="en-US" sz="2400" dirty="0"/>
+              <a:t>this flag the search looks for all matches, without it – only the first match is returned</a:t>
+            </a:r>
+            <a:r>
+              <a:rPr lang="en-US" sz="2400" dirty="0" smtClean="0"/>
+              <a:t>.</a:t>
+            </a:r>
+            <a:endParaRPr lang="uk-UA" sz="2400" dirty="0" smtClean="0"/>
+          </a:p>
+          <a:p>
+            <a:pPr marL="342900" indent="-342900">
+              <a:buFont typeface="Arial" pitchFamily="34" charset="0"/>
+              <a:buChar char="•"/>
+            </a:pPr>
+            <a:r>
+              <a:rPr lang="en-US" sz="2400" dirty="0"/>
+              <a:t>m</a:t>
+            </a:r>
+            <a:r>
+              <a:rPr lang="uk-UA" sz="2400" dirty="0" smtClean="0"/>
+              <a:t> - </a:t>
+            </a:r>
+            <a:r>
+              <a:rPr lang="en-US" sz="2400" dirty="0" smtClean="0"/>
+              <a:t>Multiline </a:t>
+            </a:r>
+            <a:r>
+              <a:rPr lang="en-US" sz="2400" dirty="0"/>
+              <a:t>mode (covered in the chapter Multiline </a:t>
+            </a:r>
+            <a:r>
+              <a:rPr lang="en-US" sz="2400" dirty="0" smtClean="0"/>
+              <a:t>mode </a:t>
+            </a:r>
+            <a:r>
+              <a:rPr lang="en-US" sz="2400" dirty="0"/>
+              <a:t>of anchors ^ $, flag "m</a:t>
+            </a:r>
+            <a:r>
+              <a:rPr lang="en-US" sz="2400" dirty="0" smtClean="0"/>
+              <a:t>").</a:t>
+            </a:r>
+            <a:endParaRPr lang="uk-UA" sz="2400" dirty="0" smtClean="0">
+              <a:solidFill>
+                <a:schemeClr val="bg1"/>
+              </a:solidFill>
+            </a:endParaRPr>
+          </a:p>
+          <a:p>
+            <a:pPr marL="342900" indent="-342900">
+              <a:buFont typeface="Arial" pitchFamily="34" charset="0"/>
+              <a:buChar char="•"/>
+            </a:pPr>
+            <a:r>
+              <a:rPr lang="en-US" sz="2400" dirty="0"/>
+              <a:t>s</a:t>
+            </a:r>
+            <a:r>
+              <a:rPr lang="uk-UA" sz="2400" dirty="0" smtClean="0"/>
+              <a:t> - </a:t>
+            </a:r>
+            <a:r>
+              <a:rPr lang="en-US" sz="2400" dirty="0" smtClean="0"/>
+              <a:t>Enables </a:t>
+            </a:r>
+            <a:r>
+              <a:rPr lang="en-US" sz="2400" dirty="0"/>
+              <a:t>“</a:t>
+            </a:r>
+            <a:r>
+              <a:rPr lang="en-US" sz="2400" dirty="0" err="1"/>
+              <a:t>dotall</a:t>
+            </a:r>
+            <a:r>
+              <a:rPr lang="en-US" sz="2400" dirty="0"/>
+              <a:t>” mode, that allows a dot . to match newline character \n (covered in the chapter Character classes</a:t>
+            </a:r>
+            <a:r>
+              <a:rPr lang="en-US" sz="2400" dirty="0" smtClean="0"/>
+              <a:t>).</a:t>
+            </a:r>
+            <a:endParaRPr lang="uk-UA" sz="2400" dirty="0" smtClean="0"/>
+          </a:p>
+          <a:p>
+            <a:pPr marL="342900" indent="-342900">
+              <a:buFont typeface="Arial" pitchFamily="34" charset="0"/>
+              <a:buChar char="•"/>
+            </a:pPr>
+            <a:r>
+              <a:rPr lang="en-US" sz="2400" dirty="0"/>
+              <a:t>u</a:t>
+            </a:r>
+            <a:r>
+              <a:rPr lang="uk-UA" sz="2400" dirty="0" smtClean="0"/>
+              <a:t> - </a:t>
+            </a:r>
+            <a:r>
+              <a:rPr lang="en-US" sz="2400" dirty="0" smtClean="0"/>
+              <a:t>Enables </a:t>
+            </a:r>
+            <a:r>
+              <a:rPr lang="en-US" sz="2400" dirty="0"/>
+              <a:t>full </a:t>
+            </a:r>
+            <a:r>
+              <a:rPr lang="en-US" sz="2400" dirty="0" err="1"/>
+              <a:t>unicode</a:t>
+            </a:r>
+            <a:r>
+              <a:rPr lang="en-US" sz="2400" dirty="0"/>
+              <a:t> support. The flag enables correct processing of surrogate pairs. </a:t>
+            </a:r>
+            <a:endParaRPr lang="en-US" sz="2400" dirty="0" smtClean="0"/>
+          </a:p>
+          <a:p>
+            <a:pPr marL="342900" indent="-342900">
+              <a:buFont typeface="Arial" pitchFamily="34" charset="0"/>
+              <a:buChar char="•"/>
+            </a:pPr>
+            <a:r>
+              <a:rPr lang="en-US" sz="2400" dirty="0" smtClean="0"/>
+              <a:t>y</a:t>
+            </a:r>
+            <a:r>
+              <a:rPr lang="uk-UA" sz="2400" dirty="0" smtClean="0"/>
+              <a:t> </a:t>
+            </a:r>
+            <a:r>
+              <a:rPr lang="uk-UA" sz="2400" dirty="0" smtClean="0"/>
+              <a:t>- </a:t>
+            </a:r>
+            <a:r>
+              <a:rPr lang="en-US" sz="2400" dirty="0" smtClean="0"/>
+              <a:t>“Sticky</a:t>
+            </a:r>
+            <a:r>
+              <a:rPr lang="en-US" sz="2400" dirty="0"/>
+              <a:t>” mode: searching at the exact position in the text (covered in the chapter Sticky flag "</a:t>
+            </a:r>
+            <a:r>
+              <a:rPr lang="en-US" sz="2400" dirty="0" smtClean="0"/>
+              <a:t>y", searching </a:t>
+            </a:r>
+            <a:r>
+              <a:rPr lang="en-US" sz="2400" dirty="0"/>
+              <a:t>at position)</a:t>
+            </a:r>
+            <a:endParaRPr lang="ru-RU" sz="2400" dirty="0"/>
+          </a:p>
+        </p:txBody>
+      </p:sp>
+    </p:spTree>
+    <p:extLst>
+      <p:ext uri="{BB962C8B-B14F-4D97-AF65-F5344CB8AC3E}">
+        <p14:creationId xmlns:p14="http://schemas.microsoft.com/office/powerpoint/2010/main" val="3438464450"/>
+      </p:ext>
+    </p:extLst>
+  </p:cSld>
+  <p:clrMapOvr>
+    <a:masterClrMapping/>
+  </p:clrMapOvr>
+</p:sld>
+</file>
+
+<file path=ppt/slides/slide40.xml><?xml version="1.0" encoding="utf-8"?>
 <p:sld xmlns:a="http://schemas.openxmlformats.org/drawingml/2006/main" xmlns:r="http://schemas.openxmlformats.org/officeDocument/2006/relationships" xmlns:p="http://schemas.openxmlformats.org/presentationml/2006/main">
   <p:cSld>
     <p:spTree>
@@ -19244,7 +18969,7 @@
 </p:sld>
 </file>
 
-<file path=ppt/slides/slide42.xml><?xml version="1.0" encoding="utf-8"?>
+<file path=ppt/slides/slide41.xml><?xml version="1.0" encoding="utf-8"?>
 <p:sld xmlns:a="http://schemas.openxmlformats.org/drawingml/2006/main" xmlns:r="http://schemas.openxmlformats.org/officeDocument/2006/relationships" xmlns:p="http://schemas.openxmlformats.org/presentationml/2006/main">
   <p:cSld>
     <p:spTree>
@@ -19538,7 +19263,7 @@
 </p:sld>
 </file>
 
-<file path=ppt/slides/slide43.xml><?xml version="1.0" encoding="utf-8"?>
+<file path=ppt/slides/slide42.xml><?xml version="1.0" encoding="utf-8"?>
 <p:sld xmlns:a="http://schemas.openxmlformats.org/drawingml/2006/main" xmlns:r="http://schemas.openxmlformats.org/officeDocument/2006/relationships" xmlns:p="http://schemas.openxmlformats.org/presentationml/2006/main">
   <p:cSld>
     <p:spTree>
@@ -19766,7 +19491,7 @@
 </p:sld>
 </file>
 
-<file path=ppt/slides/slide44.xml><?xml version="1.0" encoding="utf-8"?>
+<file path=ppt/slides/slide43.xml><?xml version="1.0" encoding="utf-8"?>
 <p:sld xmlns:a="http://schemas.openxmlformats.org/drawingml/2006/main" xmlns:r="http://schemas.openxmlformats.org/officeDocument/2006/relationships" xmlns:p="http://schemas.openxmlformats.org/presentationml/2006/main">
   <p:cSld>
     <p:spTree>
@@ -19905,101 +19630,7 @@
 </p:sld>
 </file>
 
-<file path=ppt/slides/slide45.xml><?xml version="1.0" encoding="utf-8"?>
-<p:sld xmlns:a="http://schemas.openxmlformats.org/drawingml/2006/main" xmlns:r="http://schemas.openxmlformats.org/officeDocument/2006/relationships" xmlns:p="http://schemas.openxmlformats.org/presentationml/2006/main">
-  <p:cSld>
-    <p:spTree>
-      <p:nvGrpSpPr>
-        <p:cNvPr id="1" name=""/>
-        <p:cNvGrpSpPr/>
-        <p:nvPr/>
-      </p:nvGrpSpPr>
-      <p:grpSpPr>
-        <a:xfrm>
-          <a:off x="0" y="0"/>
-          <a:ext cx="0" cy="0"/>
-          <a:chOff x="0" y="0"/>
-          <a:chExt cx="0" cy="0"/>
-        </a:xfrm>
-      </p:grpSpPr>
-      <p:pic>
-        <p:nvPicPr>
-          <p:cNvPr id="2" name="Picture 3"/>
-          <p:cNvPicPr>
-            <a:picLocks noChangeAspect="1" noChangeArrowheads="1"/>
-          </p:cNvPicPr>
-          <p:nvPr/>
-        </p:nvPicPr>
-        <p:blipFill>
-          <a:blip r:embed="rId2">
-            <a:extLst>
-              <a:ext uri="{28A0092B-C50C-407E-A947-70E740481C1C}">
-                <a14:useLocalDpi xmlns:a14="http://schemas.microsoft.com/office/drawing/2010/main" val="0"/>
-              </a:ext>
-            </a:extLst>
-          </a:blip>
-          <a:srcRect/>
-          <a:stretch>
-            <a:fillRect/>
-          </a:stretch>
-        </p:blipFill>
-        <p:spPr bwMode="auto">
-          <a:xfrm>
-            <a:off x="464819" y="681990"/>
-            <a:ext cx="10871431" cy="2183130"/>
-          </a:xfrm>
-          <a:prstGeom prst="rect">
-            <a:avLst/>
-          </a:prstGeom>
-          <a:noFill/>
-          <a:ln>
-            <a:noFill/>
-          </a:ln>
-          <a:effectLst/>
-          <a:extLst>
-            <a:ext uri="{909E8E84-426E-40DD-AFC4-6F175D3DCCD1}">
-              <a14:hiddenFill xmlns:a14="http://schemas.microsoft.com/office/drawing/2010/main">
-                <a:solidFill>
-                  <a:schemeClr val="accent1"/>
-                </a:solidFill>
-              </a14:hiddenFill>
-            </a:ext>
-            <a:ext uri="{91240B29-F687-4F45-9708-019B960494DF}">
-              <a14:hiddenLine xmlns:a14="http://schemas.microsoft.com/office/drawing/2010/main" w="9525">
-                <a:solidFill>
-                  <a:schemeClr val="tx1"/>
-                </a:solidFill>
-                <a:miter lim="800000"/>
-                <a:headEnd/>
-                <a:tailEnd/>
-              </a14:hiddenLine>
-            </a:ext>
-            <a:ext uri="{AF507438-7753-43E0-B8FC-AC1667EBCBE1}">
-              <a14:hiddenEffects xmlns:a14="http://schemas.microsoft.com/office/drawing/2010/main">
-                <a:effectLst>
-                  <a:outerShdw dist="35921" dir="2700000" algn="ctr" rotWithShape="0">
-                    <a:schemeClr val="bg2"/>
-                  </a:outerShdw>
-                </a:effectLst>
-              </a14:hiddenEffects>
-            </a:ext>
-          </a:extLst>
-        </p:spPr>
-      </p:pic>
-    </p:spTree>
-    <p:extLst>
-      <p:ext uri="{BB962C8B-B14F-4D97-AF65-F5344CB8AC3E}">
-        <p14:creationId xmlns:p14="http://schemas.microsoft.com/office/powerpoint/2010/main" val="1949303003"/>
-      </p:ext>
-    </p:extLst>
-  </p:cSld>
-  <p:clrMapOvr>
-    <a:masterClrMapping/>
-  </p:clrMapOvr>
-</p:sld>
-</file>
-
-<file path=ppt/slides/slide46.xml><?xml version="1.0" encoding="utf-8"?>
+<file path=ppt/slides/slide44.xml><?xml version="1.0" encoding="utf-8"?>
 <p:sld xmlns:a="http://schemas.openxmlformats.org/drawingml/2006/main" xmlns:r="http://schemas.openxmlformats.org/officeDocument/2006/relationships" xmlns:p="http://schemas.openxmlformats.org/presentationml/2006/main">
   <p:cSld>
     <p:spTree>
@@ -20148,7 +19779,7 @@
 </p:sld>
 </file>
 
-<file path=ppt/slides/slide47.xml><?xml version="1.0" encoding="utf-8"?>
+<file path=ppt/slides/slide45.xml><?xml version="1.0" encoding="utf-8"?>
 <p:sld xmlns:a="http://schemas.openxmlformats.org/drawingml/2006/main" xmlns:r="http://schemas.openxmlformats.org/officeDocument/2006/relationships" xmlns:p="http://schemas.openxmlformats.org/presentationml/2006/main">
   <p:cSld>
     <p:spTree>
@@ -20366,7 +19997,7 @@
 </p:sld>
 </file>
 
-<file path=ppt/slides/slide48.xml><?xml version="1.0" encoding="utf-8"?>
+<file path=ppt/slides/slide46.xml><?xml version="1.0" encoding="utf-8"?>
 <p:sld xmlns:a="http://schemas.openxmlformats.org/drawingml/2006/main" xmlns:r="http://schemas.openxmlformats.org/officeDocument/2006/relationships" xmlns:p="http://schemas.openxmlformats.org/presentationml/2006/main">
   <p:cSld>
     <p:spTree>
@@ -20452,7 +20083,19 @@
             </a:r>
             <a:r>
               <a:rPr lang="en-US" sz="2400" dirty="0"/>
-              <a:t> in the string str. Unlike previous methods, it’s called on a </a:t>
+              <a:t> in the string str. </a:t>
+            </a:r>
+            <a:r>
+              <a:rPr lang="en-US" sz="2400" dirty="0"/>
+              <a:t>I</a:t>
+            </a:r>
+            <a:r>
+              <a:rPr lang="en-US" sz="2400" dirty="0" smtClean="0"/>
+              <a:t>t’s </a:t>
+            </a:r>
+            <a:r>
+              <a:rPr lang="en-US" sz="2400" dirty="0"/>
+              <a:t>called on a </a:t>
             </a:r>
             <a:r>
               <a:rPr lang="en-US" sz="2400" dirty="0" err="1"/>
@@ -20639,7 +20282,7 @@
 </p:sld>
 </file>
 
-<file path=ppt/slides/slide49.xml><?xml version="1.0" encoding="utf-8"?>
+<file path=ppt/slides/slide47.xml><?xml version="1.0" encoding="utf-8"?>
 <p:sld xmlns:a="http://schemas.openxmlformats.org/drawingml/2006/main" xmlns:r="http://schemas.openxmlformats.org/officeDocument/2006/relationships" xmlns:p="http://schemas.openxmlformats.org/presentationml/2006/main">
   <p:cSld>
     <p:spTree>
@@ -20677,7 +20320,7 @@
         </p:blipFill>
         <p:spPr bwMode="auto">
           <a:xfrm>
-            <a:off x="677228" y="0"/>
+            <a:off x="677228" y="1463040"/>
             <a:ext cx="10235278" cy="3855720"/>
           </a:xfrm>
           <a:prstGeom prst="rect">
@@ -20718,16 +20361,251 @@
           </a:extLst>
         </p:spPr>
       </p:pic>
+    </p:spTree>
+    <p:extLst>
+      <p:ext uri="{BB962C8B-B14F-4D97-AF65-F5344CB8AC3E}">
+        <p14:creationId xmlns:p14="http://schemas.microsoft.com/office/powerpoint/2010/main" val="1370834008"/>
+      </p:ext>
+    </p:extLst>
+  </p:cSld>
+  <p:clrMapOvr>
+    <a:masterClrMapping/>
+  </p:clrMapOvr>
+</p:sld>
+</file>
+
+<file path=ppt/slides/slide48.xml><?xml version="1.0" encoding="utf-8"?>
+<p:sld xmlns:a="http://schemas.openxmlformats.org/drawingml/2006/main" xmlns:r="http://schemas.openxmlformats.org/officeDocument/2006/relationships" xmlns:p="http://schemas.openxmlformats.org/presentationml/2006/main">
+  <p:cSld>
+    <p:spTree>
+      <p:nvGrpSpPr>
+        <p:cNvPr id="1" name=""/>
+        <p:cNvGrpSpPr/>
+        <p:nvPr/>
+      </p:nvGrpSpPr>
+      <p:grpSpPr>
+        <a:xfrm>
+          <a:off x="0" y="0"/>
+          <a:ext cx="0" cy="0"/>
+          <a:chOff x="0" y="0"/>
+          <a:chExt cx="0" cy="0"/>
+        </a:xfrm>
+      </p:grpSpPr>
       <p:pic>
         <p:nvPicPr>
-          <p:cNvPr id="1027" name="Picture 3"/>
+          <p:cNvPr id="5" name="pasted-image.png"/>
+          <p:cNvPicPr>
+            <a:picLocks noChangeAspect="1"/>
+          </p:cNvPicPr>
+          <p:nvPr/>
+        </p:nvPicPr>
+        <p:blipFill>
+          <a:blip r:embed="rId2"/>
+          <a:stretch>
+            <a:fillRect/>
+          </a:stretch>
+        </p:blipFill>
+        <p:spPr>
+          <a:xfrm>
+            <a:off x="0" y="0"/>
+            <a:ext cx="12192000" cy="6858000"/>
+          </a:xfrm>
+          <a:prstGeom prst="rect">
+            <a:avLst/>
+          </a:prstGeom>
+          <a:ln w="12700">
+            <a:miter lim="400000"/>
+          </a:ln>
+        </p:spPr>
+      </p:pic>
+    </p:spTree>
+    <p:extLst>
+      <p:ext uri="{BB962C8B-B14F-4D97-AF65-F5344CB8AC3E}">
+        <p14:creationId xmlns:p14="http://schemas.microsoft.com/office/powerpoint/2010/main" val="1735758878"/>
+      </p:ext>
+    </p:extLst>
+  </p:cSld>
+  <p:clrMapOvr>
+    <a:masterClrMapping/>
+  </p:clrMapOvr>
+</p:sld>
+</file>
+
+<file path=ppt/slides/slide5.xml><?xml version="1.0" encoding="utf-8"?>
+<p:sld xmlns:a="http://schemas.openxmlformats.org/drawingml/2006/main" xmlns:r="http://schemas.openxmlformats.org/officeDocument/2006/relationships" xmlns:p="http://schemas.openxmlformats.org/presentationml/2006/main">
+  <p:cSld>
+    <p:spTree>
+      <p:nvGrpSpPr>
+        <p:cNvPr id="1" name=""/>
+        <p:cNvGrpSpPr/>
+        <p:nvPr/>
+      </p:nvGrpSpPr>
+      <p:grpSpPr>
+        <a:xfrm>
+          <a:off x="0" y="0"/>
+          <a:ext cx="0" cy="0"/>
+          <a:chOff x="0" y="0"/>
+          <a:chExt cx="0" cy="0"/>
+        </a:xfrm>
+      </p:grpSpPr>
+      <p:sp>
+        <p:nvSpPr>
+          <p:cNvPr id="2" name="TextBox 1"/>
+          <p:cNvSpPr txBox="1"/>
+          <p:nvPr/>
+        </p:nvSpPr>
+        <p:spPr>
+          <a:xfrm>
+            <a:off x="274320" y="579120"/>
+            <a:ext cx="11323320" cy="3970318"/>
+          </a:xfrm>
+          <a:prstGeom prst="rect">
+            <a:avLst/>
+          </a:prstGeom>
+          <a:noFill/>
+        </p:spPr>
+        <p:txBody>
+          <a:bodyPr wrap="square" rtlCol="0">
+            <a:spAutoFit/>
+          </a:bodyPr>
+          <a:lstStyle/>
+          <a:p>
+            <a:r>
+              <a:rPr lang="en-US" sz="2400" b="1" dirty="0"/>
+              <a:t>Searching: </a:t>
+            </a:r>
+            <a:r>
+              <a:rPr lang="en-US" sz="2400" b="1" dirty="0" err="1"/>
+              <a:t>str.match</a:t>
+            </a:r>
+            <a:endParaRPr lang="en-US" sz="2400" b="1" dirty="0"/>
+          </a:p>
+          <a:p>
+            <a:r>
+              <a:rPr lang="en-US" sz="2400" dirty="0"/>
+              <a:t>As mentioned previously, regular expressions are integrated with string methods.</a:t>
+            </a:r>
+          </a:p>
+          <a:p>
+            <a:r>
+              <a:rPr lang="en-US" sz="2400" dirty="0"/>
+              <a:t>The method </a:t>
+            </a:r>
+            <a:r>
+              <a:rPr lang="en-US" sz="2400" dirty="0" err="1"/>
+              <a:t>str.match</a:t>
+            </a:r>
+            <a:r>
+              <a:rPr lang="en-US" sz="2400" dirty="0"/>
+              <a:t>(</a:t>
+            </a:r>
+            <a:r>
+              <a:rPr lang="en-US" sz="2400" dirty="0" err="1"/>
+              <a:t>regexp</a:t>
+            </a:r>
+            <a:r>
+              <a:rPr lang="en-US" sz="2400" dirty="0"/>
+              <a:t>) finds all matches of </a:t>
+            </a:r>
+            <a:r>
+              <a:rPr lang="en-US" sz="2400" dirty="0" err="1"/>
+              <a:t>regexp</a:t>
+            </a:r>
+            <a:r>
+              <a:rPr lang="en-US" sz="2400" dirty="0"/>
+              <a:t> in the string str</a:t>
+            </a:r>
+            <a:r>
+              <a:rPr lang="en-US" sz="2400" dirty="0" smtClean="0"/>
+              <a:t>.</a:t>
+            </a:r>
+          </a:p>
+          <a:p>
+            <a:endParaRPr lang="en-US" sz="2400" dirty="0"/>
+          </a:p>
+          <a:p>
+            <a:r>
+              <a:rPr lang="en-US" sz="2400" dirty="0"/>
+              <a:t>It has 3 working modes:</a:t>
+            </a:r>
+          </a:p>
+          <a:p>
+            <a:pPr marL="342900" indent="-342900">
+              <a:buAutoNum type="arabicParenR"/>
+            </a:pPr>
+            <a:r>
+              <a:rPr lang="en-US" sz="2400" dirty="0" smtClean="0"/>
+              <a:t>If </a:t>
+            </a:r>
+            <a:r>
+              <a:rPr lang="en-US" sz="2400" dirty="0"/>
+              <a:t>the regular expression has flag g, it returns an array of all matches</a:t>
+            </a:r>
+            <a:r>
+              <a:rPr lang="en-US" sz="2400" dirty="0" smtClean="0"/>
+              <a:t>:</a:t>
+            </a:r>
+            <a:endParaRPr lang="en-US" sz="2400" dirty="0"/>
+          </a:p>
+          <a:p>
+            <a:r>
+              <a:rPr lang="en-US" sz="2400" dirty="0" smtClean="0"/>
+              <a:t>2)</a:t>
+            </a:r>
+            <a:r>
+              <a:rPr lang="en-US" sz="2400" dirty="0"/>
+              <a:t> If there’s no such flag it returns only the first match in the form of an </a:t>
+            </a:r>
+            <a:r>
+              <a:rPr lang="en-US" sz="2400" dirty="0" smtClean="0"/>
+              <a:t>array, </a:t>
+            </a:r>
+            <a:r>
+              <a:rPr lang="en-US" sz="2400" dirty="0"/>
+              <a:t>with the full match at index 0 and some additional details in properties</a:t>
+            </a:r>
+            <a:r>
+              <a:rPr lang="en-US" sz="2400" dirty="0" smtClean="0"/>
+              <a:t>:</a:t>
+            </a:r>
+          </a:p>
+          <a:p>
+            <a:r>
+              <a:rPr lang="en-US" sz="2400" dirty="0" smtClean="0"/>
+              <a:t>3) </a:t>
+            </a:r>
+            <a:r>
+              <a:rPr lang="en-US" sz="2400" dirty="0"/>
+              <a:t>if there are no matches, null is returned (doesn’t matter if there’s flag g or not).</a:t>
+            </a:r>
+            <a:r>
+              <a:rPr lang="en-US" dirty="0"/>
+              <a:t/>
+            </a:r>
+            <a:br>
+              <a:rPr lang="en-US" dirty="0"/>
+            </a:br>
+            <a:r>
+              <a:rPr lang="en-US" dirty="0"/>
+              <a:t/>
+            </a:r>
+            <a:br>
+              <a:rPr lang="en-US" dirty="0"/>
+            </a:br>
+            <a:endParaRPr lang="ru-RU" dirty="0"/>
+          </a:p>
+        </p:txBody>
+      </p:sp>
+      <p:pic>
+        <p:nvPicPr>
+          <p:cNvPr id="2050" name="Picture 2"/>
           <p:cNvPicPr>
             <a:picLocks noChangeAspect="1" noChangeArrowheads="1"/>
           </p:cNvPicPr>
           <p:nvPr/>
         </p:nvPicPr>
         <p:blipFill>
-          <a:blip r:embed="rId3">
+          <a:blip r:embed="rId2">
             <a:extLst>
               <a:ext uri="{28A0092B-C50C-407E-A947-70E740481C1C}">
                 <a14:useLocalDpi xmlns:a14="http://schemas.microsoft.com/office/drawing/2010/main" val="0"/>
@@ -20741,8 +20619,8 @@
         </p:blipFill>
         <p:spPr bwMode="auto">
           <a:xfrm>
-            <a:off x="677228" y="3996689"/>
-            <a:ext cx="10387012" cy="2247253"/>
+            <a:off x="0" y="4143404"/>
+            <a:ext cx="7867650" cy="1000125"/>
           </a:xfrm>
           <a:prstGeom prst="rect">
             <a:avLst/>
@@ -20782,194 +20660,16 @@
           </a:extLst>
         </p:spPr>
       </p:pic>
-    </p:spTree>
-    <p:extLst>
-      <p:ext uri="{BB962C8B-B14F-4D97-AF65-F5344CB8AC3E}">
-        <p14:creationId xmlns:p14="http://schemas.microsoft.com/office/powerpoint/2010/main" val="1370834008"/>
-      </p:ext>
-    </p:extLst>
-  </p:cSld>
-  <p:clrMapOvr>
-    <a:masterClrMapping/>
-  </p:clrMapOvr>
-</p:sld>
-</file>
-
-<file path=ppt/slides/slide5.xml><?xml version="1.0" encoding="utf-8"?>
-<p:sld xmlns:a="http://schemas.openxmlformats.org/drawingml/2006/main" xmlns:r="http://schemas.openxmlformats.org/officeDocument/2006/relationships" xmlns:p="http://schemas.openxmlformats.org/presentationml/2006/main">
-  <p:cSld>
-    <p:spTree>
-      <p:nvGrpSpPr>
-        <p:cNvPr id="1" name=""/>
-        <p:cNvGrpSpPr/>
-        <p:nvPr/>
-      </p:nvGrpSpPr>
-      <p:grpSpPr>
-        <a:xfrm>
-          <a:off x="0" y="0"/>
-          <a:ext cx="0" cy="0"/>
-          <a:chOff x="0" y="0"/>
-          <a:chExt cx="0" cy="0"/>
-        </a:xfrm>
-      </p:grpSpPr>
-      <p:sp>
-        <p:nvSpPr>
-          <p:cNvPr id="2" name="TextBox 1"/>
-          <p:cNvSpPr txBox="1"/>
-          <p:nvPr/>
-        </p:nvSpPr>
-        <p:spPr>
-          <a:xfrm>
-            <a:off x="274320" y="579120"/>
-            <a:ext cx="11323320" cy="3970318"/>
-          </a:xfrm>
-          <a:prstGeom prst="rect">
-            <a:avLst/>
-          </a:prstGeom>
-          <a:noFill/>
-        </p:spPr>
-        <p:txBody>
-          <a:bodyPr wrap="square" rtlCol="0">
-            <a:spAutoFit/>
-          </a:bodyPr>
-          <a:lstStyle/>
-          <a:p>
-            <a:r>
-              <a:rPr lang="en-US" sz="2400" b="1" dirty="0"/>
-              <a:t>Searching: </a:t>
-            </a:r>
-            <a:r>
-              <a:rPr lang="en-US" sz="2400" b="1" dirty="0" err="1"/>
-              <a:t>str.match</a:t>
-            </a:r>
-            <a:endParaRPr lang="en-US" sz="2400" b="1" dirty="0"/>
-          </a:p>
-          <a:p>
-            <a:r>
-              <a:rPr lang="en-US" sz="2400" dirty="0"/>
-              <a:t>As mentioned previously, regular expressions are integrated with string methods.</a:t>
-            </a:r>
-          </a:p>
-          <a:p>
-            <a:r>
-              <a:rPr lang="en-US" sz="2400" dirty="0"/>
-              <a:t>The method </a:t>
-            </a:r>
-            <a:r>
-              <a:rPr lang="en-US" sz="2400" dirty="0" err="1"/>
-              <a:t>str.match</a:t>
-            </a:r>
-            <a:r>
-              <a:rPr lang="en-US" sz="2400" dirty="0"/>
-              <a:t>(</a:t>
-            </a:r>
-            <a:r>
-              <a:rPr lang="en-US" sz="2400" dirty="0" err="1"/>
-              <a:t>regexp</a:t>
-            </a:r>
-            <a:r>
-              <a:rPr lang="en-US" sz="2400" dirty="0"/>
-              <a:t>) finds all matches of </a:t>
-            </a:r>
-            <a:r>
-              <a:rPr lang="en-US" sz="2400" dirty="0" err="1"/>
-              <a:t>regexp</a:t>
-            </a:r>
-            <a:r>
-              <a:rPr lang="en-US" sz="2400" dirty="0"/>
-              <a:t> in the string str</a:t>
-            </a:r>
-            <a:r>
-              <a:rPr lang="en-US" sz="2400" dirty="0" smtClean="0"/>
-              <a:t>.</a:t>
-            </a:r>
-          </a:p>
-          <a:p>
-            <a:endParaRPr lang="en-US" sz="2400" dirty="0"/>
-          </a:p>
-          <a:p>
-            <a:r>
-              <a:rPr lang="en-US" sz="2400" dirty="0"/>
-              <a:t>It has 3 working modes:</a:t>
-            </a:r>
-          </a:p>
-          <a:p>
-            <a:pPr marL="342900" indent="-342900">
-              <a:buAutoNum type="arabicParenR"/>
-            </a:pPr>
-            <a:r>
-              <a:rPr lang="en-US" sz="2400" dirty="0" smtClean="0"/>
-              <a:t>If </a:t>
-            </a:r>
-            <a:r>
-              <a:rPr lang="en-US" sz="2400" dirty="0"/>
-              <a:t>the regular expression has flag g, it returns an array of all matches</a:t>
-            </a:r>
-            <a:r>
-              <a:rPr lang="en-US" sz="2400" dirty="0" smtClean="0"/>
-              <a:t>:</a:t>
-            </a:r>
-            <a:endParaRPr lang="en-US" sz="2400" dirty="0"/>
-          </a:p>
-          <a:p>
-            <a:r>
-              <a:rPr lang="en-US" sz="2400" dirty="0" smtClean="0"/>
-              <a:t>2)</a:t>
-            </a:r>
-            <a:r>
-              <a:rPr lang="en-US" sz="2400" dirty="0"/>
-              <a:t> If there’s no such flag it returns only the first match in the form of an </a:t>
-            </a:r>
-            <a:r>
-              <a:rPr lang="en-US" sz="2400" dirty="0" smtClean="0"/>
-              <a:t>array, </a:t>
-            </a:r>
-            <a:r>
-              <a:rPr lang="en-US" sz="2400" dirty="0"/>
-              <a:t>with the full match at index 0 and some additional details in properties</a:t>
-            </a:r>
-            <a:r>
-              <a:rPr lang="en-US" sz="2400" dirty="0" smtClean="0"/>
-              <a:t>:</a:t>
-            </a:r>
-          </a:p>
-          <a:p>
-            <a:r>
-              <a:rPr lang="en-US" sz="2400" dirty="0" smtClean="0"/>
-              <a:t>3) </a:t>
-            </a:r>
-            <a:r>
-              <a:rPr lang="en-US" sz="2400" dirty="0"/>
-              <a:t>if there are no matches, null is returned (doesn’t matter if there’s flag g or not).</a:t>
-            </a:r>
-            <a:r>
-              <a:rPr lang="en-US" dirty="0"/>
-              <a:t/>
-            </a:r>
-            <a:br>
-              <a:rPr lang="en-US" dirty="0"/>
-            </a:br>
-            <a:r>
-              <a:rPr lang="en-US" dirty="0"/>
-              <a:t/>
-            </a:r>
-            <a:br>
-              <a:rPr lang="en-US" dirty="0"/>
-            </a:br>
-            <a:endParaRPr lang="ru-RU" dirty="0"/>
-          </a:p>
-        </p:txBody>
-      </p:sp>
       <p:pic>
         <p:nvPicPr>
-          <p:cNvPr id="2050" name="Picture 2"/>
+          <p:cNvPr id="2051" name="Picture 3"/>
           <p:cNvPicPr>
             <a:picLocks noChangeAspect="1" noChangeArrowheads="1"/>
           </p:cNvPicPr>
           <p:nvPr/>
         </p:nvPicPr>
         <p:blipFill>
-          <a:blip r:embed="rId2">
+          <a:blip r:embed="rId3">
             <a:extLst>
               <a:ext uri="{28A0092B-C50C-407E-A947-70E740481C1C}">
                 <a14:useLocalDpi xmlns:a14="http://schemas.microsoft.com/office/drawing/2010/main" val="0"/>
@@ -20983,8 +20683,8 @@
         </p:blipFill>
         <p:spPr bwMode="auto">
           <a:xfrm>
-            <a:off x="0" y="4143404"/>
-            <a:ext cx="7867650" cy="1000125"/>
+            <a:off x="6705600" y="4982557"/>
+            <a:ext cx="5486400" cy="1657350"/>
           </a:xfrm>
           <a:prstGeom prst="rect">
             <a:avLst/>
@@ -21026,14 +20726,14 @@
       </p:pic>
       <p:pic>
         <p:nvPicPr>
-          <p:cNvPr id="2051" name="Picture 3"/>
+          <p:cNvPr id="2052" name="Picture 4"/>
           <p:cNvPicPr>
             <a:picLocks noChangeAspect="1" noChangeArrowheads="1"/>
           </p:cNvPicPr>
           <p:nvPr/>
         </p:nvPicPr>
         <p:blipFill>
-          <a:blip r:embed="rId3">
+          <a:blip r:embed="rId4">
             <a:extLst>
               <a:ext uri="{28A0092B-C50C-407E-A947-70E740481C1C}">
                 <a14:useLocalDpi xmlns:a14="http://schemas.microsoft.com/office/drawing/2010/main" val="0"/>
@@ -21047,8 +20747,8 @@
         </p:blipFill>
         <p:spPr bwMode="auto">
           <a:xfrm>
-            <a:off x="6705600" y="4982557"/>
-            <a:ext cx="5486400" cy="1657350"/>
+            <a:off x="0" y="6226522"/>
+            <a:ext cx="6715125" cy="533400"/>
           </a:xfrm>
           <a:prstGeom prst="rect">
             <a:avLst/>
@@ -21088,131 +20788,10 @@
           </a:extLst>
         </p:spPr>
       </p:pic>
-      <p:pic>
-        <p:nvPicPr>
-          <p:cNvPr id="2052" name="Picture 4"/>
-          <p:cNvPicPr>
-            <a:picLocks noChangeAspect="1" noChangeArrowheads="1"/>
-          </p:cNvPicPr>
-          <p:nvPr/>
-        </p:nvPicPr>
-        <p:blipFill>
-          <a:blip r:embed="rId4">
-            <a:extLst>
-              <a:ext uri="{28A0092B-C50C-407E-A947-70E740481C1C}">
-                <a14:useLocalDpi xmlns:a14="http://schemas.microsoft.com/office/drawing/2010/main" val="0"/>
-              </a:ext>
-            </a:extLst>
-          </a:blip>
-          <a:srcRect/>
-          <a:stretch>
-            <a:fillRect/>
-          </a:stretch>
-        </p:blipFill>
-        <p:spPr bwMode="auto">
-          <a:xfrm>
-            <a:off x="0" y="6226522"/>
-            <a:ext cx="6715125" cy="533400"/>
-          </a:xfrm>
-          <a:prstGeom prst="rect">
-            <a:avLst/>
-          </a:prstGeom>
-          <a:noFill/>
-          <a:ln>
-            <a:noFill/>
-          </a:ln>
-          <a:effectLst/>
-          <a:extLst>
-            <a:ext uri="{909E8E84-426E-40DD-AFC4-6F175D3DCCD1}">
-              <a14:hiddenFill xmlns:a14="http://schemas.microsoft.com/office/drawing/2010/main">
-                <a:solidFill>
-                  <a:schemeClr val="accent1"/>
-                </a:solidFill>
-              </a14:hiddenFill>
-            </a:ext>
-            <a:ext uri="{91240B29-F687-4F45-9708-019B960494DF}">
-              <a14:hiddenLine xmlns:a14="http://schemas.microsoft.com/office/drawing/2010/main" w="9525">
-                <a:solidFill>
-                  <a:schemeClr val="tx1"/>
-                </a:solidFill>
-                <a:miter lim="800000"/>
-                <a:headEnd/>
-                <a:tailEnd/>
-              </a14:hiddenLine>
-            </a:ext>
-            <a:ext uri="{AF507438-7753-43E0-B8FC-AC1667EBCBE1}">
-              <a14:hiddenEffects xmlns:a14="http://schemas.microsoft.com/office/drawing/2010/main">
-                <a:effectLst>
-                  <a:outerShdw dist="35921" dir="2700000" algn="ctr" rotWithShape="0">
-                    <a:schemeClr val="bg2"/>
-                  </a:outerShdw>
-                </a:effectLst>
-              </a14:hiddenEffects>
-            </a:ext>
-          </a:extLst>
-        </p:spPr>
-      </p:pic>
     </p:spTree>
     <p:extLst>
       <p:ext uri="{BB962C8B-B14F-4D97-AF65-F5344CB8AC3E}">
         <p14:creationId xmlns:p14="http://schemas.microsoft.com/office/powerpoint/2010/main" val="396765651"/>
-      </p:ext>
-    </p:extLst>
-  </p:cSld>
-  <p:clrMapOvr>
-    <a:masterClrMapping/>
-  </p:clrMapOvr>
-</p:sld>
-</file>
-
-<file path=ppt/slides/slide50.xml><?xml version="1.0" encoding="utf-8"?>
-<p:sld xmlns:a="http://schemas.openxmlformats.org/drawingml/2006/main" xmlns:r="http://schemas.openxmlformats.org/officeDocument/2006/relationships" xmlns:p="http://schemas.openxmlformats.org/presentationml/2006/main">
-  <p:cSld>
-    <p:spTree>
-      <p:nvGrpSpPr>
-        <p:cNvPr id="1" name=""/>
-        <p:cNvGrpSpPr/>
-        <p:nvPr/>
-      </p:nvGrpSpPr>
-      <p:grpSpPr>
-        <a:xfrm>
-          <a:off x="0" y="0"/>
-          <a:ext cx="0" cy="0"/>
-          <a:chOff x="0" y="0"/>
-          <a:chExt cx="0" cy="0"/>
-        </a:xfrm>
-      </p:grpSpPr>
-      <p:pic>
-        <p:nvPicPr>
-          <p:cNvPr id="5" name="pasted-image.png"/>
-          <p:cNvPicPr>
-            <a:picLocks noChangeAspect="1"/>
-          </p:cNvPicPr>
-          <p:nvPr/>
-        </p:nvPicPr>
-        <p:blipFill>
-          <a:blip r:embed="rId2"/>
-          <a:stretch>
-            <a:fillRect/>
-          </a:stretch>
-        </p:blipFill>
-        <p:spPr>
-          <a:xfrm>
-            <a:off x="0" y="0"/>
-            <a:ext cx="12192000" cy="6858000"/>
-          </a:xfrm>
-          <a:prstGeom prst="rect">
-            <a:avLst/>
-          </a:prstGeom>
-          <a:ln w="12700">
-            <a:miter lim="400000"/>
-          </a:ln>
-        </p:spPr>
-      </p:pic>
-    </p:spTree>
-    <p:extLst>
-      <p:ext uri="{BB962C8B-B14F-4D97-AF65-F5344CB8AC3E}">
-        <p14:creationId xmlns:p14="http://schemas.microsoft.com/office/powerpoint/2010/main" val="1735758878"/>
       </p:ext>
     </p:extLst>
   </p:cSld>
@@ -21470,6 +21049,70 @@
           <a:xfrm>
             <a:off x="133176" y="555308"/>
             <a:ext cx="12001234" cy="3757612"/>
+          </a:xfrm>
+          <a:prstGeom prst="rect">
+            <a:avLst/>
+          </a:prstGeom>
+          <a:noFill/>
+          <a:ln>
+            <a:noFill/>
+          </a:ln>
+          <a:effectLst/>
+          <a:extLst>
+            <a:ext uri="{909E8E84-426E-40DD-AFC4-6F175D3DCCD1}">
+              <a14:hiddenFill xmlns:a14="http://schemas.microsoft.com/office/drawing/2010/main">
+                <a:solidFill>
+                  <a:schemeClr val="accent1"/>
+                </a:solidFill>
+              </a14:hiddenFill>
+            </a:ext>
+            <a:ext uri="{91240B29-F687-4F45-9708-019B960494DF}">
+              <a14:hiddenLine xmlns:a14="http://schemas.microsoft.com/office/drawing/2010/main" w="9525">
+                <a:solidFill>
+                  <a:schemeClr val="tx1"/>
+                </a:solidFill>
+                <a:miter lim="800000"/>
+                <a:headEnd/>
+                <a:tailEnd/>
+              </a14:hiddenLine>
+            </a:ext>
+            <a:ext uri="{AF507438-7753-43E0-B8FC-AC1667EBCBE1}">
+              <a14:hiddenEffects xmlns:a14="http://schemas.microsoft.com/office/drawing/2010/main">
+                <a:effectLst>
+                  <a:outerShdw dist="35921" dir="2700000" algn="ctr" rotWithShape="0">
+                    <a:schemeClr val="bg2"/>
+                  </a:outerShdw>
+                </a:effectLst>
+              </a14:hiddenEffects>
+            </a:ext>
+          </a:extLst>
+        </p:spPr>
+      </p:pic>
+      <p:pic>
+        <p:nvPicPr>
+          <p:cNvPr id="1026" name="Picture 2"/>
+          <p:cNvPicPr>
+            <a:picLocks noChangeAspect="1" noChangeArrowheads="1"/>
+          </p:cNvPicPr>
+          <p:nvPr/>
+        </p:nvPicPr>
+        <p:blipFill>
+          <a:blip r:embed="rId3">
+            <a:extLst>
+              <a:ext uri="{28A0092B-C50C-407E-A947-70E740481C1C}">
+                <a14:useLocalDpi xmlns:a14="http://schemas.microsoft.com/office/drawing/2010/main" val="0"/>
+              </a:ext>
+            </a:extLst>
+          </a:blip>
+          <a:srcRect/>
+          <a:stretch>
+            <a:fillRect/>
+          </a:stretch>
+        </p:blipFill>
+        <p:spPr bwMode="auto">
+          <a:xfrm>
+            <a:off x="451484" y="4868228"/>
+            <a:ext cx="8092291" cy="1380172"/>
           </a:xfrm>
           <a:prstGeom prst="rect">
             <a:avLst/>
@@ -22034,7 +21677,7 @@
   <a:extraClrSchemeLst/>
   <a:extLst>
     <a:ext uri="{05A4C25C-085E-4340-85A3-A5531E510DB2}">
-      <thm15:themeFamily xmlns:thm15="http://schemas.microsoft.com/office/thememl/2012/main" xmlns="" name="Presentation7" id="{EDBDD289-3946-6C44-95DC-76383EF7028A}" vid="{6D763B00-EF50-F542-BB8F-59F84E5659F4}"/>
+      <thm15:themeFamily xmlns="" xmlns:thm15="http://schemas.microsoft.com/office/thememl/2012/main" name="Presentation7" id="{EDBDD289-3946-6C44-95DC-76383EF7028A}" vid="{6D763B00-EF50-F542-BB8F-59F84E5659F4}"/>
     </a:ext>
   </a:extLst>
 </a:theme>
@@ -22235,7 +21878,7 @@
   <a:extraClrSchemeLst/>
   <a:extLst>
     <a:ext uri="{05A4C25C-085E-4340-85A3-A5531E510DB2}">
-      <thm15:themeFamily xmlns:thm15="http://schemas.microsoft.com/office/thememl/2012/main" xmlns="" name="Presentation7" id="{EDBDD289-3946-6C44-95DC-76383EF7028A}" vid="{6D763B00-EF50-F542-BB8F-59F84E5659F4}"/>
+      <thm15:themeFamily xmlns="" xmlns:thm15="http://schemas.microsoft.com/office/thememl/2012/main" name="Presentation7" id="{EDBDD289-3946-6C44-95DC-76383EF7028A}" vid="{6D763B00-EF50-F542-BB8F-59F84E5659F4}"/>
     </a:ext>
   </a:extLst>
 </a:theme>
@@ -22436,7 +22079,7 @@
   <a:extraClrSchemeLst/>
   <a:extLst>
     <a:ext uri="{05A4C25C-085E-4340-85A3-A5531E510DB2}">
-      <thm15:themeFamily xmlns:thm15="http://schemas.microsoft.com/office/thememl/2012/main" xmlns="" name="Presentation7" id="{EDBDD289-3946-6C44-95DC-76383EF7028A}" vid="{6D763B00-EF50-F542-BB8F-59F84E5659F4}"/>
+      <thm15:themeFamily xmlns="" xmlns:thm15="http://schemas.microsoft.com/office/thememl/2012/main" name="Presentation7" id="{EDBDD289-3946-6C44-95DC-76383EF7028A}" vid="{6D763B00-EF50-F542-BB8F-59F84E5659F4}"/>
     </a:ext>
   </a:extLst>
 </a:theme>
@@ -22697,21 +22340,13 @@
   <a:extraClrSchemeLst/>
   <a:extLst>
     <a:ext uri="{05A4C25C-085E-4340-85A3-A5531E510DB2}">
-      <thm15:themeFamily xmlns:thm15="http://schemas.microsoft.com/office/thememl/2012/main" xmlns="" name="Office Theme" id="{62F939B6-93AF-4DB8-9C6B-D6C7DFDC589F}" vid="{4A3C46E8-61CC-4603-A589-7422A47A8E4A}"/>
+      <thm15:themeFamily xmlns="" xmlns:thm15="http://schemas.microsoft.com/office/thememl/2012/main" name="Office Theme" id="{62F939B6-93AF-4DB8-9C6B-D6C7DFDC589F}" vid="{4A3C46E8-61CC-4603-A589-7422A47A8E4A}"/>
     </a:ext>
   </a:extLst>
 </a:theme>
 </file>
 
 <file path=customXml/item1.xml><?xml version="1.0" encoding="utf-8"?>
-<p:properties xmlns:p="http://schemas.microsoft.com/office/2006/metadata/properties" xmlns:xsi="http://www.w3.org/2001/XMLSchema-instance" xmlns:pc="http://schemas.microsoft.com/office/infopath/2007/PartnerControls">
-  <documentManagement>
-    <_x041a__x043e__x043c__x0435__x0442__x0430__x0440_ xmlns="835f28f2-30f1-4728-84d2-86d96e143488" xsi:nil="true"/>
-  </documentManagement>
-</p:properties>
-</file>
-
-<file path=customXml/item2.xml><?xml version="1.0" encoding="utf-8"?>
 <ct:contentTypeSchema xmlns:ct="http://schemas.microsoft.com/office/2006/metadata/contentType" xmlns:ma="http://schemas.microsoft.com/office/2006/metadata/properties/metaAttributes" ct:_="" ma:_="" ma:contentTypeName="Document" ma:contentTypeID="0x0101004195FC54A15F344D83577B1CDDD67A5D" ma:contentTypeVersion="13" ma:contentTypeDescription="Create a new document." ma:contentTypeScope="" ma:versionID="30ded57c9b2156718eb8cc7b0e4246dc">
   <xsd:schema xmlns:xsd="http://www.w3.org/2001/XMLSchema" xmlns:xs="http://www.w3.org/2001/XMLSchema" xmlns:p="http://schemas.microsoft.com/office/2006/metadata/properties" xmlns:ns2="341e6018-ac0a-4dfb-8409-db9e0d25502e" xmlns:ns3="835f28f2-30f1-4728-84d2-86d96e143488" targetNamespace="http://schemas.microsoft.com/office/2006/metadata/properties" ma:root="true" ma:fieldsID="a0d1831635397921c92a19e568dfc949" ns2:_="" ns3:_="">
     <xsd:import namespace="341e6018-ac0a-4dfb-8409-db9e0d25502e"/>
@@ -22936,7 +22571,7 @@
 </ct:contentTypeSchema>
 </file>
 
-<file path=customXml/item3.xml><?xml version="1.0" encoding="utf-8"?>
+<file path=customXml/item2.xml><?xml version="1.0" encoding="utf-8"?>
 <?mso-contentType ?>
 <FormTemplates xmlns="http://schemas.microsoft.com/sharepoint/v3/contenttype/forms">
   <Display>DocumentLibraryForm</Display>
@@ -22945,24 +22580,15 @@
 </FormTemplates>
 </file>
 
-<file path=customXml/itemProps1.xml><?xml version="1.0" encoding="utf-8"?>
-<ds:datastoreItem xmlns:ds="http://schemas.openxmlformats.org/officeDocument/2006/customXml" ds:itemID="{E9033E08-7FE9-4F6D-B155-A8777B4A5A57}">
-  <ds:schemaRefs>
-    <ds:schemaRef ds:uri="341e6018-ac0a-4dfb-8409-db9e0d25502e"/>
-    <ds:schemaRef ds:uri="835f28f2-30f1-4728-84d2-86d96e143488"/>
-    <ds:schemaRef ds:uri="http://purl.org/dc/dcmitype/"/>
-    <ds:schemaRef ds:uri="http://purl.org/dc/elements/1.1/"/>
-    <ds:schemaRef ds:uri="http://purl.org/dc/terms/"/>
-    <ds:schemaRef ds:uri="http://schemas.microsoft.com/office/2006/documentManagement/types"/>
-    <ds:schemaRef ds:uri="http://schemas.microsoft.com/office/2006/metadata/properties"/>
-    <ds:schemaRef ds:uri="http://schemas.microsoft.com/office/infopath/2007/PartnerControls"/>
-    <ds:schemaRef ds:uri="http://schemas.openxmlformats.org/package/2006/metadata/core-properties"/>
-    <ds:schemaRef ds:uri="http://www.w3.org/XML/1998/namespace"/>
-  </ds:schemaRefs>
-</ds:datastoreItem>
+<file path=customXml/item3.xml><?xml version="1.0" encoding="utf-8"?>
+<p:properties xmlns:p="http://schemas.microsoft.com/office/2006/metadata/properties" xmlns:xsi="http://www.w3.org/2001/XMLSchema-instance" xmlns:pc="http://schemas.microsoft.com/office/infopath/2007/PartnerControls">
+  <documentManagement>
+    <_x041a__x043e__x043c__x0435__x0442__x0430__x0440_ xmlns="835f28f2-30f1-4728-84d2-86d96e143488" xsi:nil="true"/>
+  </documentManagement>
+</p:properties>
 </file>
 
-<file path=customXml/itemProps2.xml><?xml version="1.0" encoding="utf-8"?>
+<file path=customXml/itemProps1.xml><?xml version="1.0" encoding="utf-8"?>
 <ds:datastoreItem xmlns:ds="http://schemas.openxmlformats.org/officeDocument/2006/customXml" ds:itemID="{5BCFD5A9-9FF3-42E0-89D7-BF5BFC61DD60}">
   <ds:schemaRefs>
     <ds:schemaRef ds:uri="341e6018-ac0a-4dfb-8409-db9e0d25502e"/>
@@ -22981,10 +22607,27 @@
 </ds:datastoreItem>
 </file>
 
-<file path=customXml/itemProps3.xml><?xml version="1.0" encoding="utf-8"?>
+<file path=customXml/itemProps2.xml><?xml version="1.0" encoding="utf-8"?>
 <ds:datastoreItem xmlns:ds="http://schemas.openxmlformats.org/officeDocument/2006/customXml" ds:itemID="{296B3B9E-03D8-4766-BF45-6129617CF026}">
   <ds:schemaRefs>
     <ds:schemaRef ds:uri="http://schemas.microsoft.com/sharepoint/v3/contenttype/forms"/>
   </ds:schemaRefs>
 </ds:datastoreItem>
+</file>
+
+<file path=customXml/itemProps3.xml><?xml version="1.0" encoding="utf-8"?>
+<ds:datastoreItem xmlns:ds="http://schemas.openxmlformats.org/officeDocument/2006/customXml" ds:itemID="{E9033E08-7FE9-4F6D-B155-A8777B4A5A57}">
+  <ds:schemaRefs>
+    <ds:schemaRef ds:uri="341e6018-ac0a-4dfb-8409-db9e0d25502e"/>
+    <ds:schemaRef ds:uri="835f28f2-30f1-4728-84d2-86d96e143488"/>
+    <ds:schemaRef ds:uri="http://purl.org/dc/dcmitype/"/>
+    <ds:schemaRef ds:uri="http://purl.org/dc/elements/1.1/"/>
+    <ds:schemaRef ds:uri="http://purl.org/dc/terms/"/>
+    <ds:schemaRef ds:uri="http://schemas.microsoft.com/office/2006/documentManagement/types"/>
+    <ds:schemaRef ds:uri="http://schemas.microsoft.com/office/2006/metadata/properties"/>
+    <ds:schemaRef ds:uri="http://schemas.microsoft.com/office/infopath/2007/PartnerControls"/>
+    <ds:schemaRef ds:uri="http://schemas.openxmlformats.org/package/2006/metadata/core-properties"/>
+    <ds:schemaRef ds:uri="http://www.w3.org/XML/1998/namespace"/>
+  </ds:schemaRefs>
+</ds:datastoreItem>
 </file>